--- a/Group C-Algo_Crypto_Image_Presentation.pptx
+++ b/Group C-Algo_Crypto_Image_Presentation.pptx
@@ -1,45 +1,45 @@
 
 <file path=ppt/presentation.xml><?xml version="1.0" encoding="utf-8"?>
-<p:presentation xmlns:a="http://schemas.openxmlformats.org/drawingml/2006/main" xmlns:r="http://schemas.openxmlformats.org/officeDocument/2006/relationships" xmlns:mc="http://schemas.openxmlformats.org/markup-compatibility/2006" xmlns:mv="urn:schemas-microsoft-com:mac:vml" xmlns:p="http://schemas.openxmlformats.org/presentationml/2006/main" xmlns:c="http://schemas.openxmlformats.org/drawingml/2006/chart" xmlns:dgm="http://schemas.openxmlformats.org/drawingml/2006/diagram" xmlns:o="urn:schemas-microsoft-com:office:office" xmlns:v="urn:schemas-microsoft-com:vml" xmlns:pvml="urn:schemas-microsoft-com:office:powerpoint" xmlns:com="http://schemas.openxmlformats.org/drawingml/2006/compatibility" xmlns:p14="http://schemas.microsoft.com/office/powerpoint/2010/main" xmlns:p15="http://schemas.microsoft.com/office/powerpoint/2012/main" autoCompressPictures="0" embedTrueTypeFonts="1" strictFirstAndLastChars="0" saveSubsetFonts="1">
+<p:presentation xmlns:a="http://schemas.openxmlformats.org/drawingml/2006/main" xmlns:r="http://schemas.openxmlformats.org/officeDocument/2006/relationships" xmlns:p="http://schemas.openxmlformats.org/presentationml/2006/main" strictFirstAndLastChars="0" embedTrueTypeFonts="1" saveSubsetFonts="1" autoCompressPictures="0">
   <p:sldMasterIdLst>
-    <p:sldMasterId id="2147483659" r:id="rId4"/>
+    <p:sldMasterId id="2147483659" r:id="rId1"/>
   </p:sldMasterIdLst>
   <p:notesMasterIdLst>
-    <p:notesMasterId r:id="rId5"/>
+    <p:notesMasterId r:id="rId20"/>
   </p:notesMasterIdLst>
   <p:sldIdLst>
-    <p:sldId id="256" r:id="rId6"/>
-    <p:sldId id="257" r:id="rId7"/>
-    <p:sldId id="258" r:id="rId8"/>
-    <p:sldId id="259" r:id="rId9"/>
-    <p:sldId id="260" r:id="rId10"/>
-    <p:sldId id="261" r:id="rId11"/>
-    <p:sldId id="262" r:id="rId12"/>
-    <p:sldId id="263" r:id="rId13"/>
-    <p:sldId id="264" r:id="rId14"/>
-    <p:sldId id="265" r:id="rId15"/>
-    <p:sldId id="266" r:id="rId16"/>
-    <p:sldId id="267" r:id="rId17"/>
-    <p:sldId id="268" r:id="rId18"/>
-    <p:sldId id="269" r:id="rId19"/>
-    <p:sldId id="270" r:id="rId20"/>
-    <p:sldId id="271" r:id="rId21"/>
-    <p:sldId id="272" r:id="rId22"/>
-    <p:sldId id="273" r:id="rId23"/>
+    <p:sldId id="256" r:id="rId2"/>
+    <p:sldId id="257" r:id="rId3"/>
+    <p:sldId id="258" r:id="rId4"/>
+    <p:sldId id="259" r:id="rId5"/>
+    <p:sldId id="260" r:id="rId6"/>
+    <p:sldId id="261" r:id="rId7"/>
+    <p:sldId id="262" r:id="rId8"/>
+    <p:sldId id="263" r:id="rId9"/>
+    <p:sldId id="264" r:id="rId10"/>
+    <p:sldId id="265" r:id="rId11"/>
+    <p:sldId id="266" r:id="rId12"/>
+    <p:sldId id="267" r:id="rId13"/>
+    <p:sldId id="268" r:id="rId14"/>
+    <p:sldId id="269" r:id="rId15"/>
+    <p:sldId id="270" r:id="rId16"/>
+    <p:sldId id="271" r:id="rId17"/>
+    <p:sldId id="272" r:id="rId18"/>
+    <p:sldId id="273" r:id="rId19"/>
   </p:sldIdLst>
-  <p:sldSz cy="5143500" cx="9144000"/>
+  <p:sldSz cx="9144000" cy="5143500" type="screen16x9"/>
   <p:notesSz cx="6858000" cy="9144000"/>
   <p:embeddedFontLst>
     <p:embeddedFont>
-      <p:font typeface="Roboto"/>
-      <p:regular r:id="rId24"/>
-      <p:bold r:id="rId25"/>
-      <p:italic r:id="rId26"/>
-      <p:boldItalic r:id="rId27"/>
+      <p:font typeface="Roboto" panose="020B0604020202020204" charset="0"/>
+      <p:regular r:id="rId21"/>
+      <p:bold r:id="rId22"/>
+      <p:italic r:id="rId23"/>
+      <p:boldItalic r:id="rId24"/>
     </p:embeddedFont>
   </p:embeddedFontLst>
   <p:defaultTextStyle>
-    <a:defPPr lvl="0" marR="0" rtl="0" algn="l">
+    <a:defPPr marR="0" lvl="0" algn="l" rtl="0">
       <a:lnSpc>
         <a:spcPct val="100000"/>
       </a:lnSpc>
@@ -50,7 +50,7 @@
         <a:spcPts val="0"/>
       </a:spcAft>
     </a:defPPr>
-    <a:lvl1pPr lvl="0" marR="0" rtl="0" algn="l">
+    <a:lvl1pPr marR="0" lvl="0" algn="l" rtl="0">
       <a:lnSpc>
         <a:spcPct val="100000"/>
       </a:lnSpc>
@@ -64,7 +64,7 @@
         <a:srgbClr val="000000"/>
       </a:buClr>
       <a:buFont typeface="Arial"/>
-      <a:defRPr b="0" i="0" sz="1400" u="none" cap="none" strike="noStrike">
+      <a:defRPr sz="1400" b="0" i="0" u="none" strike="noStrike" cap="none">
         <a:solidFill>
           <a:srgbClr val="000000"/>
         </a:solidFill>
@@ -74,7 +74,7 @@
         <a:sym typeface="Arial"/>
       </a:defRPr>
     </a:lvl1pPr>
-    <a:lvl2pPr lvl="1" marR="0" rtl="0" algn="l">
+    <a:lvl2pPr marR="0" lvl="1" algn="l" rtl="0">
       <a:lnSpc>
         <a:spcPct val="100000"/>
       </a:lnSpc>
@@ -88,7 +88,7 @@
         <a:srgbClr val="000000"/>
       </a:buClr>
       <a:buFont typeface="Arial"/>
-      <a:defRPr b="0" i="0" sz="1400" u="none" cap="none" strike="noStrike">
+      <a:defRPr sz="1400" b="0" i="0" u="none" strike="noStrike" cap="none">
         <a:solidFill>
           <a:srgbClr val="000000"/>
         </a:solidFill>
@@ -98,7 +98,7 @@
         <a:sym typeface="Arial"/>
       </a:defRPr>
     </a:lvl2pPr>
-    <a:lvl3pPr lvl="2" marR="0" rtl="0" algn="l">
+    <a:lvl3pPr marR="0" lvl="2" algn="l" rtl="0">
       <a:lnSpc>
         <a:spcPct val="100000"/>
       </a:lnSpc>
@@ -112,7 +112,7 @@
         <a:srgbClr val="000000"/>
       </a:buClr>
       <a:buFont typeface="Arial"/>
-      <a:defRPr b="0" i="0" sz="1400" u="none" cap="none" strike="noStrike">
+      <a:defRPr sz="1400" b="0" i="0" u="none" strike="noStrike" cap="none">
         <a:solidFill>
           <a:srgbClr val="000000"/>
         </a:solidFill>
@@ -122,7 +122,7 @@
         <a:sym typeface="Arial"/>
       </a:defRPr>
     </a:lvl3pPr>
-    <a:lvl4pPr lvl="3" marR="0" rtl="0" algn="l">
+    <a:lvl4pPr marR="0" lvl="3" algn="l" rtl="0">
       <a:lnSpc>
         <a:spcPct val="100000"/>
       </a:lnSpc>
@@ -136,7 +136,7 @@
         <a:srgbClr val="000000"/>
       </a:buClr>
       <a:buFont typeface="Arial"/>
-      <a:defRPr b="0" i="0" sz="1400" u="none" cap="none" strike="noStrike">
+      <a:defRPr sz="1400" b="0" i="0" u="none" strike="noStrike" cap="none">
         <a:solidFill>
           <a:srgbClr val="000000"/>
         </a:solidFill>
@@ -146,7 +146,7 @@
         <a:sym typeface="Arial"/>
       </a:defRPr>
     </a:lvl4pPr>
-    <a:lvl5pPr lvl="4" marR="0" rtl="0" algn="l">
+    <a:lvl5pPr marR="0" lvl="4" algn="l" rtl="0">
       <a:lnSpc>
         <a:spcPct val="100000"/>
       </a:lnSpc>
@@ -160,7 +160,7 @@
         <a:srgbClr val="000000"/>
       </a:buClr>
       <a:buFont typeface="Arial"/>
-      <a:defRPr b="0" i="0" sz="1400" u="none" cap="none" strike="noStrike">
+      <a:defRPr sz="1400" b="0" i="0" u="none" strike="noStrike" cap="none">
         <a:solidFill>
           <a:srgbClr val="000000"/>
         </a:solidFill>
@@ -170,7 +170,7 @@
         <a:sym typeface="Arial"/>
       </a:defRPr>
     </a:lvl5pPr>
-    <a:lvl6pPr lvl="5" marR="0" rtl="0" algn="l">
+    <a:lvl6pPr marR="0" lvl="5" algn="l" rtl="0">
       <a:lnSpc>
         <a:spcPct val="100000"/>
       </a:lnSpc>
@@ -184,7 +184,7 @@
         <a:srgbClr val="000000"/>
       </a:buClr>
       <a:buFont typeface="Arial"/>
-      <a:defRPr b="0" i="0" sz="1400" u="none" cap="none" strike="noStrike">
+      <a:defRPr sz="1400" b="0" i="0" u="none" strike="noStrike" cap="none">
         <a:solidFill>
           <a:srgbClr val="000000"/>
         </a:solidFill>
@@ -194,7 +194,7 @@
         <a:sym typeface="Arial"/>
       </a:defRPr>
     </a:lvl6pPr>
-    <a:lvl7pPr lvl="6" marR="0" rtl="0" algn="l">
+    <a:lvl7pPr marR="0" lvl="6" algn="l" rtl="0">
       <a:lnSpc>
         <a:spcPct val="100000"/>
       </a:lnSpc>
@@ -208,7 +208,7 @@
         <a:srgbClr val="000000"/>
       </a:buClr>
       <a:buFont typeface="Arial"/>
-      <a:defRPr b="0" i="0" sz="1400" u="none" cap="none" strike="noStrike">
+      <a:defRPr sz="1400" b="0" i="0" u="none" strike="noStrike" cap="none">
         <a:solidFill>
           <a:srgbClr val="000000"/>
         </a:solidFill>
@@ -218,7 +218,7 @@
         <a:sym typeface="Arial"/>
       </a:defRPr>
     </a:lvl7pPr>
-    <a:lvl8pPr lvl="7" marR="0" rtl="0" algn="l">
+    <a:lvl8pPr marR="0" lvl="7" algn="l" rtl="0">
       <a:lnSpc>
         <a:spcPct val="100000"/>
       </a:lnSpc>
@@ -232,7 +232,7 @@
         <a:srgbClr val="000000"/>
       </a:buClr>
       <a:buFont typeface="Arial"/>
-      <a:defRPr b="0" i="0" sz="1400" u="none" cap="none" strike="noStrike">
+      <a:defRPr sz="1400" b="0" i="0" u="none" strike="noStrike" cap="none">
         <a:solidFill>
           <a:srgbClr val="000000"/>
         </a:solidFill>
@@ -242,7 +242,7 @@
         <a:sym typeface="Arial"/>
       </a:defRPr>
     </a:lvl8pPr>
-    <a:lvl9pPr lvl="8" marR="0" rtl="0" algn="l">
+    <a:lvl9pPr marR="0" lvl="8" algn="l" rtl="0">
       <a:lnSpc>
         <a:spcPct val="100000"/>
       </a:lnSpc>
@@ -256,7 +256,7 @@
         <a:srgbClr val="000000"/>
       </a:buClr>
       <a:buFont typeface="Arial"/>
-      <a:defRPr b="0" i="0" sz="1400" u="none" cap="none" strike="noStrike">
+      <a:defRPr sz="1400" b="0" i="0" u="none" strike="noStrike" cap="none">
         <a:solidFill>
           <a:srgbClr val="000000"/>
         </a:solidFill>
@@ -269,7 +269,7 @@
   </p:defaultTextStyle>
   <p:extLst>
     <p:ext uri="{EFAFB233-063F-42B5-8137-9DF3F51BA10A}">
-      <p15:sldGuideLst>
+      <p15:sldGuideLst xmlns:p15="http://schemas.microsoft.com/office/powerpoint/2012/main">
         <p15:guide id="1" orient="horz" pos="1620">
           <p15:clr>
             <a:srgbClr val="A4A3A4"/>
@@ -287,11 +287,16 @@
 </file>
 
 <file path=ppt/notesMasters/notesMaster1.xml><?xml version="1.0" encoding="utf-8"?>
-<p:notesMaster xmlns:a="http://schemas.openxmlformats.org/drawingml/2006/main" xmlns:r="http://schemas.openxmlformats.org/officeDocument/2006/relationships" xmlns:mc="http://schemas.openxmlformats.org/markup-compatibility/2006" xmlns:mv="urn:schemas-microsoft-com:mac:vml" xmlns:p="http://schemas.openxmlformats.org/presentationml/2006/main" xmlns:c="http://schemas.openxmlformats.org/drawingml/2006/chart" xmlns:dgm="http://schemas.openxmlformats.org/drawingml/2006/diagram" xmlns:o="urn:schemas-microsoft-com:office:office" xmlns:v="urn:schemas-microsoft-com:vml" xmlns:pvml="urn:schemas-microsoft-com:office:powerpoint" xmlns:com="http://schemas.openxmlformats.org/drawingml/2006/compatibility" xmlns:p14="http://schemas.microsoft.com/office/powerpoint/2010/main" xmlns:p15="http://schemas.microsoft.com/office/powerpoint/2012/main">
+<p:notesMaster xmlns:a="http://schemas.openxmlformats.org/drawingml/2006/main" xmlns:r="http://schemas.openxmlformats.org/officeDocument/2006/relationships" xmlns:p="http://schemas.openxmlformats.org/presentationml/2006/main">
   <p:cSld>
+    <p:bg>
+      <p:bgRef idx="1001">
+        <a:schemeClr val="bg1"/>
+      </p:bgRef>
+    </p:bg>
     <p:spTree>
       <p:nvGrpSpPr>
-        <p:cNvPr id="2" name="Shape 2"/>
+        <p:cNvPr id="1" name="Shape 2"/>
         <p:cNvGrpSpPr/>
         <p:nvPr/>
       </p:nvGrpSpPr>
@@ -306,9 +311,11 @@
       <p:sp>
         <p:nvSpPr>
           <p:cNvPr id="3" name="Google Shape;3;n"/>
-          <p:cNvSpPr/>
+          <p:cNvSpPr>
+            <a:spLocks noGrp="1" noRot="1" noChangeAspect="1"/>
+          </p:cNvSpPr>
           <p:nvPr>
-            <p:ph idx="2" type="sldImg"/>
+            <p:ph type="sldImg" idx="2"/>
           </p:nvPr>
         </p:nvSpPr>
         <p:spPr>
@@ -317,9 +324,13 @@
             <a:ext cx="6096075" cy="3429000"/>
           </a:xfrm>
           <a:custGeom>
-            <a:rect b="b" l="l" r="r" t="t"/>
+            <a:avLst/>
+            <a:gdLst/>
+            <a:ahLst/>
+            <a:cxnLst/>
+            <a:rect l="l" t="t" r="r" b="b"/>
             <a:pathLst>
-              <a:path extrusionOk="0" h="120000" w="120000">
+              <a:path w="120000" h="120000" extrusionOk="0">
                 <a:moveTo>
                   <a:pt x="0" y="0"/>
                 </a:moveTo>
@@ -337,23 +348,25 @@
             </a:pathLst>
           </a:custGeom>
           <a:noFill/>
-          <a:ln cap="flat" cmpd="sng" w="9525">
+          <a:ln w="9525" cap="flat" cmpd="sng">
             <a:solidFill>
               <a:srgbClr val="000000"/>
             </a:solidFill>
             <a:prstDash val="solid"/>
             <a:round/>
-            <a:headEnd len="sm" w="sm" type="none"/>
-            <a:tailEnd len="sm" w="sm" type="none"/>
+            <a:headEnd type="none" w="sm" len="sm"/>
+            <a:tailEnd type="none" w="sm" len="sm"/>
           </a:ln>
         </p:spPr>
       </p:sp>
       <p:sp>
         <p:nvSpPr>
           <p:cNvPr id="4" name="Google Shape;4;n"/>
-          <p:cNvSpPr txBox="1"/>
+          <p:cNvSpPr txBox="1">
+            <a:spLocks noGrp="1"/>
+          </p:cNvSpPr>
           <p:nvPr>
-            <p:ph idx="1" type="body"/>
+            <p:ph type="body" idx="1"/>
           </p:nvPr>
         </p:nvSpPr>
         <p:spPr>
@@ -370,11 +383,11 @@
           </a:ln>
         </p:spPr>
         <p:txBody>
-          <a:bodyPr anchorCtr="0" anchor="t" bIns="91425" lIns="91425" spcFirstLastPara="1" rIns="91425" wrap="square" tIns="91425">
+          <a:bodyPr spcFirstLastPara="1" wrap="square" lIns="91425" tIns="91425" rIns="91425" bIns="91425" anchor="t" anchorCtr="0">
             <a:noAutofit/>
           </a:bodyPr>
           <a:lstStyle>
-            <a:lvl1pPr indent="-317500" lvl="0" marL="457200">
+            <a:lvl1pPr marL="457200" lvl="0" indent="-317500">
               <a:spcBef>
                 <a:spcPts val="0"/>
               </a:spcBef>
@@ -385,7 +398,7 @@
               <a:buChar char="●"/>
               <a:defRPr sz="1100"/>
             </a:lvl1pPr>
-            <a:lvl2pPr indent="-317500" lvl="1" marL="914400">
+            <a:lvl2pPr marL="914400" lvl="1" indent="-317500">
               <a:spcBef>
                 <a:spcPts val="0"/>
               </a:spcBef>
@@ -396,7 +409,7 @@
               <a:buChar char="○"/>
               <a:defRPr sz="1100"/>
             </a:lvl2pPr>
-            <a:lvl3pPr indent="-317500" lvl="2" marL="1371600">
+            <a:lvl3pPr marL="1371600" lvl="2" indent="-317500">
               <a:spcBef>
                 <a:spcPts val="0"/>
               </a:spcBef>
@@ -407,7 +420,7 @@
               <a:buChar char="■"/>
               <a:defRPr sz="1100"/>
             </a:lvl3pPr>
-            <a:lvl4pPr indent="-317500" lvl="3" marL="1828800">
+            <a:lvl4pPr marL="1828800" lvl="3" indent="-317500">
               <a:spcBef>
                 <a:spcPts val="0"/>
               </a:spcBef>
@@ -418,7 +431,7 @@
               <a:buChar char="●"/>
               <a:defRPr sz="1100"/>
             </a:lvl4pPr>
-            <a:lvl5pPr indent="-317500" lvl="4" marL="2286000">
+            <a:lvl5pPr marL="2286000" lvl="4" indent="-317500">
               <a:spcBef>
                 <a:spcPts val="0"/>
               </a:spcBef>
@@ -429,7 +442,7 @@
               <a:buChar char="○"/>
               <a:defRPr sz="1100"/>
             </a:lvl5pPr>
-            <a:lvl6pPr indent="-317500" lvl="5" marL="2743200">
+            <a:lvl6pPr marL="2743200" lvl="5" indent="-317500">
               <a:spcBef>
                 <a:spcPts val="0"/>
               </a:spcBef>
@@ -440,7 +453,7 @@
               <a:buChar char="■"/>
               <a:defRPr sz="1100"/>
             </a:lvl6pPr>
-            <a:lvl7pPr indent="-317500" lvl="6" marL="3200400">
+            <a:lvl7pPr marL="3200400" lvl="6" indent="-317500">
               <a:spcBef>
                 <a:spcPts val="0"/>
               </a:spcBef>
@@ -451,7 +464,7 @@
               <a:buChar char="●"/>
               <a:defRPr sz="1100"/>
             </a:lvl7pPr>
-            <a:lvl8pPr indent="-317500" lvl="7" marL="3657600">
+            <a:lvl8pPr marL="3657600" lvl="7" indent="-317500">
               <a:spcBef>
                 <a:spcPts val="0"/>
               </a:spcBef>
@@ -462,7 +475,7 @@
               <a:buChar char="○"/>
               <a:defRPr sz="1100"/>
             </a:lvl8pPr>
-            <a:lvl9pPr indent="-317500" lvl="8" marL="4114800">
+            <a:lvl9pPr marL="4114800" lvl="8" indent="-317500">
               <a:spcBef>
                 <a:spcPts val="0"/>
               </a:spcBef>
@@ -474,14 +487,21 @@
               <a:defRPr sz="1100"/>
             </a:lvl9pPr>
           </a:lstStyle>
-          <a:p/>
+          <a:p>
+            <a:endParaRPr/>
+          </a:p>
         </p:txBody>
       </p:sp>
     </p:spTree>
+    <p:extLst>
+      <p:ext uri="{BB962C8B-B14F-4D97-AF65-F5344CB8AC3E}">
+        <p14:creationId xmlns:p14="http://schemas.microsoft.com/office/powerpoint/2010/main" val="3465280836"/>
+      </p:ext>
+    </p:extLst>
   </p:cSld>
-  <p:clrMap accent1="accent1" accent2="accent2" accent3="accent3" accent4="accent4" accent5="accent5" accent6="accent6" bg1="lt1" bg2="dk2" tx1="dk1" tx2="lt2" folHlink="folHlink" hlink="hlink"/>
+  <p:clrMap bg1="lt1" tx1="dk1" bg2="dk2" tx2="lt2" accent1="accent1" accent2="accent2" accent3="accent3" accent4="accent4" accent5="accent5" accent6="accent6" hlink="hlink" folHlink="folHlink"/>
   <p:notesStyle>
-    <a:defPPr lvl="0" marR="0" rtl="0" algn="l">
+    <a:defPPr marR="0" lvl="0" algn="l" rtl="0">
       <a:lnSpc>
         <a:spcPct val="100000"/>
       </a:lnSpc>
@@ -492,7 +512,7 @@
         <a:spcPts val="0"/>
       </a:spcAft>
     </a:defPPr>
-    <a:lvl1pPr lvl="0" marR="0" rtl="0" algn="l">
+    <a:lvl1pPr marR="0" lvl="0" algn="l" rtl="0">
       <a:lnSpc>
         <a:spcPct val="100000"/>
       </a:lnSpc>
@@ -506,7 +526,7 @@
         <a:srgbClr val="000000"/>
       </a:buClr>
       <a:buFont typeface="Arial"/>
-      <a:defRPr b="0" i="0" sz="1400" u="none" cap="none" strike="noStrike">
+      <a:defRPr sz="1400" b="0" i="0" u="none" strike="noStrike" cap="none">
         <a:solidFill>
           <a:srgbClr val="000000"/>
         </a:solidFill>
@@ -516,7 +536,7 @@
         <a:sym typeface="Arial"/>
       </a:defRPr>
     </a:lvl1pPr>
-    <a:lvl2pPr lvl="1" marR="0" rtl="0" algn="l">
+    <a:lvl2pPr marR="0" lvl="1" algn="l" rtl="0">
       <a:lnSpc>
         <a:spcPct val="100000"/>
       </a:lnSpc>
@@ -530,7 +550,7 @@
         <a:srgbClr val="000000"/>
       </a:buClr>
       <a:buFont typeface="Arial"/>
-      <a:defRPr b="0" i="0" sz="1400" u="none" cap="none" strike="noStrike">
+      <a:defRPr sz="1400" b="0" i="0" u="none" strike="noStrike" cap="none">
         <a:solidFill>
           <a:srgbClr val="000000"/>
         </a:solidFill>
@@ -540,7 +560,7 @@
         <a:sym typeface="Arial"/>
       </a:defRPr>
     </a:lvl2pPr>
-    <a:lvl3pPr lvl="2" marR="0" rtl="0" algn="l">
+    <a:lvl3pPr marR="0" lvl="2" algn="l" rtl="0">
       <a:lnSpc>
         <a:spcPct val="100000"/>
       </a:lnSpc>
@@ -554,7 +574,7 @@
         <a:srgbClr val="000000"/>
       </a:buClr>
       <a:buFont typeface="Arial"/>
-      <a:defRPr b="0" i="0" sz="1400" u="none" cap="none" strike="noStrike">
+      <a:defRPr sz="1400" b="0" i="0" u="none" strike="noStrike" cap="none">
         <a:solidFill>
           <a:srgbClr val="000000"/>
         </a:solidFill>
@@ -564,7 +584,7 @@
         <a:sym typeface="Arial"/>
       </a:defRPr>
     </a:lvl3pPr>
-    <a:lvl4pPr lvl="3" marR="0" rtl="0" algn="l">
+    <a:lvl4pPr marR="0" lvl="3" algn="l" rtl="0">
       <a:lnSpc>
         <a:spcPct val="100000"/>
       </a:lnSpc>
@@ -578,7 +598,7 @@
         <a:srgbClr val="000000"/>
       </a:buClr>
       <a:buFont typeface="Arial"/>
-      <a:defRPr b="0" i="0" sz="1400" u="none" cap="none" strike="noStrike">
+      <a:defRPr sz="1400" b="0" i="0" u="none" strike="noStrike" cap="none">
         <a:solidFill>
           <a:srgbClr val="000000"/>
         </a:solidFill>
@@ -588,7 +608,7 @@
         <a:sym typeface="Arial"/>
       </a:defRPr>
     </a:lvl4pPr>
-    <a:lvl5pPr lvl="4" marR="0" rtl="0" algn="l">
+    <a:lvl5pPr marR="0" lvl="4" algn="l" rtl="0">
       <a:lnSpc>
         <a:spcPct val="100000"/>
       </a:lnSpc>
@@ -602,7 +622,7 @@
         <a:srgbClr val="000000"/>
       </a:buClr>
       <a:buFont typeface="Arial"/>
-      <a:defRPr b="0" i="0" sz="1400" u="none" cap="none" strike="noStrike">
+      <a:defRPr sz="1400" b="0" i="0" u="none" strike="noStrike" cap="none">
         <a:solidFill>
           <a:srgbClr val="000000"/>
         </a:solidFill>
@@ -612,7 +632,7 @@
         <a:sym typeface="Arial"/>
       </a:defRPr>
     </a:lvl5pPr>
-    <a:lvl6pPr lvl="5" marR="0" rtl="0" algn="l">
+    <a:lvl6pPr marR="0" lvl="5" algn="l" rtl="0">
       <a:lnSpc>
         <a:spcPct val="100000"/>
       </a:lnSpc>
@@ -626,7 +646,7 @@
         <a:srgbClr val="000000"/>
       </a:buClr>
       <a:buFont typeface="Arial"/>
-      <a:defRPr b="0" i="0" sz="1400" u="none" cap="none" strike="noStrike">
+      <a:defRPr sz="1400" b="0" i="0" u="none" strike="noStrike" cap="none">
         <a:solidFill>
           <a:srgbClr val="000000"/>
         </a:solidFill>
@@ -636,7 +656,7 @@
         <a:sym typeface="Arial"/>
       </a:defRPr>
     </a:lvl6pPr>
-    <a:lvl7pPr lvl="6" marR="0" rtl="0" algn="l">
+    <a:lvl7pPr marR="0" lvl="6" algn="l" rtl="0">
       <a:lnSpc>
         <a:spcPct val="100000"/>
       </a:lnSpc>
@@ -650,7 +670,7 @@
         <a:srgbClr val="000000"/>
       </a:buClr>
       <a:buFont typeface="Arial"/>
-      <a:defRPr b="0" i="0" sz="1400" u="none" cap="none" strike="noStrike">
+      <a:defRPr sz="1400" b="0" i="0" u="none" strike="noStrike" cap="none">
         <a:solidFill>
           <a:srgbClr val="000000"/>
         </a:solidFill>
@@ -660,7 +680,7 @@
         <a:sym typeface="Arial"/>
       </a:defRPr>
     </a:lvl7pPr>
-    <a:lvl8pPr lvl="7" marR="0" rtl="0" algn="l">
+    <a:lvl8pPr marR="0" lvl="7" algn="l" rtl="0">
       <a:lnSpc>
         <a:spcPct val="100000"/>
       </a:lnSpc>
@@ -674,7 +694,7 @@
         <a:srgbClr val="000000"/>
       </a:buClr>
       <a:buFont typeface="Arial"/>
-      <a:defRPr b="0" i="0" sz="1400" u="none" cap="none" strike="noStrike">
+      <a:defRPr sz="1400" b="0" i="0" u="none" strike="noStrike" cap="none">
         <a:solidFill>
           <a:srgbClr val="000000"/>
         </a:solidFill>
@@ -684,7 +704,7 @@
         <a:sym typeface="Arial"/>
       </a:defRPr>
     </a:lvl8pPr>
-    <a:lvl9pPr lvl="8" marR="0" rtl="0" algn="l">
+    <a:lvl9pPr marR="0" lvl="8" algn="l" rtl="0">
       <a:lnSpc>
         <a:spcPct val="100000"/>
       </a:lnSpc>
@@ -698,7 +718,7 @@
         <a:srgbClr val="000000"/>
       </a:buClr>
       <a:buFont typeface="Arial"/>
-      <a:defRPr b="0" i="0" sz="1400" u="none" cap="none" strike="noStrike">
+      <a:defRPr sz="1400" b="0" i="0" u="none" strike="noStrike" cap="none">
         <a:solidFill>
           <a:srgbClr val="000000"/>
         </a:solidFill>
@@ -713,11 +733,11 @@
 </file>
 
 <file path=ppt/notesSlides/notesSlide1.xml><?xml version="1.0" encoding="utf-8"?>
-<p:notes xmlns:a="http://schemas.openxmlformats.org/drawingml/2006/main" xmlns:r="http://schemas.openxmlformats.org/officeDocument/2006/relationships" xmlns:mc="http://schemas.openxmlformats.org/markup-compatibility/2006" xmlns:mv="urn:schemas-microsoft-com:mac:vml" xmlns:p="http://schemas.openxmlformats.org/presentationml/2006/main" xmlns:c="http://schemas.openxmlformats.org/drawingml/2006/chart" xmlns:dgm="http://schemas.openxmlformats.org/drawingml/2006/diagram" xmlns:o="urn:schemas-microsoft-com:office:office" xmlns:v="urn:schemas-microsoft-com:vml" xmlns:pvml="urn:schemas-microsoft-com:office:powerpoint" xmlns:com="http://schemas.openxmlformats.org/drawingml/2006/compatibility" xmlns:p14="http://schemas.microsoft.com/office/powerpoint/2010/main" xmlns:p15="http://schemas.microsoft.com/office/powerpoint/2012/main" showMasterPhAnim="0" showMasterSp="0">
+<p:notes xmlns:a="http://schemas.openxmlformats.org/drawingml/2006/main" xmlns:r="http://schemas.openxmlformats.org/officeDocument/2006/relationships" xmlns:p="http://schemas.openxmlformats.org/presentationml/2006/main" showMasterSp="0" showMasterPhAnim="0">
   <p:cSld>
     <p:spTree>
       <p:nvGrpSpPr>
-        <p:cNvPr id="63" name="Shape 63"/>
+        <p:cNvPr id="1" name="Shape 63"/>
         <p:cNvGrpSpPr/>
         <p:nvPr/>
       </p:nvGrpSpPr>
@@ -732,20 +752,26 @@
       <p:sp>
         <p:nvSpPr>
           <p:cNvPr id="64" name="Google Shape;64;gc6f73a04f_0_0:notes"/>
-          <p:cNvSpPr/>
+          <p:cNvSpPr>
+            <a:spLocks noGrp="1" noRot="1" noChangeAspect="1"/>
+          </p:cNvSpPr>
           <p:nvPr>
-            <p:ph idx="2" type="sldImg"/>
+            <p:ph type="sldImg" idx="2"/>
           </p:nvPr>
         </p:nvSpPr>
         <p:spPr>
           <a:xfrm>
-            <a:off x="381188" y="685800"/>
-            <a:ext cx="6096300" cy="3429000"/>
+            <a:off x="381000" y="685800"/>
+            <a:ext cx="6096000" cy="3429000"/>
           </a:xfrm>
           <a:custGeom>
-            <a:rect b="b" l="l" r="r" t="t"/>
+            <a:avLst/>
+            <a:gdLst/>
+            <a:ahLst/>
+            <a:cxnLst/>
+            <a:rect l="l" t="t" r="r" b="b"/>
             <a:pathLst>
-              <a:path extrusionOk="0" h="120000" w="120000">
+              <a:path w="120000" h="120000" extrusionOk="0">
                 <a:moveTo>
                   <a:pt x="0" y="0"/>
                 </a:moveTo>
@@ -767,9 +793,11 @@
       <p:sp>
         <p:nvSpPr>
           <p:cNvPr id="65" name="Google Shape;65;gc6f73a04f_0_0:notes"/>
-          <p:cNvSpPr txBox="1"/>
+          <p:cNvSpPr txBox="1">
+            <a:spLocks noGrp="1"/>
+          </p:cNvSpPr>
           <p:nvPr>
-            <p:ph idx="1" type="body"/>
+            <p:ph type="body" idx="1"/>
           </p:nvPr>
         </p:nvSpPr>
         <p:spPr>
@@ -782,12 +810,12 @@
           </a:prstGeom>
         </p:spPr>
         <p:txBody>
-          <a:bodyPr anchorCtr="0" anchor="t" bIns="91425" lIns="91425" spcFirstLastPara="1" rIns="91425" wrap="square" tIns="91425">
+          <a:bodyPr spcFirstLastPara="1" wrap="square" lIns="91425" tIns="91425" rIns="91425" bIns="91425" anchor="t" anchorCtr="0">
             <a:noAutofit/>
           </a:bodyPr>
           <a:lstStyle/>
           <a:p>
-            <a:pPr indent="0" lvl="0" marL="0" rtl="0" algn="l">
+            <a:pPr marL="0" lvl="0" indent="0" algn="l" rtl="0">
               <a:spcBef>
                 <a:spcPts val="0"/>
               </a:spcBef>
@@ -796,14 +824,16 @@
               </a:spcAft>
               <a:buNone/>
             </a:pPr>
-            <a:r>
-              <a:t/>
-            </a:r>
             <a:endParaRPr/>
           </a:p>
         </p:txBody>
       </p:sp>
     </p:spTree>
+    <p:extLst>
+      <p:ext uri="{BB962C8B-B14F-4D97-AF65-F5344CB8AC3E}">
+        <p14:creationId xmlns:p14="http://schemas.microsoft.com/office/powerpoint/2010/main" val="2022285247"/>
+      </p:ext>
+    </p:extLst>
   </p:cSld>
   <p:clrMapOvr>
     <a:masterClrMapping/>
@@ -812,11 +842,11 @@
 </file>
 
 <file path=ppt/notesSlides/notesSlide10.xml><?xml version="1.0" encoding="utf-8"?>
-<p:notes xmlns:a="http://schemas.openxmlformats.org/drawingml/2006/main" xmlns:r="http://schemas.openxmlformats.org/officeDocument/2006/relationships" xmlns:mc="http://schemas.openxmlformats.org/markup-compatibility/2006" xmlns:mv="urn:schemas-microsoft-com:mac:vml" xmlns:p="http://schemas.openxmlformats.org/presentationml/2006/main" xmlns:c="http://schemas.openxmlformats.org/drawingml/2006/chart" xmlns:dgm="http://schemas.openxmlformats.org/drawingml/2006/diagram" xmlns:o="urn:schemas-microsoft-com:office:office" xmlns:v="urn:schemas-microsoft-com:vml" xmlns:pvml="urn:schemas-microsoft-com:office:powerpoint" xmlns:com="http://schemas.openxmlformats.org/drawingml/2006/compatibility" xmlns:p14="http://schemas.microsoft.com/office/powerpoint/2010/main" xmlns:p15="http://schemas.microsoft.com/office/powerpoint/2012/main" showMasterPhAnim="0" showMasterSp="0">
+<p:notes xmlns:a="http://schemas.openxmlformats.org/drawingml/2006/main" xmlns:r="http://schemas.openxmlformats.org/officeDocument/2006/relationships" xmlns:p="http://schemas.openxmlformats.org/presentationml/2006/main" showMasterSp="0" showMasterPhAnim="0">
   <p:cSld>
     <p:spTree>
       <p:nvGrpSpPr>
-        <p:cNvPr id="120" name="Shape 120"/>
+        <p:cNvPr id="1" name="Shape 120"/>
         <p:cNvGrpSpPr/>
         <p:nvPr/>
       </p:nvGrpSpPr>
@@ -831,20 +861,26 @@
       <p:sp>
         <p:nvSpPr>
           <p:cNvPr id="121" name="Google Shape;121;g8198607cfc_0_48:notes"/>
-          <p:cNvSpPr/>
+          <p:cNvSpPr>
+            <a:spLocks noGrp="1" noRot="1" noChangeAspect="1"/>
+          </p:cNvSpPr>
           <p:nvPr>
-            <p:ph idx="2" type="sldImg"/>
+            <p:ph type="sldImg" idx="2"/>
           </p:nvPr>
         </p:nvSpPr>
         <p:spPr>
           <a:xfrm>
-            <a:off x="381188" y="685800"/>
-            <a:ext cx="6096300" cy="3429000"/>
+            <a:off x="381000" y="685800"/>
+            <a:ext cx="6096000" cy="3429000"/>
           </a:xfrm>
           <a:custGeom>
-            <a:rect b="b" l="l" r="r" t="t"/>
+            <a:avLst/>
+            <a:gdLst/>
+            <a:ahLst/>
+            <a:cxnLst/>
+            <a:rect l="l" t="t" r="r" b="b"/>
             <a:pathLst>
-              <a:path extrusionOk="0" h="120000" w="120000">
+              <a:path w="120000" h="120000" extrusionOk="0">
                 <a:moveTo>
                   <a:pt x="0" y="0"/>
                 </a:moveTo>
@@ -866,9 +902,11 @@
       <p:sp>
         <p:nvSpPr>
           <p:cNvPr id="122" name="Google Shape;122;g8198607cfc_0_48:notes"/>
-          <p:cNvSpPr txBox="1"/>
+          <p:cNvSpPr txBox="1">
+            <a:spLocks noGrp="1"/>
+          </p:cNvSpPr>
           <p:nvPr>
-            <p:ph idx="1" type="body"/>
+            <p:ph type="body" idx="1"/>
           </p:nvPr>
         </p:nvSpPr>
         <p:spPr>
@@ -881,12 +919,12 @@
           </a:prstGeom>
         </p:spPr>
         <p:txBody>
-          <a:bodyPr anchorCtr="0" anchor="t" bIns="91425" lIns="91425" spcFirstLastPara="1" rIns="91425" wrap="square" tIns="91425">
+          <a:bodyPr spcFirstLastPara="1" wrap="square" lIns="91425" tIns="91425" rIns="91425" bIns="91425" anchor="t" anchorCtr="0">
             <a:noAutofit/>
           </a:bodyPr>
           <a:lstStyle/>
           <a:p>
-            <a:pPr indent="0" lvl="0" marL="0" rtl="0" algn="l">
+            <a:pPr marL="0" lvl="0" indent="0" algn="l" rtl="0">
               <a:spcBef>
                 <a:spcPts val="0"/>
               </a:spcBef>
@@ -895,14 +933,16 @@
               </a:spcAft>
               <a:buNone/>
             </a:pPr>
-            <a:r>
-              <a:t/>
-            </a:r>
             <a:endParaRPr/>
           </a:p>
         </p:txBody>
       </p:sp>
     </p:spTree>
+    <p:extLst>
+      <p:ext uri="{BB962C8B-B14F-4D97-AF65-F5344CB8AC3E}">
+        <p14:creationId xmlns:p14="http://schemas.microsoft.com/office/powerpoint/2010/main" val="801379491"/>
+      </p:ext>
+    </p:extLst>
   </p:cSld>
   <p:clrMapOvr>
     <a:masterClrMapping/>
@@ -911,11 +951,11 @@
 </file>
 
 <file path=ppt/notesSlides/notesSlide11.xml><?xml version="1.0" encoding="utf-8"?>
-<p:notes xmlns:a="http://schemas.openxmlformats.org/drawingml/2006/main" xmlns:r="http://schemas.openxmlformats.org/officeDocument/2006/relationships" xmlns:mc="http://schemas.openxmlformats.org/markup-compatibility/2006" xmlns:mv="urn:schemas-microsoft-com:mac:vml" xmlns:p="http://schemas.openxmlformats.org/presentationml/2006/main" xmlns:c="http://schemas.openxmlformats.org/drawingml/2006/chart" xmlns:dgm="http://schemas.openxmlformats.org/drawingml/2006/diagram" xmlns:o="urn:schemas-microsoft-com:office:office" xmlns:v="urn:schemas-microsoft-com:vml" xmlns:pvml="urn:schemas-microsoft-com:office:powerpoint" xmlns:com="http://schemas.openxmlformats.org/drawingml/2006/compatibility" xmlns:p14="http://schemas.microsoft.com/office/powerpoint/2010/main" xmlns:p15="http://schemas.microsoft.com/office/powerpoint/2012/main" showMasterPhAnim="0" showMasterSp="0">
+<p:notes xmlns:a="http://schemas.openxmlformats.org/drawingml/2006/main" xmlns:r="http://schemas.openxmlformats.org/officeDocument/2006/relationships" xmlns:p="http://schemas.openxmlformats.org/presentationml/2006/main" showMasterSp="0" showMasterPhAnim="0">
   <p:cSld>
     <p:spTree>
       <p:nvGrpSpPr>
-        <p:cNvPr id="125" name="Shape 125"/>
+        <p:cNvPr id="1" name="Shape 125"/>
         <p:cNvGrpSpPr/>
         <p:nvPr/>
       </p:nvGrpSpPr>
@@ -930,20 +970,26 @@
       <p:sp>
         <p:nvSpPr>
           <p:cNvPr id="126" name="Google Shape;126;g8198607cfc_0_34:notes"/>
-          <p:cNvSpPr/>
+          <p:cNvSpPr>
+            <a:spLocks noGrp="1" noRot="1" noChangeAspect="1"/>
+          </p:cNvSpPr>
           <p:nvPr>
-            <p:ph idx="2" type="sldImg"/>
+            <p:ph type="sldImg" idx="2"/>
           </p:nvPr>
         </p:nvSpPr>
         <p:spPr>
           <a:xfrm>
-            <a:off x="381188" y="685800"/>
-            <a:ext cx="6096300" cy="3429000"/>
+            <a:off x="381000" y="685800"/>
+            <a:ext cx="6096000" cy="3429000"/>
           </a:xfrm>
           <a:custGeom>
-            <a:rect b="b" l="l" r="r" t="t"/>
+            <a:avLst/>
+            <a:gdLst/>
+            <a:ahLst/>
+            <a:cxnLst/>
+            <a:rect l="l" t="t" r="r" b="b"/>
             <a:pathLst>
-              <a:path extrusionOk="0" h="120000" w="120000">
+              <a:path w="120000" h="120000" extrusionOk="0">
                 <a:moveTo>
                   <a:pt x="0" y="0"/>
                 </a:moveTo>
@@ -965,9 +1011,11 @@
       <p:sp>
         <p:nvSpPr>
           <p:cNvPr id="127" name="Google Shape;127;g8198607cfc_0_34:notes"/>
-          <p:cNvSpPr txBox="1"/>
+          <p:cNvSpPr txBox="1">
+            <a:spLocks noGrp="1"/>
+          </p:cNvSpPr>
           <p:nvPr>
-            <p:ph idx="1" type="body"/>
+            <p:ph type="body" idx="1"/>
           </p:nvPr>
         </p:nvSpPr>
         <p:spPr>
@@ -980,12 +1028,12 @@
           </a:prstGeom>
         </p:spPr>
         <p:txBody>
-          <a:bodyPr anchorCtr="0" anchor="t" bIns="91425" lIns="91425" spcFirstLastPara="1" rIns="91425" wrap="square" tIns="91425">
+          <a:bodyPr spcFirstLastPara="1" wrap="square" lIns="91425" tIns="91425" rIns="91425" bIns="91425" anchor="t" anchorCtr="0">
             <a:noAutofit/>
           </a:bodyPr>
           <a:lstStyle/>
           <a:p>
-            <a:pPr indent="0" lvl="0" marL="0" rtl="0" algn="l">
+            <a:pPr marL="0" lvl="0" indent="0" algn="l" rtl="0">
               <a:spcBef>
                 <a:spcPts val="0"/>
               </a:spcBef>
@@ -994,14 +1042,16 @@
               </a:spcAft>
               <a:buNone/>
             </a:pPr>
-            <a:r>
-              <a:t/>
-            </a:r>
             <a:endParaRPr/>
           </a:p>
         </p:txBody>
       </p:sp>
     </p:spTree>
+    <p:extLst>
+      <p:ext uri="{BB962C8B-B14F-4D97-AF65-F5344CB8AC3E}">
+        <p14:creationId xmlns:p14="http://schemas.microsoft.com/office/powerpoint/2010/main" val="1426566660"/>
+      </p:ext>
+    </p:extLst>
   </p:cSld>
   <p:clrMapOvr>
     <a:masterClrMapping/>
@@ -1010,11 +1060,11 @@
 </file>
 
 <file path=ppt/notesSlides/notesSlide12.xml><?xml version="1.0" encoding="utf-8"?>
-<p:notes xmlns:a="http://schemas.openxmlformats.org/drawingml/2006/main" xmlns:r="http://schemas.openxmlformats.org/officeDocument/2006/relationships" xmlns:mc="http://schemas.openxmlformats.org/markup-compatibility/2006" xmlns:mv="urn:schemas-microsoft-com:mac:vml" xmlns:p="http://schemas.openxmlformats.org/presentationml/2006/main" xmlns:c="http://schemas.openxmlformats.org/drawingml/2006/chart" xmlns:dgm="http://schemas.openxmlformats.org/drawingml/2006/diagram" xmlns:o="urn:schemas-microsoft-com:office:office" xmlns:v="urn:schemas-microsoft-com:vml" xmlns:pvml="urn:schemas-microsoft-com:office:powerpoint" xmlns:com="http://schemas.openxmlformats.org/drawingml/2006/compatibility" xmlns:p14="http://schemas.microsoft.com/office/powerpoint/2010/main" xmlns:p15="http://schemas.microsoft.com/office/powerpoint/2012/main" showMasterPhAnim="0" showMasterSp="0">
+<p:notes xmlns:a="http://schemas.openxmlformats.org/drawingml/2006/main" xmlns:r="http://schemas.openxmlformats.org/officeDocument/2006/relationships" xmlns:p="http://schemas.openxmlformats.org/presentationml/2006/main" showMasterSp="0" showMasterPhAnim="0">
   <p:cSld>
     <p:spTree>
       <p:nvGrpSpPr>
-        <p:cNvPr id="131" name="Shape 131"/>
+        <p:cNvPr id="1" name="Shape 131"/>
         <p:cNvGrpSpPr/>
         <p:nvPr/>
       </p:nvGrpSpPr>
@@ -1029,20 +1079,26 @@
       <p:sp>
         <p:nvSpPr>
           <p:cNvPr id="132" name="Google Shape;132;g8198607cfc_0_52:notes"/>
-          <p:cNvSpPr/>
+          <p:cNvSpPr>
+            <a:spLocks noGrp="1" noRot="1" noChangeAspect="1"/>
+          </p:cNvSpPr>
           <p:nvPr>
-            <p:ph idx="2" type="sldImg"/>
+            <p:ph type="sldImg" idx="2"/>
           </p:nvPr>
         </p:nvSpPr>
         <p:spPr>
           <a:xfrm>
-            <a:off x="381188" y="685800"/>
-            <a:ext cx="6096300" cy="3429000"/>
+            <a:off x="381000" y="685800"/>
+            <a:ext cx="6096000" cy="3429000"/>
           </a:xfrm>
           <a:custGeom>
-            <a:rect b="b" l="l" r="r" t="t"/>
+            <a:avLst/>
+            <a:gdLst/>
+            <a:ahLst/>
+            <a:cxnLst/>
+            <a:rect l="l" t="t" r="r" b="b"/>
             <a:pathLst>
-              <a:path extrusionOk="0" h="120000" w="120000">
+              <a:path w="120000" h="120000" extrusionOk="0">
                 <a:moveTo>
                   <a:pt x="0" y="0"/>
                 </a:moveTo>
@@ -1064,9 +1120,11 @@
       <p:sp>
         <p:nvSpPr>
           <p:cNvPr id="133" name="Google Shape;133;g8198607cfc_0_52:notes"/>
-          <p:cNvSpPr txBox="1"/>
+          <p:cNvSpPr txBox="1">
+            <a:spLocks noGrp="1"/>
+          </p:cNvSpPr>
           <p:nvPr>
-            <p:ph idx="1" type="body"/>
+            <p:ph type="body" idx="1"/>
           </p:nvPr>
         </p:nvSpPr>
         <p:spPr>
@@ -1079,12 +1137,12 @@
           </a:prstGeom>
         </p:spPr>
         <p:txBody>
-          <a:bodyPr anchorCtr="0" anchor="t" bIns="91425" lIns="91425" spcFirstLastPara="1" rIns="91425" wrap="square" tIns="91425">
+          <a:bodyPr spcFirstLastPara="1" wrap="square" lIns="91425" tIns="91425" rIns="91425" bIns="91425" anchor="t" anchorCtr="0">
             <a:noAutofit/>
           </a:bodyPr>
           <a:lstStyle/>
           <a:p>
-            <a:pPr indent="0" lvl="0" marL="0" rtl="0" algn="l">
+            <a:pPr marL="0" lvl="0" indent="0" algn="l" rtl="0">
               <a:spcBef>
                 <a:spcPts val="0"/>
               </a:spcBef>
@@ -1093,14 +1151,16 @@
               </a:spcAft>
               <a:buNone/>
             </a:pPr>
-            <a:r>
-              <a:t/>
-            </a:r>
             <a:endParaRPr/>
           </a:p>
         </p:txBody>
       </p:sp>
     </p:spTree>
+    <p:extLst>
+      <p:ext uri="{BB962C8B-B14F-4D97-AF65-F5344CB8AC3E}">
+        <p14:creationId xmlns:p14="http://schemas.microsoft.com/office/powerpoint/2010/main" val="1529335254"/>
+      </p:ext>
+    </p:extLst>
   </p:cSld>
   <p:clrMapOvr>
     <a:masterClrMapping/>
@@ -1109,11 +1169,11 @@
 </file>
 
 <file path=ppt/notesSlides/notesSlide13.xml><?xml version="1.0" encoding="utf-8"?>
-<p:notes xmlns:a="http://schemas.openxmlformats.org/drawingml/2006/main" xmlns:r="http://schemas.openxmlformats.org/officeDocument/2006/relationships" xmlns:mc="http://schemas.openxmlformats.org/markup-compatibility/2006" xmlns:mv="urn:schemas-microsoft-com:mac:vml" xmlns:p="http://schemas.openxmlformats.org/presentationml/2006/main" xmlns:c="http://schemas.openxmlformats.org/drawingml/2006/chart" xmlns:dgm="http://schemas.openxmlformats.org/drawingml/2006/diagram" xmlns:o="urn:schemas-microsoft-com:office:office" xmlns:v="urn:schemas-microsoft-com:vml" xmlns:pvml="urn:schemas-microsoft-com:office:powerpoint" xmlns:com="http://schemas.openxmlformats.org/drawingml/2006/compatibility" xmlns:p14="http://schemas.microsoft.com/office/powerpoint/2010/main" xmlns:p15="http://schemas.microsoft.com/office/powerpoint/2012/main" showMasterPhAnim="0" showMasterSp="0">
+<p:notes xmlns:a="http://schemas.openxmlformats.org/drawingml/2006/main" xmlns:r="http://schemas.openxmlformats.org/officeDocument/2006/relationships" xmlns:p="http://schemas.openxmlformats.org/presentationml/2006/main" showMasterSp="0" showMasterPhAnim="0">
   <p:cSld>
     <p:spTree>
       <p:nvGrpSpPr>
-        <p:cNvPr id="136" name="Shape 136"/>
+        <p:cNvPr id="1" name="Shape 136"/>
         <p:cNvGrpSpPr/>
         <p:nvPr/>
       </p:nvGrpSpPr>
@@ -1128,20 +1188,26 @@
       <p:sp>
         <p:nvSpPr>
           <p:cNvPr id="137" name="Google Shape;137;g8198607cfc_0_81:notes"/>
-          <p:cNvSpPr/>
+          <p:cNvSpPr>
+            <a:spLocks noGrp="1" noRot="1" noChangeAspect="1"/>
+          </p:cNvSpPr>
           <p:nvPr>
-            <p:ph idx="2" type="sldImg"/>
+            <p:ph type="sldImg" idx="2"/>
           </p:nvPr>
         </p:nvSpPr>
         <p:spPr>
           <a:xfrm>
-            <a:off x="381188" y="685800"/>
-            <a:ext cx="6096300" cy="3429000"/>
+            <a:off x="381000" y="685800"/>
+            <a:ext cx="6096000" cy="3429000"/>
           </a:xfrm>
           <a:custGeom>
-            <a:rect b="b" l="l" r="r" t="t"/>
+            <a:avLst/>
+            <a:gdLst/>
+            <a:ahLst/>
+            <a:cxnLst/>
+            <a:rect l="l" t="t" r="r" b="b"/>
             <a:pathLst>
-              <a:path extrusionOk="0" h="120000" w="120000">
+              <a:path w="120000" h="120000" extrusionOk="0">
                 <a:moveTo>
                   <a:pt x="0" y="0"/>
                 </a:moveTo>
@@ -1163,9 +1229,11 @@
       <p:sp>
         <p:nvSpPr>
           <p:cNvPr id="138" name="Google Shape;138;g8198607cfc_0_81:notes"/>
-          <p:cNvSpPr txBox="1"/>
+          <p:cNvSpPr txBox="1">
+            <a:spLocks noGrp="1"/>
+          </p:cNvSpPr>
           <p:nvPr>
-            <p:ph idx="1" type="body"/>
+            <p:ph type="body" idx="1"/>
           </p:nvPr>
         </p:nvSpPr>
         <p:spPr>
@@ -1178,12 +1246,12 @@
           </a:prstGeom>
         </p:spPr>
         <p:txBody>
-          <a:bodyPr anchorCtr="0" anchor="t" bIns="91425" lIns="91425" spcFirstLastPara="1" rIns="91425" wrap="square" tIns="91425">
+          <a:bodyPr spcFirstLastPara="1" wrap="square" lIns="91425" tIns="91425" rIns="91425" bIns="91425" anchor="t" anchorCtr="0">
             <a:noAutofit/>
           </a:bodyPr>
           <a:lstStyle/>
           <a:p>
-            <a:pPr indent="0" lvl="0" marL="0" rtl="0" algn="l">
+            <a:pPr marL="0" lvl="0" indent="0" algn="l" rtl="0">
               <a:spcBef>
                 <a:spcPts val="0"/>
               </a:spcBef>
@@ -1192,14 +1260,16 @@
               </a:spcAft>
               <a:buNone/>
             </a:pPr>
-            <a:r>
-              <a:t/>
-            </a:r>
             <a:endParaRPr/>
           </a:p>
         </p:txBody>
       </p:sp>
     </p:spTree>
+    <p:extLst>
+      <p:ext uri="{BB962C8B-B14F-4D97-AF65-F5344CB8AC3E}">
+        <p14:creationId xmlns:p14="http://schemas.microsoft.com/office/powerpoint/2010/main" val="1858840686"/>
+      </p:ext>
+    </p:extLst>
   </p:cSld>
   <p:clrMapOvr>
     <a:masterClrMapping/>
@@ -1208,11 +1278,11 @@
 </file>
 
 <file path=ppt/notesSlides/notesSlide14.xml><?xml version="1.0" encoding="utf-8"?>
-<p:notes xmlns:a="http://schemas.openxmlformats.org/drawingml/2006/main" xmlns:r="http://schemas.openxmlformats.org/officeDocument/2006/relationships" xmlns:mc="http://schemas.openxmlformats.org/markup-compatibility/2006" xmlns:mv="urn:schemas-microsoft-com:mac:vml" xmlns:p="http://schemas.openxmlformats.org/presentationml/2006/main" xmlns:c="http://schemas.openxmlformats.org/drawingml/2006/chart" xmlns:dgm="http://schemas.openxmlformats.org/drawingml/2006/diagram" xmlns:o="urn:schemas-microsoft-com:office:office" xmlns:v="urn:schemas-microsoft-com:vml" xmlns:pvml="urn:schemas-microsoft-com:office:powerpoint" xmlns:com="http://schemas.openxmlformats.org/drawingml/2006/compatibility" xmlns:p14="http://schemas.microsoft.com/office/powerpoint/2010/main" xmlns:p15="http://schemas.microsoft.com/office/powerpoint/2012/main" showMasterPhAnim="0" showMasterSp="0">
+<p:notes xmlns:a="http://schemas.openxmlformats.org/drawingml/2006/main" xmlns:r="http://schemas.openxmlformats.org/officeDocument/2006/relationships" xmlns:p="http://schemas.openxmlformats.org/presentationml/2006/main" showMasterSp="0" showMasterPhAnim="0">
   <p:cSld>
     <p:spTree>
       <p:nvGrpSpPr>
-        <p:cNvPr id="144" name="Shape 144"/>
+        <p:cNvPr id="1" name="Shape 144"/>
         <p:cNvGrpSpPr/>
         <p:nvPr/>
       </p:nvGrpSpPr>
@@ -1227,20 +1297,26 @@
       <p:sp>
         <p:nvSpPr>
           <p:cNvPr id="145" name="Google Shape;145;g8198607cfc_0_39:notes"/>
-          <p:cNvSpPr/>
+          <p:cNvSpPr>
+            <a:spLocks noGrp="1" noRot="1" noChangeAspect="1"/>
+          </p:cNvSpPr>
           <p:nvPr>
-            <p:ph idx="2" type="sldImg"/>
+            <p:ph type="sldImg" idx="2"/>
           </p:nvPr>
         </p:nvSpPr>
         <p:spPr>
           <a:xfrm>
-            <a:off x="381188" y="685800"/>
-            <a:ext cx="6096300" cy="3429000"/>
+            <a:off x="381000" y="685800"/>
+            <a:ext cx="6096000" cy="3429000"/>
           </a:xfrm>
           <a:custGeom>
-            <a:rect b="b" l="l" r="r" t="t"/>
+            <a:avLst/>
+            <a:gdLst/>
+            <a:ahLst/>
+            <a:cxnLst/>
+            <a:rect l="l" t="t" r="r" b="b"/>
             <a:pathLst>
-              <a:path extrusionOk="0" h="120000" w="120000">
+              <a:path w="120000" h="120000" extrusionOk="0">
                 <a:moveTo>
                   <a:pt x="0" y="0"/>
                 </a:moveTo>
@@ -1262,9 +1338,11 @@
       <p:sp>
         <p:nvSpPr>
           <p:cNvPr id="146" name="Google Shape;146;g8198607cfc_0_39:notes"/>
-          <p:cNvSpPr txBox="1"/>
+          <p:cNvSpPr txBox="1">
+            <a:spLocks noGrp="1"/>
+          </p:cNvSpPr>
           <p:nvPr>
-            <p:ph idx="1" type="body"/>
+            <p:ph type="body" idx="1"/>
           </p:nvPr>
         </p:nvSpPr>
         <p:spPr>
@@ -1277,12 +1355,12 @@
           </a:prstGeom>
         </p:spPr>
         <p:txBody>
-          <a:bodyPr anchorCtr="0" anchor="t" bIns="91425" lIns="91425" spcFirstLastPara="1" rIns="91425" wrap="square" tIns="91425">
+          <a:bodyPr spcFirstLastPara="1" wrap="square" lIns="91425" tIns="91425" rIns="91425" bIns="91425" anchor="t" anchorCtr="0">
             <a:noAutofit/>
           </a:bodyPr>
           <a:lstStyle/>
           <a:p>
-            <a:pPr indent="0" lvl="0" marL="0" rtl="0" algn="l">
+            <a:pPr marL="0" lvl="0" indent="0" algn="l" rtl="0">
               <a:spcBef>
                 <a:spcPts val="0"/>
               </a:spcBef>
@@ -1291,14 +1369,16 @@
               </a:spcAft>
               <a:buNone/>
             </a:pPr>
-            <a:r>
-              <a:t/>
-            </a:r>
             <a:endParaRPr/>
           </a:p>
         </p:txBody>
       </p:sp>
     </p:spTree>
+    <p:extLst>
+      <p:ext uri="{BB962C8B-B14F-4D97-AF65-F5344CB8AC3E}">
+        <p14:creationId xmlns:p14="http://schemas.microsoft.com/office/powerpoint/2010/main" val="3991804045"/>
+      </p:ext>
+    </p:extLst>
   </p:cSld>
   <p:clrMapOvr>
     <a:masterClrMapping/>
@@ -1307,11 +1387,11 @@
 </file>
 
 <file path=ppt/notesSlides/notesSlide15.xml><?xml version="1.0" encoding="utf-8"?>
-<p:notes xmlns:a="http://schemas.openxmlformats.org/drawingml/2006/main" xmlns:r="http://schemas.openxmlformats.org/officeDocument/2006/relationships" xmlns:mc="http://schemas.openxmlformats.org/markup-compatibility/2006" xmlns:mv="urn:schemas-microsoft-com:mac:vml" xmlns:p="http://schemas.openxmlformats.org/presentationml/2006/main" xmlns:c="http://schemas.openxmlformats.org/drawingml/2006/chart" xmlns:dgm="http://schemas.openxmlformats.org/drawingml/2006/diagram" xmlns:o="urn:schemas-microsoft-com:office:office" xmlns:v="urn:schemas-microsoft-com:vml" xmlns:pvml="urn:schemas-microsoft-com:office:powerpoint" xmlns:com="http://schemas.openxmlformats.org/drawingml/2006/compatibility" xmlns:p14="http://schemas.microsoft.com/office/powerpoint/2010/main" xmlns:p15="http://schemas.microsoft.com/office/powerpoint/2012/main" showMasterPhAnim="0" showMasterSp="0">
+<p:notes xmlns:a="http://schemas.openxmlformats.org/drawingml/2006/main" xmlns:r="http://schemas.openxmlformats.org/officeDocument/2006/relationships" xmlns:p="http://schemas.openxmlformats.org/presentationml/2006/main" showMasterSp="0" showMasterPhAnim="0">
   <p:cSld>
     <p:spTree>
       <p:nvGrpSpPr>
-        <p:cNvPr id="151" name="Shape 151"/>
+        <p:cNvPr id="1" name="Shape 151"/>
         <p:cNvGrpSpPr/>
         <p:nvPr/>
       </p:nvGrpSpPr>
@@ -1326,20 +1406,26 @@
       <p:sp>
         <p:nvSpPr>
           <p:cNvPr id="152" name="Google Shape;152;g8198607cfc_0_56:notes"/>
-          <p:cNvSpPr/>
+          <p:cNvSpPr>
+            <a:spLocks noGrp="1" noRot="1" noChangeAspect="1"/>
+          </p:cNvSpPr>
           <p:nvPr>
-            <p:ph idx="2" type="sldImg"/>
+            <p:ph type="sldImg" idx="2"/>
           </p:nvPr>
         </p:nvSpPr>
         <p:spPr>
           <a:xfrm>
-            <a:off x="381188" y="685800"/>
-            <a:ext cx="6096300" cy="3429000"/>
+            <a:off x="381000" y="685800"/>
+            <a:ext cx="6096000" cy="3429000"/>
           </a:xfrm>
           <a:custGeom>
-            <a:rect b="b" l="l" r="r" t="t"/>
+            <a:avLst/>
+            <a:gdLst/>
+            <a:ahLst/>
+            <a:cxnLst/>
+            <a:rect l="l" t="t" r="r" b="b"/>
             <a:pathLst>
-              <a:path extrusionOk="0" h="120000" w="120000">
+              <a:path w="120000" h="120000" extrusionOk="0">
                 <a:moveTo>
                   <a:pt x="0" y="0"/>
                 </a:moveTo>
@@ -1361,9 +1447,11 @@
       <p:sp>
         <p:nvSpPr>
           <p:cNvPr id="153" name="Google Shape;153;g8198607cfc_0_56:notes"/>
-          <p:cNvSpPr txBox="1"/>
+          <p:cNvSpPr txBox="1">
+            <a:spLocks noGrp="1"/>
+          </p:cNvSpPr>
           <p:nvPr>
-            <p:ph idx="1" type="body"/>
+            <p:ph type="body" idx="1"/>
           </p:nvPr>
         </p:nvSpPr>
         <p:spPr>
@@ -1376,12 +1464,12 @@
           </a:prstGeom>
         </p:spPr>
         <p:txBody>
-          <a:bodyPr anchorCtr="0" anchor="t" bIns="91425" lIns="91425" spcFirstLastPara="1" rIns="91425" wrap="square" tIns="91425">
+          <a:bodyPr spcFirstLastPara="1" wrap="square" lIns="91425" tIns="91425" rIns="91425" bIns="91425" anchor="t" anchorCtr="0">
             <a:noAutofit/>
           </a:bodyPr>
           <a:lstStyle/>
           <a:p>
-            <a:pPr indent="0" lvl="0" marL="0" rtl="0" algn="l">
+            <a:pPr marL="0" lvl="0" indent="0" algn="l" rtl="0">
               <a:spcBef>
                 <a:spcPts val="0"/>
               </a:spcBef>
@@ -1390,14 +1478,16 @@
               </a:spcAft>
               <a:buNone/>
             </a:pPr>
-            <a:r>
-              <a:t/>
-            </a:r>
             <a:endParaRPr/>
           </a:p>
         </p:txBody>
       </p:sp>
     </p:spTree>
+    <p:extLst>
+      <p:ext uri="{BB962C8B-B14F-4D97-AF65-F5344CB8AC3E}">
+        <p14:creationId xmlns:p14="http://schemas.microsoft.com/office/powerpoint/2010/main" val="3286422594"/>
+      </p:ext>
+    </p:extLst>
   </p:cSld>
   <p:clrMapOvr>
     <a:masterClrMapping/>
@@ -1406,11 +1496,11 @@
 </file>
 
 <file path=ppt/notesSlides/notesSlide16.xml><?xml version="1.0" encoding="utf-8"?>
-<p:notes xmlns:a="http://schemas.openxmlformats.org/drawingml/2006/main" xmlns:r="http://schemas.openxmlformats.org/officeDocument/2006/relationships" xmlns:mc="http://schemas.openxmlformats.org/markup-compatibility/2006" xmlns:mv="urn:schemas-microsoft-com:mac:vml" xmlns:p="http://schemas.openxmlformats.org/presentationml/2006/main" xmlns:c="http://schemas.openxmlformats.org/drawingml/2006/chart" xmlns:dgm="http://schemas.openxmlformats.org/drawingml/2006/diagram" xmlns:o="urn:schemas-microsoft-com:office:office" xmlns:v="urn:schemas-microsoft-com:vml" xmlns:pvml="urn:schemas-microsoft-com:office:powerpoint" xmlns:com="http://schemas.openxmlformats.org/drawingml/2006/compatibility" xmlns:p14="http://schemas.microsoft.com/office/powerpoint/2010/main" xmlns:p15="http://schemas.microsoft.com/office/powerpoint/2012/main" showMasterPhAnim="0" showMasterSp="0">
+<p:notes xmlns:a="http://schemas.openxmlformats.org/drawingml/2006/main" xmlns:r="http://schemas.openxmlformats.org/officeDocument/2006/relationships" xmlns:p="http://schemas.openxmlformats.org/presentationml/2006/main" showMasterSp="0" showMasterPhAnim="0">
   <p:cSld>
     <p:spTree>
       <p:nvGrpSpPr>
-        <p:cNvPr id="158" name="Shape 158"/>
+        <p:cNvPr id="1" name="Shape 158"/>
         <p:cNvGrpSpPr/>
         <p:nvPr/>
       </p:nvGrpSpPr>
@@ -1425,20 +1515,26 @@
       <p:sp>
         <p:nvSpPr>
           <p:cNvPr id="159" name="Google Shape;159;g8198607cfc_0_61:notes"/>
-          <p:cNvSpPr/>
+          <p:cNvSpPr>
+            <a:spLocks noGrp="1" noRot="1" noChangeAspect="1"/>
+          </p:cNvSpPr>
           <p:nvPr>
-            <p:ph idx="2" type="sldImg"/>
+            <p:ph type="sldImg" idx="2"/>
           </p:nvPr>
         </p:nvSpPr>
         <p:spPr>
           <a:xfrm>
-            <a:off x="381188" y="685800"/>
-            <a:ext cx="6096300" cy="3429000"/>
+            <a:off x="381000" y="685800"/>
+            <a:ext cx="6096000" cy="3429000"/>
           </a:xfrm>
           <a:custGeom>
-            <a:rect b="b" l="l" r="r" t="t"/>
+            <a:avLst/>
+            <a:gdLst/>
+            <a:ahLst/>
+            <a:cxnLst/>
+            <a:rect l="l" t="t" r="r" b="b"/>
             <a:pathLst>
-              <a:path extrusionOk="0" h="120000" w="120000">
+              <a:path w="120000" h="120000" extrusionOk="0">
                 <a:moveTo>
                   <a:pt x="0" y="0"/>
                 </a:moveTo>
@@ -1460,9 +1556,11 @@
       <p:sp>
         <p:nvSpPr>
           <p:cNvPr id="160" name="Google Shape;160;g8198607cfc_0_61:notes"/>
-          <p:cNvSpPr txBox="1"/>
+          <p:cNvSpPr txBox="1">
+            <a:spLocks noGrp="1"/>
+          </p:cNvSpPr>
           <p:nvPr>
-            <p:ph idx="1" type="body"/>
+            <p:ph type="body" idx="1"/>
           </p:nvPr>
         </p:nvSpPr>
         <p:spPr>
@@ -1475,12 +1573,12 @@
           </a:prstGeom>
         </p:spPr>
         <p:txBody>
-          <a:bodyPr anchorCtr="0" anchor="t" bIns="91425" lIns="91425" spcFirstLastPara="1" rIns="91425" wrap="square" tIns="91425">
+          <a:bodyPr spcFirstLastPara="1" wrap="square" lIns="91425" tIns="91425" rIns="91425" bIns="91425" anchor="t" anchorCtr="0">
             <a:noAutofit/>
           </a:bodyPr>
           <a:lstStyle/>
           <a:p>
-            <a:pPr indent="0" lvl="0" marL="0" rtl="0" algn="l">
+            <a:pPr marL="0" lvl="0" indent="0" algn="l" rtl="0">
               <a:spcBef>
                 <a:spcPts val="0"/>
               </a:spcBef>
@@ -1489,14 +1587,16 @@
               </a:spcAft>
               <a:buNone/>
             </a:pPr>
-            <a:r>
-              <a:t/>
-            </a:r>
             <a:endParaRPr/>
           </a:p>
         </p:txBody>
       </p:sp>
     </p:spTree>
+    <p:extLst>
+      <p:ext uri="{BB962C8B-B14F-4D97-AF65-F5344CB8AC3E}">
+        <p14:creationId xmlns:p14="http://schemas.microsoft.com/office/powerpoint/2010/main" val="437319172"/>
+      </p:ext>
+    </p:extLst>
   </p:cSld>
   <p:clrMapOvr>
     <a:masterClrMapping/>
@@ -1505,11 +1605,11 @@
 </file>
 
 <file path=ppt/notesSlides/notesSlide17.xml><?xml version="1.0" encoding="utf-8"?>
-<p:notes xmlns:a="http://schemas.openxmlformats.org/drawingml/2006/main" xmlns:r="http://schemas.openxmlformats.org/officeDocument/2006/relationships" xmlns:mc="http://schemas.openxmlformats.org/markup-compatibility/2006" xmlns:mv="urn:schemas-microsoft-com:mac:vml" xmlns:p="http://schemas.openxmlformats.org/presentationml/2006/main" xmlns:c="http://schemas.openxmlformats.org/drawingml/2006/chart" xmlns:dgm="http://schemas.openxmlformats.org/drawingml/2006/diagram" xmlns:o="urn:schemas-microsoft-com:office:office" xmlns:v="urn:schemas-microsoft-com:vml" xmlns:pvml="urn:schemas-microsoft-com:office:powerpoint" xmlns:com="http://schemas.openxmlformats.org/drawingml/2006/compatibility" xmlns:p14="http://schemas.microsoft.com/office/powerpoint/2010/main" xmlns:p15="http://schemas.microsoft.com/office/powerpoint/2012/main" showMasterPhAnim="0" showMasterSp="0">
+<p:notes xmlns:a="http://schemas.openxmlformats.org/drawingml/2006/main" xmlns:r="http://schemas.openxmlformats.org/officeDocument/2006/relationships" xmlns:p="http://schemas.openxmlformats.org/presentationml/2006/main" showMasterSp="0" showMasterPhAnim="0">
   <p:cSld>
     <p:spTree>
       <p:nvGrpSpPr>
-        <p:cNvPr id="165" name="Shape 165"/>
+        <p:cNvPr id="1" name="Shape 165"/>
         <p:cNvGrpSpPr/>
         <p:nvPr/>
       </p:nvGrpSpPr>
@@ -1524,20 +1624,26 @@
       <p:sp>
         <p:nvSpPr>
           <p:cNvPr id="166" name="Google Shape;166;g8198607cfc_0_99:notes"/>
-          <p:cNvSpPr/>
+          <p:cNvSpPr>
+            <a:spLocks noGrp="1" noRot="1" noChangeAspect="1"/>
+          </p:cNvSpPr>
           <p:nvPr>
-            <p:ph idx="2" type="sldImg"/>
+            <p:ph type="sldImg" idx="2"/>
           </p:nvPr>
         </p:nvSpPr>
         <p:spPr>
           <a:xfrm>
-            <a:off x="381188" y="685800"/>
-            <a:ext cx="6096300" cy="3429000"/>
+            <a:off x="381000" y="685800"/>
+            <a:ext cx="6096000" cy="3429000"/>
           </a:xfrm>
           <a:custGeom>
-            <a:rect b="b" l="l" r="r" t="t"/>
+            <a:avLst/>
+            <a:gdLst/>
+            <a:ahLst/>
+            <a:cxnLst/>
+            <a:rect l="l" t="t" r="r" b="b"/>
             <a:pathLst>
-              <a:path extrusionOk="0" h="120000" w="120000">
+              <a:path w="120000" h="120000" extrusionOk="0">
                 <a:moveTo>
                   <a:pt x="0" y="0"/>
                 </a:moveTo>
@@ -1559,9 +1665,11 @@
       <p:sp>
         <p:nvSpPr>
           <p:cNvPr id="167" name="Google Shape;167;g8198607cfc_0_99:notes"/>
-          <p:cNvSpPr txBox="1"/>
+          <p:cNvSpPr txBox="1">
+            <a:spLocks noGrp="1"/>
+          </p:cNvSpPr>
           <p:nvPr>
-            <p:ph idx="1" type="body"/>
+            <p:ph type="body" idx="1"/>
           </p:nvPr>
         </p:nvSpPr>
         <p:spPr>
@@ -1574,12 +1682,12 @@
           </a:prstGeom>
         </p:spPr>
         <p:txBody>
-          <a:bodyPr anchorCtr="0" anchor="t" bIns="91425" lIns="91425" spcFirstLastPara="1" rIns="91425" wrap="square" tIns="91425">
+          <a:bodyPr spcFirstLastPara="1" wrap="square" lIns="91425" tIns="91425" rIns="91425" bIns="91425" anchor="t" anchorCtr="0">
             <a:noAutofit/>
           </a:bodyPr>
           <a:lstStyle/>
           <a:p>
-            <a:pPr indent="0" lvl="0" marL="0" rtl="0" algn="l">
+            <a:pPr marL="0" lvl="0" indent="0" algn="l" rtl="0">
               <a:spcBef>
                 <a:spcPts val="0"/>
               </a:spcBef>
@@ -1588,14 +1696,16 @@
               </a:spcAft>
               <a:buNone/>
             </a:pPr>
-            <a:r>
-              <a:t/>
-            </a:r>
             <a:endParaRPr/>
           </a:p>
         </p:txBody>
       </p:sp>
     </p:spTree>
+    <p:extLst>
+      <p:ext uri="{BB962C8B-B14F-4D97-AF65-F5344CB8AC3E}">
+        <p14:creationId xmlns:p14="http://schemas.microsoft.com/office/powerpoint/2010/main" val="2199745069"/>
+      </p:ext>
+    </p:extLst>
   </p:cSld>
   <p:clrMapOvr>
     <a:masterClrMapping/>
@@ -1604,11 +1714,11 @@
 </file>
 
 <file path=ppt/notesSlides/notesSlide18.xml><?xml version="1.0" encoding="utf-8"?>
-<p:notes xmlns:a="http://schemas.openxmlformats.org/drawingml/2006/main" xmlns:r="http://schemas.openxmlformats.org/officeDocument/2006/relationships" xmlns:mc="http://schemas.openxmlformats.org/markup-compatibility/2006" xmlns:mv="urn:schemas-microsoft-com:mac:vml" xmlns:p="http://schemas.openxmlformats.org/presentationml/2006/main" xmlns:c="http://schemas.openxmlformats.org/drawingml/2006/chart" xmlns:dgm="http://schemas.openxmlformats.org/drawingml/2006/diagram" xmlns:o="urn:schemas-microsoft-com:office:office" xmlns:v="urn:schemas-microsoft-com:vml" xmlns:pvml="urn:schemas-microsoft-com:office:powerpoint" xmlns:com="http://schemas.openxmlformats.org/drawingml/2006/compatibility" xmlns:p14="http://schemas.microsoft.com/office/powerpoint/2010/main" xmlns:p15="http://schemas.microsoft.com/office/powerpoint/2012/main" showMasterPhAnim="0" showMasterSp="0">
+<p:notes xmlns:a="http://schemas.openxmlformats.org/drawingml/2006/main" xmlns:r="http://schemas.openxmlformats.org/officeDocument/2006/relationships" xmlns:p="http://schemas.openxmlformats.org/presentationml/2006/main" showMasterSp="0" showMasterPhAnim="0">
   <p:cSld>
     <p:spTree>
       <p:nvGrpSpPr>
-        <p:cNvPr id="172" name="Shape 172"/>
+        <p:cNvPr id="1" name="Shape 172"/>
         <p:cNvGrpSpPr/>
         <p:nvPr/>
       </p:nvGrpSpPr>
@@ -1623,20 +1733,26 @@
       <p:sp>
         <p:nvSpPr>
           <p:cNvPr id="173" name="Google Shape;173;g8198607cfc_0_112:notes"/>
-          <p:cNvSpPr/>
+          <p:cNvSpPr>
+            <a:spLocks noGrp="1" noRot="1" noChangeAspect="1"/>
+          </p:cNvSpPr>
           <p:nvPr>
-            <p:ph idx="2" type="sldImg"/>
+            <p:ph type="sldImg" idx="2"/>
           </p:nvPr>
         </p:nvSpPr>
         <p:spPr>
           <a:xfrm>
-            <a:off x="381188" y="685800"/>
-            <a:ext cx="6096300" cy="3429000"/>
+            <a:off x="381000" y="685800"/>
+            <a:ext cx="6096000" cy="3429000"/>
           </a:xfrm>
           <a:custGeom>
-            <a:rect b="b" l="l" r="r" t="t"/>
+            <a:avLst/>
+            <a:gdLst/>
+            <a:ahLst/>
+            <a:cxnLst/>
+            <a:rect l="l" t="t" r="r" b="b"/>
             <a:pathLst>
-              <a:path extrusionOk="0" h="120000" w="120000">
+              <a:path w="120000" h="120000" extrusionOk="0">
                 <a:moveTo>
                   <a:pt x="0" y="0"/>
                 </a:moveTo>
@@ -1658,9 +1774,11 @@
       <p:sp>
         <p:nvSpPr>
           <p:cNvPr id="174" name="Google Shape;174;g8198607cfc_0_112:notes"/>
-          <p:cNvSpPr txBox="1"/>
+          <p:cNvSpPr txBox="1">
+            <a:spLocks noGrp="1"/>
+          </p:cNvSpPr>
           <p:nvPr>
-            <p:ph idx="1" type="body"/>
+            <p:ph type="body" idx="1"/>
           </p:nvPr>
         </p:nvSpPr>
         <p:spPr>
@@ -1673,12 +1791,12 @@
           </a:prstGeom>
         </p:spPr>
         <p:txBody>
-          <a:bodyPr anchorCtr="0" anchor="t" bIns="91425" lIns="91425" spcFirstLastPara="1" rIns="91425" wrap="square" tIns="91425">
+          <a:bodyPr spcFirstLastPara="1" wrap="square" lIns="91425" tIns="91425" rIns="91425" bIns="91425" anchor="t" anchorCtr="0">
             <a:noAutofit/>
           </a:bodyPr>
           <a:lstStyle/>
           <a:p>
-            <a:pPr indent="0" lvl="0" marL="0" rtl="0" algn="l">
+            <a:pPr marL="0" lvl="0" indent="0" algn="l" rtl="0">
               <a:spcBef>
                 <a:spcPts val="0"/>
               </a:spcBef>
@@ -1687,14 +1805,16 @@
               </a:spcAft>
               <a:buNone/>
             </a:pPr>
-            <a:r>
-              <a:t/>
-            </a:r>
             <a:endParaRPr/>
           </a:p>
         </p:txBody>
       </p:sp>
     </p:spTree>
+    <p:extLst>
+      <p:ext uri="{BB962C8B-B14F-4D97-AF65-F5344CB8AC3E}">
+        <p14:creationId xmlns:p14="http://schemas.microsoft.com/office/powerpoint/2010/main" val="3886540140"/>
+      </p:ext>
+    </p:extLst>
   </p:cSld>
   <p:clrMapOvr>
     <a:masterClrMapping/>
@@ -1703,11 +1823,11 @@
 </file>
 
 <file path=ppt/notesSlides/notesSlide2.xml><?xml version="1.0" encoding="utf-8"?>
-<p:notes xmlns:a="http://schemas.openxmlformats.org/drawingml/2006/main" xmlns:r="http://schemas.openxmlformats.org/officeDocument/2006/relationships" xmlns:mc="http://schemas.openxmlformats.org/markup-compatibility/2006" xmlns:mv="urn:schemas-microsoft-com:mac:vml" xmlns:p="http://schemas.openxmlformats.org/presentationml/2006/main" xmlns:c="http://schemas.openxmlformats.org/drawingml/2006/chart" xmlns:dgm="http://schemas.openxmlformats.org/drawingml/2006/diagram" xmlns:o="urn:schemas-microsoft-com:office:office" xmlns:v="urn:schemas-microsoft-com:vml" xmlns:pvml="urn:schemas-microsoft-com:office:powerpoint" xmlns:com="http://schemas.openxmlformats.org/drawingml/2006/compatibility" xmlns:p14="http://schemas.microsoft.com/office/powerpoint/2010/main" xmlns:p15="http://schemas.microsoft.com/office/powerpoint/2012/main" showMasterPhAnim="0" showMasterSp="0">
+<p:notes xmlns:a="http://schemas.openxmlformats.org/drawingml/2006/main" xmlns:r="http://schemas.openxmlformats.org/officeDocument/2006/relationships" xmlns:p="http://schemas.openxmlformats.org/presentationml/2006/main" showMasterSp="0" showMasterPhAnim="0">
   <p:cSld>
     <p:spTree>
       <p:nvGrpSpPr>
-        <p:cNvPr id="69" name="Shape 69"/>
+        <p:cNvPr id="1" name="Shape 69"/>
         <p:cNvGrpSpPr/>
         <p:nvPr/>
       </p:nvGrpSpPr>
@@ -1722,20 +1842,26 @@
       <p:sp>
         <p:nvSpPr>
           <p:cNvPr id="70" name="Google Shape;70;g8198607cfc_0_5:notes"/>
-          <p:cNvSpPr/>
+          <p:cNvSpPr>
+            <a:spLocks noGrp="1" noRot="1" noChangeAspect="1"/>
+          </p:cNvSpPr>
           <p:nvPr>
-            <p:ph idx="2" type="sldImg"/>
+            <p:ph type="sldImg" idx="2"/>
           </p:nvPr>
         </p:nvSpPr>
         <p:spPr>
           <a:xfrm>
-            <a:off x="381188" y="685800"/>
-            <a:ext cx="6096300" cy="3429000"/>
+            <a:off x="381000" y="685800"/>
+            <a:ext cx="6096000" cy="3429000"/>
           </a:xfrm>
           <a:custGeom>
-            <a:rect b="b" l="l" r="r" t="t"/>
+            <a:avLst/>
+            <a:gdLst/>
+            <a:ahLst/>
+            <a:cxnLst/>
+            <a:rect l="l" t="t" r="r" b="b"/>
             <a:pathLst>
-              <a:path extrusionOk="0" h="120000" w="120000">
+              <a:path w="120000" h="120000" extrusionOk="0">
                 <a:moveTo>
                   <a:pt x="0" y="0"/>
                 </a:moveTo>
@@ -1757,9 +1883,11 @@
       <p:sp>
         <p:nvSpPr>
           <p:cNvPr id="71" name="Google Shape;71;g8198607cfc_0_5:notes"/>
-          <p:cNvSpPr txBox="1"/>
+          <p:cNvSpPr txBox="1">
+            <a:spLocks noGrp="1"/>
+          </p:cNvSpPr>
           <p:nvPr>
-            <p:ph idx="1" type="body"/>
+            <p:ph type="body" idx="1"/>
           </p:nvPr>
         </p:nvSpPr>
         <p:spPr>
@@ -1772,12 +1900,12 @@
           </a:prstGeom>
         </p:spPr>
         <p:txBody>
-          <a:bodyPr anchorCtr="0" anchor="t" bIns="91425" lIns="91425" spcFirstLastPara="1" rIns="91425" wrap="square" tIns="91425">
+          <a:bodyPr spcFirstLastPara="1" wrap="square" lIns="91425" tIns="91425" rIns="91425" bIns="91425" anchor="t" anchorCtr="0">
             <a:noAutofit/>
           </a:bodyPr>
           <a:lstStyle/>
           <a:p>
-            <a:pPr indent="0" lvl="0" marL="0" rtl="0" algn="l">
+            <a:pPr marL="0" lvl="0" indent="0" algn="l" rtl="0">
               <a:spcBef>
                 <a:spcPts val="0"/>
               </a:spcBef>
@@ -1786,14 +1914,16 @@
               </a:spcAft>
               <a:buNone/>
             </a:pPr>
-            <a:r>
-              <a:t/>
-            </a:r>
             <a:endParaRPr/>
           </a:p>
         </p:txBody>
       </p:sp>
     </p:spTree>
+    <p:extLst>
+      <p:ext uri="{BB962C8B-B14F-4D97-AF65-F5344CB8AC3E}">
+        <p14:creationId xmlns:p14="http://schemas.microsoft.com/office/powerpoint/2010/main" val="1270369148"/>
+      </p:ext>
+    </p:extLst>
   </p:cSld>
   <p:clrMapOvr>
     <a:masterClrMapping/>
@@ -1802,11 +1932,11 @@
 </file>
 
 <file path=ppt/notesSlides/notesSlide3.xml><?xml version="1.0" encoding="utf-8"?>
-<p:notes xmlns:a="http://schemas.openxmlformats.org/drawingml/2006/main" xmlns:r="http://schemas.openxmlformats.org/officeDocument/2006/relationships" xmlns:mc="http://schemas.openxmlformats.org/markup-compatibility/2006" xmlns:mv="urn:schemas-microsoft-com:mac:vml" xmlns:p="http://schemas.openxmlformats.org/presentationml/2006/main" xmlns:c="http://schemas.openxmlformats.org/drawingml/2006/chart" xmlns:dgm="http://schemas.openxmlformats.org/drawingml/2006/diagram" xmlns:o="urn:schemas-microsoft-com:office:office" xmlns:v="urn:schemas-microsoft-com:vml" xmlns:pvml="urn:schemas-microsoft-com:office:powerpoint" xmlns:com="http://schemas.openxmlformats.org/drawingml/2006/compatibility" xmlns:p14="http://schemas.microsoft.com/office/powerpoint/2010/main" xmlns:p15="http://schemas.microsoft.com/office/powerpoint/2012/main" showMasterPhAnim="0" showMasterSp="0">
+<p:notes xmlns:a="http://schemas.openxmlformats.org/drawingml/2006/main" xmlns:r="http://schemas.openxmlformats.org/officeDocument/2006/relationships" xmlns:p="http://schemas.openxmlformats.org/presentationml/2006/main" showMasterSp="0" showMasterPhAnim="0">
   <p:cSld>
     <p:spTree>
       <p:nvGrpSpPr>
-        <p:cNvPr id="74" name="Shape 74"/>
+        <p:cNvPr id="1" name="Shape 74"/>
         <p:cNvGrpSpPr/>
         <p:nvPr/>
       </p:nvGrpSpPr>
@@ -1821,20 +1951,26 @@
       <p:sp>
         <p:nvSpPr>
           <p:cNvPr id="75" name="Google Shape;75;gc6f73a04f_0_9:notes"/>
-          <p:cNvSpPr/>
+          <p:cNvSpPr>
+            <a:spLocks noGrp="1" noRot="1" noChangeAspect="1"/>
+          </p:cNvSpPr>
           <p:nvPr>
-            <p:ph idx="2" type="sldImg"/>
+            <p:ph type="sldImg" idx="2"/>
           </p:nvPr>
         </p:nvSpPr>
         <p:spPr>
           <a:xfrm>
-            <a:off x="381188" y="685800"/>
-            <a:ext cx="6096300" cy="3429000"/>
+            <a:off x="381000" y="685800"/>
+            <a:ext cx="6096000" cy="3429000"/>
           </a:xfrm>
           <a:custGeom>
-            <a:rect b="b" l="l" r="r" t="t"/>
+            <a:avLst/>
+            <a:gdLst/>
+            <a:ahLst/>
+            <a:cxnLst/>
+            <a:rect l="l" t="t" r="r" b="b"/>
             <a:pathLst>
-              <a:path extrusionOk="0" h="120000" w="120000">
+              <a:path w="120000" h="120000" extrusionOk="0">
                 <a:moveTo>
                   <a:pt x="0" y="0"/>
                 </a:moveTo>
@@ -1856,9 +1992,11 @@
       <p:sp>
         <p:nvSpPr>
           <p:cNvPr id="76" name="Google Shape;76;gc6f73a04f_0_9:notes"/>
-          <p:cNvSpPr txBox="1"/>
+          <p:cNvSpPr txBox="1">
+            <a:spLocks noGrp="1"/>
+          </p:cNvSpPr>
           <p:nvPr>
-            <p:ph idx="1" type="body"/>
+            <p:ph type="body" idx="1"/>
           </p:nvPr>
         </p:nvSpPr>
         <p:spPr>
@@ -1871,12 +2009,12 @@
           </a:prstGeom>
         </p:spPr>
         <p:txBody>
-          <a:bodyPr anchorCtr="0" anchor="t" bIns="91425" lIns="91425" spcFirstLastPara="1" rIns="91425" wrap="square" tIns="91425">
+          <a:bodyPr spcFirstLastPara="1" wrap="square" lIns="91425" tIns="91425" rIns="91425" bIns="91425" anchor="t" anchorCtr="0">
             <a:noAutofit/>
           </a:bodyPr>
           <a:lstStyle/>
           <a:p>
-            <a:pPr indent="0" lvl="0" marL="0" rtl="0" algn="l">
+            <a:pPr marL="0" lvl="0" indent="0" algn="l" rtl="0">
               <a:spcBef>
                 <a:spcPts val="0"/>
               </a:spcBef>
@@ -1885,14 +2023,16 @@
               </a:spcAft>
               <a:buNone/>
             </a:pPr>
-            <a:r>
-              <a:t/>
-            </a:r>
             <a:endParaRPr/>
           </a:p>
         </p:txBody>
       </p:sp>
     </p:spTree>
+    <p:extLst>
+      <p:ext uri="{BB962C8B-B14F-4D97-AF65-F5344CB8AC3E}">
+        <p14:creationId xmlns:p14="http://schemas.microsoft.com/office/powerpoint/2010/main" val="3281647984"/>
+      </p:ext>
+    </p:extLst>
   </p:cSld>
   <p:clrMapOvr>
     <a:masterClrMapping/>
@@ -1901,11 +2041,11 @@
 </file>
 
 <file path=ppt/notesSlides/notesSlide4.xml><?xml version="1.0" encoding="utf-8"?>
-<p:notes xmlns:a="http://schemas.openxmlformats.org/drawingml/2006/main" xmlns:r="http://schemas.openxmlformats.org/officeDocument/2006/relationships" xmlns:mc="http://schemas.openxmlformats.org/markup-compatibility/2006" xmlns:mv="urn:schemas-microsoft-com:mac:vml" xmlns:p="http://schemas.openxmlformats.org/presentationml/2006/main" xmlns:c="http://schemas.openxmlformats.org/drawingml/2006/chart" xmlns:dgm="http://schemas.openxmlformats.org/drawingml/2006/diagram" xmlns:o="urn:schemas-microsoft-com:office:office" xmlns:v="urn:schemas-microsoft-com:vml" xmlns:pvml="urn:schemas-microsoft-com:office:powerpoint" xmlns:com="http://schemas.openxmlformats.org/drawingml/2006/compatibility" xmlns:p14="http://schemas.microsoft.com/office/powerpoint/2010/main" xmlns:p15="http://schemas.microsoft.com/office/powerpoint/2012/main" showMasterPhAnim="0" showMasterSp="0">
+<p:notes xmlns:a="http://schemas.openxmlformats.org/drawingml/2006/main" xmlns:r="http://schemas.openxmlformats.org/officeDocument/2006/relationships" xmlns:p="http://schemas.openxmlformats.org/presentationml/2006/main" showMasterSp="0" showMasterPhAnim="0">
   <p:cSld>
     <p:spTree>
       <p:nvGrpSpPr>
-        <p:cNvPr id="82" name="Shape 82"/>
+        <p:cNvPr id="1" name="Shape 82"/>
         <p:cNvGrpSpPr/>
         <p:nvPr/>
       </p:nvGrpSpPr>
@@ -1920,20 +2060,26 @@
       <p:sp>
         <p:nvSpPr>
           <p:cNvPr id="83" name="Google Shape;83;g8198607cfc_0_0:notes"/>
-          <p:cNvSpPr/>
+          <p:cNvSpPr>
+            <a:spLocks noGrp="1" noRot="1" noChangeAspect="1"/>
+          </p:cNvSpPr>
           <p:nvPr>
-            <p:ph idx="2" type="sldImg"/>
+            <p:ph type="sldImg" idx="2"/>
           </p:nvPr>
         </p:nvSpPr>
         <p:spPr>
           <a:xfrm>
-            <a:off x="381188" y="685800"/>
-            <a:ext cx="6096300" cy="3429000"/>
+            <a:off x="381000" y="685800"/>
+            <a:ext cx="6096000" cy="3429000"/>
           </a:xfrm>
           <a:custGeom>
-            <a:rect b="b" l="l" r="r" t="t"/>
+            <a:avLst/>
+            <a:gdLst/>
+            <a:ahLst/>
+            <a:cxnLst/>
+            <a:rect l="l" t="t" r="r" b="b"/>
             <a:pathLst>
-              <a:path extrusionOk="0" h="120000" w="120000">
+              <a:path w="120000" h="120000" extrusionOk="0">
                 <a:moveTo>
                   <a:pt x="0" y="0"/>
                 </a:moveTo>
@@ -1955,9 +2101,11 @@
       <p:sp>
         <p:nvSpPr>
           <p:cNvPr id="84" name="Google Shape;84;g8198607cfc_0_0:notes"/>
-          <p:cNvSpPr txBox="1"/>
+          <p:cNvSpPr txBox="1">
+            <a:spLocks noGrp="1"/>
+          </p:cNvSpPr>
           <p:nvPr>
-            <p:ph idx="1" type="body"/>
+            <p:ph type="body" idx="1"/>
           </p:nvPr>
         </p:nvSpPr>
         <p:spPr>
@@ -1970,12 +2118,12 @@
           </a:prstGeom>
         </p:spPr>
         <p:txBody>
-          <a:bodyPr anchorCtr="0" anchor="t" bIns="91425" lIns="91425" spcFirstLastPara="1" rIns="91425" wrap="square" tIns="91425">
+          <a:bodyPr spcFirstLastPara="1" wrap="square" lIns="91425" tIns="91425" rIns="91425" bIns="91425" anchor="t" anchorCtr="0">
             <a:noAutofit/>
           </a:bodyPr>
           <a:lstStyle/>
           <a:p>
-            <a:pPr indent="0" lvl="0" marL="0" rtl="0" algn="l">
+            <a:pPr marL="0" lvl="0" indent="0" algn="l" rtl="0">
               <a:spcBef>
                 <a:spcPts val="0"/>
               </a:spcBef>
@@ -1984,14 +2132,16 @@
               </a:spcAft>
               <a:buNone/>
             </a:pPr>
-            <a:r>
-              <a:t/>
-            </a:r>
             <a:endParaRPr/>
           </a:p>
         </p:txBody>
       </p:sp>
     </p:spTree>
+    <p:extLst>
+      <p:ext uri="{BB962C8B-B14F-4D97-AF65-F5344CB8AC3E}">
+        <p14:creationId xmlns:p14="http://schemas.microsoft.com/office/powerpoint/2010/main" val="3025635135"/>
+      </p:ext>
+    </p:extLst>
   </p:cSld>
   <p:clrMapOvr>
     <a:masterClrMapping/>
@@ -2000,11 +2150,11 @@
 </file>
 
 <file path=ppt/notesSlides/notesSlide5.xml><?xml version="1.0" encoding="utf-8"?>
-<p:notes xmlns:a="http://schemas.openxmlformats.org/drawingml/2006/main" xmlns:r="http://schemas.openxmlformats.org/officeDocument/2006/relationships" xmlns:mc="http://schemas.openxmlformats.org/markup-compatibility/2006" xmlns:mv="urn:schemas-microsoft-com:mac:vml" xmlns:p="http://schemas.openxmlformats.org/presentationml/2006/main" xmlns:c="http://schemas.openxmlformats.org/drawingml/2006/chart" xmlns:dgm="http://schemas.openxmlformats.org/drawingml/2006/diagram" xmlns:o="urn:schemas-microsoft-com:office:office" xmlns:v="urn:schemas-microsoft-com:vml" xmlns:pvml="urn:schemas-microsoft-com:office:powerpoint" xmlns:com="http://schemas.openxmlformats.org/drawingml/2006/compatibility" xmlns:p14="http://schemas.microsoft.com/office/powerpoint/2010/main" xmlns:p15="http://schemas.microsoft.com/office/powerpoint/2012/main" showMasterPhAnim="0" showMasterSp="0">
+<p:notes xmlns:a="http://schemas.openxmlformats.org/drawingml/2006/main" xmlns:r="http://schemas.openxmlformats.org/officeDocument/2006/relationships" xmlns:p="http://schemas.openxmlformats.org/presentationml/2006/main" showMasterSp="0" showMasterPhAnim="0">
   <p:cSld>
     <p:spTree>
       <p:nvGrpSpPr>
-        <p:cNvPr id="89" name="Shape 89"/>
+        <p:cNvPr id="1" name="Shape 89"/>
         <p:cNvGrpSpPr/>
         <p:nvPr/>
       </p:nvGrpSpPr>
@@ -2019,20 +2169,26 @@
       <p:sp>
         <p:nvSpPr>
           <p:cNvPr id="90" name="Google Shape;90;g8198607cfc_0_10:notes"/>
-          <p:cNvSpPr/>
+          <p:cNvSpPr>
+            <a:spLocks noGrp="1" noRot="1" noChangeAspect="1"/>
+          </p:cNvSpPr>
           <p:nvPr>
-            <p:ph idx="2" type="sldImg"/>
+            <p:ph type="sldImg" idx="2"/>
           </p:nvPr>
         </p:nvSpPr>
         <p:spPr>
           <a:xfrm>
-            <a:off x="381188" y="685800"/>
-            <a:ext cx="6096300" cy="3429000"/>
+            <a:off x="381000" y="685800"/>
+            <a:ext cx="6096000" cy="3429000"/>
           </a:xfrm>
           <a:custGeom>
-            <a:rect b="b" l="l" r="r" t="t"/>
+            <a:avLst/>
+            <a:gdLst/>
+            <a:ahLst/>
+            <a:cxnLst/>
+            <a:rect l="l" t="t" r="r" b="b"/>
             <a:pathLst>
-              <a:path extrusionOk="0" h="120000" w="120000">
+              <a:path w="120000" h="120000" extrusionOk="0">
                 <a:moveTo>
                   <a:pt x="0" y="0"/>
                 </a:moveTo>
@@ -2054,9 +2210,11 @@
       <p:sp>
         <p:nvSpPr>
           <p:cNvPr id="91" name="Google Shape;91;g8198607cfc_0_10:notes"/>
-          <p:cNvSpPr txBox="1"/>
+          <p:cNvSpPr txBox="1">
+            <a:spLocks noGrp="1"/>
+          </p:cNvSpPr>
           <p:nvPr>
-            <p:ph idx="1" type="body"/>
+            <p:ph type="body" idx="1"/>
           </p:nvPr>
         </p:nvSpPr>
         <p:spPr>
@@ -2069,12 +2227,12 @@
           </a:prstGeom>
         </p:spPr>
         <p:txBody>
-          <a:bodyPr anchorCtr="0" anchor="t" bIns="91425" lIns="91425" spcFirstLastPara="1" rIns="91425" wrap="square" tIns="91425">
+          <a:bodyPr spcFirstLastPara="1" wrap="square" lIns="91425" tIns="91425" rIns="91425" bIns="91425" anchor="t" anchorCtr="0">
             <a:noAutofit/>
           </a:bodyPr>
           <a:lstStyle/>
           <a:p>
-            <a:pPr indent="0" lvl="0" marL="0" rtl="0" algn="l">
+            <a:pPr marL="0" lvl="0" indent="0" algn="l" rtl="0">
               <a:spcBef>
                 <a:spcPts val="0"/>
               </a:spcBef>
@@ -2083,14 +2241,16 @@
               </a:spcAft>
               <a:buNone/>
             </a:pPr>
-            <a:r>
-              <a:t/>
-            </a:r>
             <a:endParaRPr/>
           </a:p>
         </p:txBody>
       </p:sp>
     </p:spTree>
+    <p:extLst>
+      <p:ext uri="{BB962C8B-B14F-4D97-AF65-F5344CB8AC3E}">
+        <p14:creationId xmlns:p14="http://schemas.microsoft.com/office/powerpoint/2010/main" val="1345832571"/>
+      </p:ext>
+    </p:extLst>
   </p:cSld>
   <p:clrMapOvr>
     <a:masterClrMapping/>
@@ -2099,11 +2259,11 @@
 </file>
 
 <file path=ppt/notesSlides/notesSlide6.xml><?xml version="1.0" encoding="utf-8"?>
-<p:notes xmlns:a="http://schemas.openxmlformats.org/drawingml/2006/main" xmlns:r="http://schemas.openxmlformats.org/officeDocument/2006/relationships" xmlns:mc="http://schemas.openxmlformats.org/markup-compatibility/2006" xmlns:mv="urn:schemas-microsoft-com:mac:vml" xmlns:p="http://schemas.openxmlformats.org/presentationml/2006/main" xmlns:c="http://schemas.openxmlformats.org/drawingml/2006/chart" xmlns:dgm="http://schemas.openxmlformats.org/drawingml/2006/diagram" xmlns:o="urn:schemas-microsoft-com:office:office" xmlns:v="urn:schemas-microsoft-com:vml" xmlns:pvml="urn:schemas-microsoft-com:office:powerpoint" xmlns:com="http://schemas.openxmlformats.org/drawingml/2006/compatibility" xmlns:p14="http://schemas.microsoft.com/office/powerpoint/2010/main" xmlns:p15="http://schemas.microsoft.com/office/powerpoint/2012/main" showMasterPhAnim="0" showMasterSp="0">
+<p:notes xmlns:a="http://schemas.openxmlformats.org/drawingml/2006/main" xmlns:r="http://schemas.openxmlformats.org/officeDocument/2006/relationships" xmlns:p="http://schemas.openxmlformats.org/presentationml/2006/main" showMasterSp="0" showMasterPhAnim="0">
   <p:cSld>
     <p:spTree>
       <p:nvGrpSpPr>
-        <p:cNvPr id="94" name="Shape 94"/>
+        <p:cNvPr id="1" name="Shape 94"/>
         <p:cNvGrpSpPr/>
         <p:nvPr/>
       </p:nvGrpSpPr>
@@ -2118,20 +2278,26 @@
       <p:sp>
         <p:nvSpPr>
           <p:cNvPr id="95" name="Google Shape;95;g8198607cfc_0_14:notes"/>
-          <p:cNvSpPr/>
+          <p:cNvSpPr>
+            <a:spLocks noGrp="1" noRot="1" noChangeAspect="1"/>
+          </p:cNvSpPr>
           <p:nvPr>
-            <p:ph idx="2" type="sldImg"/>
+            <p:ph type="sldImg" idx="2"/>
           </p:nvPr>
         </p:nvSpPr>
         <p:spPr>
           <a:xfrm>
-            <a:off x="381188" y="685800"/>
-            <a:ext cx="6096300" cy="3429000"/>
+            <a:off x="381000" y="685800"/>
+            <a:ext cx="6096000" cy="3429000"/>
           </a:xfrm>
           <a:custGeom>
-            <a:rect b="b" l="l" r="r" t="t"/>
+            <a:avLst/>
+            <a:gdLst/>
+            <a:ahLst/>
+            <a:cxnLst/>
+            <a:rect l="l" t="t" r="r" b="b"/>
             <a:pathLst>
-              <a:path extrusionOk="0" h="120000" w="120000">
+              <a:path w="120000" h="120000" extrusionOk="0">
                 <a:moveTo>
                   <a:pt x="0" y="0"/>
                 </a:moveTo>
@@ -2153,9 +2319,11 @@
       <p:sp>
         <p:nvSpPr>
           <p:cNvPr id="96" name="Google Shape;96;g8198607cfc_0_14:notes"/>
-          <p:cNvSpPr txBox="1"/>
+          <p:cNvSpPr txBox="1">
+            <a:spLocks noGrp="1"/>
+          </p:cNvSpPr>
           <p:nvPr>
-            <p:ph idx="1" type="body"/>
+            <p:ph type="body" idx="1"/>
           </p:nvPr>
         </p:nvSpPr>
         <p:spPr>
@@ -2168,12 +2336,12 @@
           </a:prstGeom>
         </p:spPr>
         <p:txBody>
-          <a:bodyPr anchorCtr="0" anchor="t" bIns="91425" lIns="91425" spcFirstLastPara="1" rIns="91425" wrap="square" tIns="91425">
+          <a:bodyPr spcFirstLastPara="1" wrap="square" lIns="91425" tIns="91425" rIns="91425" bIns="91425" anchor="t" anchorCtr="0">
             <a:noAutofit/>
           </a:bodyPr>
           <a:lstStyle/>
           <a:p>
-            <a:pPr indent="0" lvl="0" marL="0" rtl="0" algn="l">
+            <a:pPr marL="0" lvl="0" indent="0" algn="l" rtl="0">
               <a:spcBef>
                 <a:spcPts val="0"/>
               </a:spcBef>
@@ -2182,14 +2350,16 @@
               </a:spcAft>
               <a:buNone/>
             </a:pPr>
-            <a:r>
-              <a:t/>
-            </a:r>
             <a:endParaRPr/>
           </a:p>
         </p:txBody>
       </p:sp>
     </p:spTree>
+    <p:extLst>
+      <p:ext uri="{BB962C8B-B14F-4D97-AF65-F5344CB8AC3E}">
+        <p14:creationId xmlns:p14="http://schemas.microsoft.com/office/powerpoint/2010/main" val="1093086092"/>
+      </p:ext>
+    </p:extLst>
   </p:cSld>
   <p:clrMapOvr>
     <a:masterClrMapping/>
@@ -2198,11 +2368,11 @@
 </file>
 
 <file path=ppt/notesSlides/notesSlide7.xml><?xml version="1.0" encoding="utf-8"?>
-<p:notes xmlns:a="http://schemas.openxmlformats.org/drawingml/2006/main" xmlns:r="http://schemas.openxmlformats.org/officeDocument/2006/relationships" xmlns:mc="http://schemas.openxmlformats.org/markup-compatibility/2006" xmlns:mv="urn:schemas-microsoft-com:mac:vml" xmlns:p="http://schemas.openxmlformats.org/presentationml/2006/main" xmlns:c="http://schemas.openxmlformats.org/drawingml/2006/chart" xmlns:dgm="http://schemas.openxmlformats.org/drawingml/2006/diagram" xmlns:o="urn:schemas-microsoft-com:office:office" xmlns:v="urn:schemas-microsoft-com:vml" xmlns:pvml="urn:schemas-microsoft-com:office:powerpoint" xmlns:com="http://schemas.openxmlformats.org/drawingml/2006/compatibility" xmlns:p14="http://schemas.microsoft.com/office/powerpoint/2010/main" xmlns:p15="http://schemas.microsoft.com/office/powerpoint/2012/main" showMasterPhAnim="0" showMasterSp="0">
+<p:notes xmlns:a="http://schemas.openxmlformats.org/drawingml/2006/main" xmlns:r="http://schemas.openxmlformats.org/officeDocument/2006/relationships" xmlns:p="http://schemas.openxmlformats.org/presentationml/2006/main" showMasterSp="0" showMasterPhAnim="0">
   <p:cSld>
     <p:spTree>
       <p:nvGrpSpPr>
-        <p:cNvPr id="101" name="Shape 101"/>
+        <p:cNvPr id="1" name="Shape 101"/>
         <p:cNvGrpSpPr/>
         <p:nvPr/>
       </p:nvGrpSpPr>
@@ -2217,20 +2387,26 @@
       <p:sp>
         <p:nvSpPr>
           <p:cNvPr id="102" name="Google Shape;102;g8198607cfc_0_24:notes"/>
-          <p:cNvSpPr/>
+          <p:cNvSpPr>
+            <a:spLocks noGrp="1" noRot="1" noChangeAspect="1"/>
+          </p:cNvSpPr>
           <p:nvPr>
-            <p:ph idx="2" type="sldImg"/>
+            <p:ph type="sldImg" idx="2"/>
           </p:nvPr>
         </p:nvSpPr>
         <p:spPr>
           <a:xfrm>
-            <a:off x="381188" y="685800"/>
-            <a:ext cx="6096300" cy="3429000"/>
+            <a:off x="381000" y="685800"/>
+            <a:ext cx="6096000" cy="3429000"/>
           </a:xfrm>
           <a:custGeom>
-            <a:rect b="b" l="l" r="r" t="t"/>
+            <a:avLst/>
+            <a:gdLst/>
+            <a:ahLst/>
+            <a:cxnLst/>
+            <a:rect l="l" t="t" r="r" b="b"/>
             <a:pathLst>
-              <a:path extrusionOk="0" h="120000" w="120000">
+              <a:path w="120000" h="120000" extrusionOk="0">
                 <a:moveTo>
                   <a:pt x="0" y="0"/>
                 </a:moveTo>
@@ -2252,9 +2428,11 @@
       <p:sp>
         <p:nvSpPr>
           <p:cNvPr id="103" name="Google Shape;103;g8198607cfc_0_24:notes"/>
-          <p:cNvSpPr txBox="1"/>
+          <p:cNvSpPr txBox="1">
+            <a:spLocks noGrp="1"/>
+          </p:cNvSpPr>
           <p:nvPr>
-            <p:ph idx="1" type="body"/>
+            <p:ph type="body" idx="1"/>
           </p:nvPr>
         </p:nvSpPr>
         <p:spPr>
@@ -2267,12 +2445,12 @@
           </a:prstGeom>
         </p:spPr>
         <p:txBody>
-          <a:bodyPr anchorCtr="0" anchor="t" bIns="91425" lIns="91425" spcFirstLastPara="1" rIns="91425" wrap="square" tIns="91425">
+          <a:bodyPr spcFirstLastPara="1" wrap="square" lIns="91425" tIns="91425" rIns="91425" bIns="91425" anchor="t" anchorCtr="0">
             <a:noAutofit/>
           </a:bodyPr>
           <a:lstStyle/>
           <a:p>
-            <a:pPr indent="0" lvl="0" marL="0" rtl="0" algn="l">
+            <a:pPr marL="0" lvl="0" indent="0" algn="l" rtl="0">
               <a:spcBef>
                 <a:spcPts val="0"/>
               </a:spcBef>
@@ -2281,14 +2459,16 @@
               </a:spcAft>
               <a:buNone/>
             </a:pPr>
-            <a:r>
-              <a:t/>
-            </a:r>
             <a:endParaRPr/>
           </a:p>
         </p:txBody>
       </p:sp>
     </p:spTree>
+    <p:extLst>
+      <p:ext uri="{BB962C8B-B14F-4D97-AF65-F5344CB8AC3E}">
+        <p14:creationId xmlns:p14="http://schemas.microsoft.com/office/powerpoint/2010/main" val="801908430"/>
+      </p:ext>
+    </p:extLst>
   </p:cSld>
   <p:clrMapOvr>
     <a:masterClrMapping/>
@@ -2297,11 +2477,11 @@
 </file>
 
 <file path=ppt/notesSlides/notesSlide8.xml><?xml version="1.0" encoding="utf-8"?>
-<p:notes xmlns:a="http://schemas.openxmlformats.org/drawingml/2006/main" xmlns:r="http://schemas.openxmlformats.org/officeDocument/2006/relationships" xmlns:mc="http://schemas.openxmlformats.org/markup-compatibility/2006" xmlns:mv="urn:schemas-microsoft-com:mac:vml" xmlns:p="http://schemas.openxmlformats.org/presentationml/2006/main" xmlns:c="http://schemas.openxmlformats.org/drawingml/2006/chart" xmlns:dgm="http://schemas.openxmlformats.org/drawingml/2006/diagram" xmlns:o="urn:schemas-microsoft-com:office:office" xmlns:v="urn:schemas-microsoft-com:vml" xmlns:pvml="urn:schemas-microsoft-com:office:powerpoint" xmlns:com="http://schemas.openxmlformats.org/drawingml/2006/compatibility" xmlns:p14="http://schemas.microsoft.com/office/powerpoint/2010/main" xmlns:p15="http://schemas.microsoft.com/office/powerpoint/2012/main" showMasterPhAnim="0" showMasterSp="0">
+<p:notes xmlns:a="http://schemas.openxmlformats.org/drawingml/2006/main" xmlns:r="http://schemas.openxmlformats.org/officeDocument/2006/relationships" xmlns:p="http://schemas.openxmlformats.org/presentationml/2006/main" showMasterSp="0" showMasterPhAnim="0">
   <p:cSld>
     <p:spTree>
       <p:nvGrpSpPr>
-        <p:cNvPr id="108" name="Shape 108"/>
+        <p:cNvPr id="1" name="Shape 108"/>
         <p:cNvGrpSpPr/>
         <p:nvPr/>
       </p:nvGrpSpPr>
@@ -2316,20 +2496,26 @@
       <p:sp>
         <p:nvSpPr>
           <p:cNvPr id="109" name="Google Shape;109;g8198607cfc_0_44:notes"/>
-          <p:cNvSpPr/>
+          <p:cNvSpPr>
+            <a:spLocks noGrp="1" noRot="1" noChangeAspect="1"/>
+          </p:cNvSpPr>
           <p:nvPr>
-            <p:ph idx="2" type="sldImg"/>
+            <p:ph type="sldImg" idx="2"/>
           </p:nvPr>
         </p:nvSpPr>
         <p:spPr>
           <a:xfrm>
-            <a:off x="381188" y="685800"/>
-            <a:ext cx="6096300" cy="3429000"/>
+            <a:off x="381000" y="685800"/>
+            <a:ext cx="6096000" cy="3429000"/>
           </a:xfrm>
           <a:custGeom>
-            <a:rect b="b" l="l" r="r" t="t"/>
+            <a:avLst/>
+            <a:gdLst/>
+            <a:ahLst/>
+            <a:cxnLst/>
+            <a:rect l="l" t="t" r="r" b="b"/>
             <a:pathLst>
-              <a:path extrusionOk="0" h="120000" w="120000">
+              <a:path w="120000" h="120000" extrusionOk="0">
                 <a:moveTo>
                   <a:pt x="0" y="0"/>
                 </a:moveTo>
@@ -2351,9 +2537,11 @@
       <p:sp>
         <p:nvSpPr>
           <p:cNvPr id="110" name="Google Shape;110;g8198607cfc_0_44:notes"/>
-          <p:cNvSpPr txBox="1"/>
+          <p:cNvSpPr txBox="1">
+            <a:spLocks noGrp="1"/>
+          </p:cNvSpPr>
           <p:nvPr>
-            <p:ph idx="1" type="body"/>
+            <p:ph type="body" idx="1"/>
           </p:nvPr>
         </p:nvSpPr>
         <p:spPr>
@@ -2366,12 +2554,12 @@
           </a:prstGeom>
         </p:spPr>
         <p:txBody>
-          <a:bodyPr anchorCtr="0" anchor="t" bIns="91425" lIns="91425" spcFirstLastPara="1" rIns="91425" wrap="square" tIns="91425">
+          <a:bodyPr spcFirstLastPara="1" wrap="square" lIns="91425" tIns="91425" rIns="91425" bIns="91425" anchor="t" anchorCtr="0">
             <a:noAutofit/>
           </a:bodyPr>
           <a:lstStyle/>
           <a:p>
-            <a:pPr indent="0" lvl="0" marL="0" rtl="0" algn="l">
+            <a:pPr marL="0" lvl="0" indent="0" algn="l" rtl="0">
               <a:spcBef>
                 <a:spcPts val="0"/>
               </a:spcBef>
@@ -2380,14 +2568,16 @@
               </a:spcAft>
               <a:buNone/>
             </a:pPr>
-            <a:r>
-              <a:t/>
-            </a:r>
             <a:endParaRPr/>
           </a:p>
         </p:txBody>
       </p:sp>
     </p:spTree>
+    <p:extLst>
+      <p:ext uri="{BB962C8B-B14F-4D97-AF65-F5344CB8AC3E}">
+        <p14:creationId xmlns:p14="http://schemas.microsoft.com/office/powerpoint/2010/main" val="2372494882"/>
+      </p:ext>
+    </p:extLst>
   </p:cSld>
   <p:clrMapOvr>
     <a:masterClrMapping/>
@@ -2396,11 +2586,11 @@
 </file>
 
 <file path=ppt/notesSlides/notesSlide9.xml><?xml version="1.0" encoding="utf-8"?>
-<p:notes xmlns:a="http://schemas.openxmlformats.org/drawingml/2006/main" xmlns:r="http://schemas.openxmlformats.org/officeDocument/2006/relationships" xmlns:mc="http://schemas.openxmlformats.org/markup-compatibility/2006" xmlns:mv="urn:schemas-microsoft-com:mac:vml" xmlns:p="http://schemas.openxmlformats.org/presentationml/2006/main" xmlns:c="http://schemas.openxmlformats.org/drawingml/2006/chart" xmlns:dgm="http://schemas.openxmlformats.org/drawingml/2006/diagram" xmlns:o="urn:schemas-microsoft-com:office:office" xmlns:v="urn:schemas-microsoft-com:vml" xmlns:pvml="urn:schemas-microsoft-com:office:powerpoint" xmlns:com="http://schemas.openxmlformats.org/drawingml/2006/compatibility" xmlns:p14="http://schemas.microsoft.com/office/powerpoint/2010/main" xmlns:p15="http://schemas.microsoft.com/office/powerpoint/2012/main" showMasterPhAnim="0" showMasterSp="0">
+<p:notes xmlns:a="http://schemas.openxmlformats.org/drawingml/2006/main" xmlns:r="http://schemas.openxmlformats.org/officeDocument/2006/relationships" xmlns:p="http://schemas.openxmlformats.org/presentationml/2006/main" showMasterSp="0" showMasterPhAnim="0">
   <p:cSld>
     <p:spTree>
       <p:nvGrpSpPr>
-        <p:cNvPr id="113" name="Shape 113"/>
+        <p:cNvPr id="1" name="Shape 113"/>
         <p:cNvGrpSpPr/>
         <p:nvPr/>
       </p:nvGrpSpPr>
@@ -2415,20 +2605,26 @@
       <p:sp>
         <p:nvSpPr>
           <p:cNvPr id="114" name="Google Shape;114;g8198607cfc_0_29:notes"/>
-          <p:cNvSpPr/>
+          <p:cNvSpPr>
+            <a:spLocks noGrp="1" noRot="1" noChangeAspect="1"/>
+          </p:cNvSpPr>
           <p:nvPr>
-            <p:ph idx="2" type="sldImg"/>
+            <p:ph type="sldImg" idx="2"/>
           </p:nvPr>
         </p:nvSpPr>
         <p:spPr>
           <a:xfrm>
-            <a:off x="381188" y="685800"/>
-            <a:ext cx="6096300" cy="3429000"/>
+            <a:off x="381000" y="685800"/>
+            <a:ext cx="6096000" cy="3429000"/>
           </a:xfrm>
           <a:custGeom>
-            <a:rect b="b" l="l" r="r" t="t"/>
+            <a:avLst/>
+            <a:gdLst/>
+            <a:ahLst/>
+            <a:cxnLst/>
+            <a:rect l="l" t="t" r="r" b="b"/>
             <a:pathLst>
-              <a:path extrusionOk="0" h="120000" w="120000">
+              <a:path w="120000" h="120000" extrusionOk="0">
                 <a:moveTo>
                   <a:pt x="0" y="0"/>
                 </a:moveTo>
@@ -2450,9 +2646,11 @@
       <p:sp>
         <p:nvSpPr>
           <p:cNvPr id="115" name="Google Shape;115;g8198607cfc_0_29:notes"/>
-          <p:cNvSpPr txBox="1"/>
+          <p:cNvSpPr txBox="1">
+            <a:spLocks noGrp="1"/>
+          </p:cNvSpPr>
           <p:nvPr>
-            <p:ph idx="1" type="body"/>
+            <p:ph type="body" idx="1"/>
           </p:nvPr>
         </p:nvSpPr>
         <p:spPr>
@@ -2465,12 +2663,12 @@
           </a:prstGeom>
         </p:spPr>
         <p:txBody>
-          <a:bodyPr anchorCtr="0" anchor="t" bIns="91425" lIns="91425" spcFirstLastPara="1" rIns="91425" wrap="square" tIns="91425">
+          <a:bodyPr spcFirstLastPara="1" wrap="square" lIns="91425" tIns="91425" rIns="91425" bIns="91425" anchor="t" anchorCtr="0">
             <a:noAutofit/>
           </a:bodyPr>
           <a:lstStyle/>
           <a:p>
-            <a:pPr indent="0" lvl="0" marL="0" rtl="0" algn="l">
+            <a:pPr marL="0" lvl="0" indent="0" algn="l" rtl="0">
               <a:spcBef>
                 <a:spcPts val="0"/>
               </a:spcBef>
@@ -2479,14 +2677,16 @@
               </a:spcAft>
               <a:buNone/>
             </a:pPr>
-            <a:r>
-              <a:t/>
-            </a:r>
             <a:endParaRPr/>
           </a:p>
         </p:txBody>
       </p:sp>
     </p:spTree>
+    <p:extLst>
+      <p:ext uri="{BB962C8B-B14F-4D97-AF65-F5344CB8AC3E}">
+        <p14:creationId xmlns:p14="http://schemas.microsoft.com/office/powerpoint/2010/main" val="1102053209"/>
+      </p:ext>
+    </p:extLst>
   </p:cSld>
   <p:clrMapOvr>
     <a:masterClrMapping/>
@@ -2495,11 +2695,11 @@
 </file>
 
 <file path=ppt/slideLayouts/slideLayout1.xml><?xml version="1.0" encoding="utf-8"?>
-<p:sldLayout xmlns:a="http://schemas.openxmlformats.org/drawingml/2006/main" xmlns:r="http://schemas.openxmlformats.org/officeDocument/2006/relationships" xmlns:mc="http://schemas.openxmlformats.org/markup-compatibility/2006" xmlns:mv="urn:schemas-microsoft-com:mac:vml" xmlns:p="http://schemas.openxmlformats.org/presentationml/2006/main" xmlns:c="http://schemas.openxmlformats.org/drawingml/2006/chart" xmlns:dgm="http://schemas.openxmlformats.org/drawingml/2006/diagram" xmlns:o="urn:schemas-microsoft-com:office:office" xmlns:v="urn:schemas-microsoft-com:vml" xmlns:pvml="urn:schemas-microsoft-com:office:powerpoint" xmlns:com="http://schemas.openxmlformats.org/drawingml/2006/compatibility" xmlns:p14="http://schemas.microsoft.com/office/powerpoint/2010/main" xmlns:p15="http://schemas.microsoft.com/office/powerpoint/2012/main" matchingName="Title slide" type="title">
+<p:sldLayout xmlns:a="http://schemas.openxmlformats.org/drawingml/2006/main" xmlns:r="http://schemas.openxmlformats.org/officeDocument/2006/relationships" xmlns:p="http://schemas.openxmlformats.org/presentationml/2006/main" matchingName="Title slide" type="title">
   <p:cSld name="TITLE">
     <p:spTree>
       <p:nvGrpSpPr>
-        <p:cNvPr id="9" name="Shape 9"/>
+        <p:cNvPr id="1" name="Shape 9"/>
         <p:cNvGrpSpPr/>
         <p:nvPr/>
       </p:nvGrpSpPr>
@@ -2533,12 +2733,12 @@
           </a:ln>
         </p:spPr>
         <p:txBody>
-          <a:bodyPr anchorCtr="0" anchor="ctr" bIns="91425" lIns="91425" spcFirstLastPara="1" rIns="91425" wrap="square" tIns="91425">
+          <a:bodyPr spcFirstLastPara="1" wrap="square" lIns="91425" tIns="91425" rIns="91425" bIns="91425" anchor="ctr" anchorCtr="0">
             <a:noAutofit/>
           </a:bodyPr>
           <a:lstStyle/>
           <a:p>
-            <a:pPr indent="0" lvl="0" marL="0" rtl="0" algn="l">
+            <a:pPr marL="0" lvl="0" indent="0" algn="l" rtl="0">
               <a:spcBef>
                 <a:spcPts val="0"/>
               </a:spcBef>
@@ -2547,9 +2747,6 @@
               </a:spcAft>
               <a:buNone/>
             </a:pPr>
-            <a:r>
-              <a:t/>
-            </a:r>
             <a:endParaRPr/>
           </a:p>
         </p:txBody>
@@ -2567,7 +2764,7 @@
           </a:xfrm>
           <a:prstGeom prst="round1Rect">
             <a:avLst>
-              <a:gd fmla="val 16667" name="adj"/>
+              <a:gd name="adj" fmla="val 16667"/>
             </a:avLst>
           </a:prstGeom>
           <a:solidFill>
@@ -2580,12 +2777,12 @@
           </a:ln>
         </p:spPr>
         <p:txBody>
-          <a:bodyPr anchorCtr="0" anchor="ctr" bIns="91425" lIns="91425" spcFirstLastPara="1" rIns="91425" wrap="square" tIns="91425">
+          <a:bodyPr spcFirstLastPara="1" wrap="square" lIns="91425" tIns="91425" rIns="91425" bIns="91425" anchor="ctr" anchorCtr="0">
             <a:noAutofit/>
           </a:bodyPr>
           <a:lstStyle/>
           <a:p>
-            <a:pPr indent="0" lvl="0" marL="0" rtl="0" algn="l">
+            <a:pPr marL="0" lvl="0" indent="0" algn="l" rtl="0">
               <a:spcBef>
                 <a:spcPts val="0"/>
               </a:spcBef>
@@ -2594,9 +2791,6 @@
               </a:spcAft>
               <a:buNone/>
             </a:pPr>
-            <a:r>
-              <a:t/>
-            </a:r>
             <a:endParaRPr/>
           </a:p>
         </p:txBody>
@@ -2604,7 +2798,9 @@
       <p:sp>
         <p:nvSpPr>
           <p:cNvPr id="12" name="Google Shape;12;p2"/>
-          <p:cNvSpPr txBox="1"/>
+          <p:cNvSpPr txBox="1">
+            <a:spLocks noGrp="1"/>
+          </p:cNvSpPr>
           <p:nvPr>
             <p:ph type="ctrTitle"/>
           </p:nvPr>
@@ -2619,7 +2815,7 @@
           </a:prstGeom>
         </p:spPr>
         <p:txBody>
-          <a:bodyPr anchorCtr="0" anchor="b" bIns="91425" lIns="91425" spcFirstLastPara="1" rIns="91425" wrap="square" tIns="91425">
+          <a:bodyPr spcFirstLastPara="1" wrap="square" lIns="91425" tIns="91425" rIns="91425" bIns="91425" anchor="b" anchorCtr="0">
             <a:noAutofit/>
           </a:bodyPr>
           <a:lstStyle>
@@ -2723,15 +2919,19 @@
               <a:defRPr sz="4800"/>
             </a:lvl9pPr>
           </a:lstStyle>
-          <a:p/>
+          <a:p>
+            <a:endParaRPr/>
+          </a:p>
         </p:txBody>
       </p:sp>
       <p:sp>
         <p:nvSpPr>
           <p:cNvPr id="13" name="Google Shape;13;p2"/>
-          <p:cNvSpPr txBox="1"/>
+          <p:cNvSpPr txBox="1">
+            <a:spLocks noGrp="1"/>
+          </p:cNvSpPr>
           <p:nvPr>
-            <p:ph idx="1" type="subTitle"/>
+            <p:ph type="subTitle" idx="1"/>
           </p:nvPr>
         </p:nvSpPr>
         <p:spPr>
@@ -2744,7 +2944,7 @@
           </a:prstGeom>
         </p:spPr>
         <p:txBody>
-          <a:bodyPr anchorCtr="0" anchor="t" bIns="91425" lIns="91425" spcFirstLastPara="1" rIns="91425" wrap="square" tIns="91425">
+          <a:bodyPr spcFirstLastPara="1" wrap="square" lIns="91425" tIns="91425" rIns="91425" bIns="91425" anchor="t" anchorCtr="0">
             <a:noAutofit/>
           </a:bodyPr>
           <a:lstStyle>
@@ -2938,15 +3138,19 @@
               </a:defRPr>
             </a:lvl9pPr>
           </a:lstStyle>
-          <a:p/>
+          <a:p>
+            <a:endParaRPr/>
+          </a:p>
         </p:txBody>
       </p:sp>
       <p:sp>
         <p:nvSpPr>
           <p:cNvPr id="14" name="Google Shape;14;p2"/>
-          <p:cNvSpPr txBox="1"/>
+          <p:cNvSpPr txBox="1">
+            <a:spLocks noGrp="1"/>
+          </p:cNvSpPr>
           <p:nvPr>
-            <p:ph idx="12" type="sldNum"/>
+            <p:ph type="sldNum" idx="12"/>
           </p:nvPr>
         </p:nvSpPr>
         <p:spPr>
@@ -2959,7 +3163,7 @@
           </a:prstGeom>
         </p:spPr>
         <p:txBody>
-          <a:bodyPr anchorCtr="0" anchor="ctr" bIns="91425" lIns="91425" spcFirstLastPara="1" rIns="91425" wrap="square" tIns="91425">
+          <a:bodyPr spcFirstLastPara="1" wrap="square" lIns="91425" tIns="91425" rIns="91425" bIns="91425" anchor="ctr" anchorCtr="0">
             <a:noAutofit/>
           </a:bodyPr>
           <a:lstStyle>
@@ -3001,7 +3205,7 @@
             </a:lvl9pPr>
           </a:lstStyle>
           <a:p>
-            <a:pPr indent="0" lvl="0" marL="0" rtl="0" algn="r">
+            <a:pPr marL="0" lvl="0" indent="0" algn="r" rtl="0">
               <a:spcBef>
                 <a:spcPts val="0"/>
               </a:spcBef>
@@ -3027,18 +3231,19 @@
 </file>
 
 <file path=ppt/slideLayouts/slideLayout10.xml><?xml version="1.0" encoding="utf-8"?>
-<p:sldLayout xmlns:a="http://schemas.openxmlformats.org/drawingml/2006/main" xmlns:r="http://schemas.openxmlformats.org/officeDocument/2006/relationships" xmlns:mc="http://schemas.openxmlformats.org/markup-compatibility/2006" xmlns:mv="urn:schemas-microsoft-com:mac:vml" xmlns:p="http://schemas.openxmlformats.org/presentationml/2006/main" xmlns:c="http://schemas.openxmlformats.org/drawingml/2006/chart" xmlns:dgm="http://schemas.openxmlformats.org/drawingml/2006/diagram" xmlns:o="urn:schemas-microsoft-com:office:office" xmlns:v="urn:schemas-microsoft-com:vml" xmlns:pvml="urn:schemas-microsoft-com:office:powerpoint" xmlns:com="http://schemas.openxmlformats.org/drawingml/2006/compatibility" xmlns:p14="http://schemas.microsoft.com/office/powerpoint/2010/main" xmlns:p15="http://schemas.microsoft.com/office/powerpoint/2012/main" matchingName="Big number">
+<p:sldLayout xmlns:a="http://schemas.openxmlformats.org/drawingml/2006/main" xmlns:r="http://schemas.openxmlformats.org/officeDocument/2006/relationships" xmlns:p="http://schemas.openxmlformats.org/presentationml/2006/main" matchingName="Big number">
   <p:cSld name="BIG_NUMBER">
     <p:bg>
       <p:bgPr>
         <a:solidFill>
           <a:schemeClr val="accent4"/>
         </a:solidFill>
+        <a:effectLst/>
       </p:bgPr>
     </p:bg>
     <p:spTree>
       <p:nvGrpSpPr>
-        <p:cNvPr id="57" name="Shape 57"/>
+        <p:cNvPr id="1" name="Shape 57"/>
         <p:cNvGrpSpPr/>
         <p:nvPr/>
       </p:nvGrpSpPr>
@@ -3053,9 +3258,11 @@
       <p:sp>
         <p:nvSpPr>
           <p:cNvPr id="58" name="Google Shape;58;p11"/>
-          <p:cNvSpPr txBox="1"/>
+          <p:cNvSpPr txBox="1">
+            <a:spLocks noGrp="1"/>
+          </p:cNvSpPr>
           <p:nvPr>
-            <p:ph hasCustomPrompt="1" type="title"/>
+            <p:ph type="title" hasCustomPrompt="1"/>
           </p:nvPr>
         </p:nvSpPr>
         <p:spPr>
@@ -3068,7 +3275,7 @@
           </a:prstGeom>
         </p:spPr>
         <p:txBody>
-          <a:bodyPr anchorCtr="0" anchor="b" bIns="91425" lIns="91425" spcFirstLastPara="1" rIns="91425" wrap="square" tIns="91425">
+          <a:bodyPr spcFirstLastPara="1" wrap="square" lIns="91425" tIns="91425" rIns="91425" bIns="91425" anchor="b" anchorCtr="0">
             <a:noAutofit/>
           </a:bodyPr>
           <a:lstStyle>
@@ -3245,9 +3452,11 @@
       <p:sp>
         <p:nvSpPr>
           <p:cNvPr id="59" name="Google Shape;59;p11"/>
-          <p:cNvSpPr txBox="1"/>
+          <p:cNvSpPr txBox="1">
+            <a:spLocks noGrp="1"/>
+          </p:cNvSpPr>
           <p:nvPr>
-            <p:ph idx="1" type="body"/>
+            <p:ph type="body" idx="1"/>
           </p:nvPr>
         </p:nvSpPr>
         <p:spPr>
@@ -3260,11 +3469,11 @@
           </a:prstGeom>
         </p:spPr>
         <p:txBody>
-          <a:bodyPr anchorCtr="0" anchor="t" bIns="91425" lIns="91425" spcFirstLastPara="1" rIns="91425" wrap="square" tIns="91425">
+          <a:bodyPr spcFirstLastPara="1" wrap="square" lIns="91425" tIns="91425" rIns="91425" bIns="91425" anchor="t" anchorCtr="0">
             <a:noAutofit/>
           </a:bodyPr>
           <a:lstStyle>
-            <a:lvl1pPr indent="-342900" lvl="0" marL="457200" algn="ctr">
+            <a:lvl1pPr marL="457200" lvl="0" indent="-342900" algn="ctr">
               <a:spcBef>
                 <a:spcPts val="0"/>
               </a:spcBef>
@@ -3275,7 +3484,7 @@
               <a:buChar char="●"/>
               <a:defRPr/>
             </a:lvl1pPr>
-            <a:lvl2pPr indent="-317500" lvl="1" marL="914400" algn="ctr">
+            <a:lvl2pPr marL="914400" lvl="1" indent="-317500" algn="ctr">
               <a:spcBef>
                 <a:spcPts val="1600"/>
               </a:spcBef>
@@ -3286,7 +3495,7 @@
               <a:buChar char="○"/>
               <a:defRPr/>
             </a:lvl2pPr>
-            <a:lvl3pPr indent="-317500" lvl="2" marL="1371600" algn="ctr">
+            <a:lvl3pPr marL="1371600" lvl="2" indent="-317500" algn="ctr">
               <a:spcBef>
                 <a:spcPts val="1600"/>
               </a:spcBef>
@@ -3297,7 +3506,7 @@
               <a:buChar char="■"/>
               <a:defRPr/>
             </a:lvl3pPr>
-            <a:lvl4pPr indent="-317500" lvl="3" marL="1828800" algn="ctr">
+            <a:lvl4pPr marL="1828800" lvl="3" indent="-317500" algn="ctr">
               <a:spcBef>
                 <a:spcPts val="1600"/>
               </a:spcBef>
@@ -3308,7 +3517,7 @@
               <a:buChar char="●"/>
               <a:defRPr/>
             </a:lvl4pPr>
-            <a:lvl5pPr indent="-317500" lvl="4" marL="2286000" algn="ctr">
+            <a:lvl5pPr marL="2286000" lvl="4" indent="-317500" algn="ctr">
               <a:spcBef>
                 <a:spcPts val="1600"/>
               </a:spcBef>
@@ -3319,7 +3528,7 @@
               <a:buChar char="○"/>
               <a:defRPr/>
             </a:lvl5pPr>
-            <a:lvl6pPr indent="-317500" lvl="5" marL="2743200" algn="ctr">
+            <a:lvl6pPr marL="2743200" lvl="5" indent="-317500" algn="ctr">
               <a:spcBef>
                 <a:spcPts val="1600"/>
               </a:spcBef>
@@ -3330,7 +3539,7 @@
               <a:buChar char="■"/>
               <a:defRPr/>
             </a:lvl6pPr>
-            <a:lvl7pPr indent="-317500" lvl="6" marL="3200400" algn="ctr">
+            <a:lvl7pPr marL="3200400" lvl="6" indent="-317500" algn="ctr">
               <a:spcBef>
                 <a:spcPts val="1600"/>
               </a:spcBef>
@@ -3341,7 +3550,7 @@
               <a:buChar char="●"/>
               <a:defRPr/>
             </a:lvl7pPr>
-            <a:lvl8pPr indent="-317500" lvl="7" marL="3657600" algn="ctr">
+            <a:lvl8pPr marL="3657600" lvl="7" indent="-317500" algn="ctr">
               <a:spcBef>
                 <a:spcPts val="1600"/>
               </a:spcBef>
@@ -3352,7 +3561,7 @@
               <a:buChar char="○"/>
               <a:defRPr/>
             </a:lvl8pPr>
-            <a:lvl9pPr indent="-317500" lvl="8" marL="4114800" algn="ctr">
+            <a:lvl9pPr marL="4114800" lvl="8" indent="-317500" algn="ctr">
               <a:spcBef>
                 <a:spcPts val="1600"/>
               </a:spcBef>
@@ -3364,15 +3573,19 @@
               <a:defRPr/>
             </a:lvl9pPr>
           </a:lstStyle>
-          <a:p/>
+          <a:p>
+            <a:endParaRPr/>
+          </a:p>
         </p:txBody>
       </p:sp>
       <p:sp>
         <p:nvSpPr>
           <p:cNvPr id="60" name="Google Shape;60;p11"/>
-          <p:cNvSpPr txBox="1"/>
+          <p:cNvSpPr txBox="1">
+            <a:spLocks noGrp="1"/>
+          </p:cNvSpPr>
           <p:nvPr>
-            <p:ph idx="12" type="sldNum"/>
+            <p:ph type="sldNum" idx="12"/>
           </p:nvPr>
         </p:nvSpPr>
         <p:spPr>
@@ -3385,7 +3598,7 @@
           </a:prstGeom>
         </p:spPr>
         <p:txBody>
-          <a:bodyPr anchorCtr="0" anchor="ctr" bIns="91425" lIns="91425" spcFirstLastPara="1" rIns="91425" wrap="square" tIns="91425">
+          <a:bodyPr spcFirstLastPara="1" wrap="square" lIns="91425" tIns="91425" rIns="91425" bIns="91425" anchor="ctr" anchorCtr="0">
             <a:noAutofit/>
           </a:bodyPr>
           <a:lstStyle>
@@ -3427,7 +3640,7 @@
             </a:lvl9pPr>
           </a:lstStyle>
           <a:p>
-            <a:pPr indent="0" lvl="0" marL="0" rtl="0" algn="r">
+            <a:pPr marL="0" lvl="0" indent="0" algn="r" rtl="0">
               <a:spcBef>
                 <a:spcPts val="0"/>
               </a:spcBef>
@@ -3453,18 +3666,19 @@
 </file>
 
 <file path=ppt/slideLayouts/slideLayout11.xml><?xml version="1.0" encoding="utf-8"?>
-<p:sldLayout xmlns:a="http://schemas.openxmlformats.org/drawingml/2006/main" xmlns:r="http://schemas.openxmlformats.org/officeDocument/2006/relationships" xmlns:mc="http://schemas.openxmlformats.org/markup-compatibility/2006" xmlns:mv="urn:schemas-microsoft-com:mac:vml" xmlns:p="http://schemas.openxmlformats.org/presentationml/2006/main" xmlns:c="http://schemas.openxmlformats.org/drawingml/2006/chart" xmlns:dgm="http://schemas.openxmlformats.org/drawingml/2006/diagram" xmlns:o="urn:schemas-microsoft-com:office:office" xmlns:v="urn:schemas-microsoft-com:vml" xmlns:pvml="urn:schemas-microsoft-com:office:powerpoint" xmlns:com="http://schemas.openxmlformats.org/drawingml/2006/compatibility" xmlns:p14="http://schemas.microsoft.com/office/powerpoint/2010/main" xmlns:p15="http://schemas.microsoft.com/office/powerpoint/2012/main" matchingName="Blank" type="blank">
+<p:sldLayout xmlns:a="http://schemas.openxmlformats.org/drawingml/2006/main" xmlns:r="http://schemas.openxmlformats.org/officeDocument/2006/relationships" xmlns:p="http://schemas.openxmlformats.org/presentationml/2006/main" matchingName="Blank" type="blank">
   <p:cSld name="BLANK">
     <p:bg>
       <p:bgPr>
         <a:solidFill>
           <a:schemeClr val="accent4"/>
         </a:solidFill>
+        <a:effectLst/>
       </p:bgPr>
     </p:bg>
     <p:spTree>
       <p:nvGrpSpPr>
-        <p:cNvPr id="61" name="Shape 61"/>
+        <p:cNvPr id="1" name="Shape 61"/>
         <p:cNvGrpSpPr/>
         <p:nvPr/>
       </p:nvGrpSpPr>
@@ -3479,9 +3693,11 @@
       <p:sp>
         <p:nvSpPr>
           <p:cNvPr id="62" name="Google Shape;62;p12"/>
-          <p:cNvSpPr txBox="1"/>
+          <p:cNvSpPr txBox="1">
+            <a:spLocks noGrp="1"/>
+          </p:cNvSpPr>
           <p:nvPr>
-            <p:ph idx="12" type="sldNum"/>
+            <p:ph type="sldNum" idx="12"/>
           </p:nvPr>
         </p:nvSpPr>
         <p:spPr>
@@ -3494,7 +3710,7 @@
           </a:prstGeom>
         </p:spPr>
         <p:txBody>
-          <a:bodyPr anchorCtr="0" anchor="ctr" bIns="91425" lIns="91425" spcFirstLastPara="1" rIns="91425" wrap="square" tIns="91425">
+          <a:bodyPr spcFirstLastPara="1" wrap="square" lIns="91425" tIns="91425" rIns="91425" bIns="91425" anchor="ctr" anchorCtr="0">
             <a:noAutofit/>
           </a:bodyPr>
           <a:lstStyle>
@@ -3536,7 +3752,7 @@
             </a:lvl9pPr>
           </a:lstStyle>
           <a:p>
-            <a:pPr indent="0" lvl="0" marL="0" rtl="0" algn="r">
+            <a:pPr marL="0" lvl="0" indent="0" algn="r" rtl="0">
               <a:spcBef>
                 <a:spcPts val="0"/>
               </a:spcBef>
@@ -3562,11 +3778,11 @@
 </file>
 
 <file path=ppt/slideLayouts/slideLayout2.xml><?xml version="1.0" encoding="utf-8"?>
-<p:sldLayout xmlns:a="http://schemas.openxmlformats.org/drawingml/2006/main" xmlns:r="http://schemas.openxmlformats.org/officeDocument/2006/relationships" xmlns:mc="http://schemas.openxmlformats.org/markup-compatibility/2006" xmlns:mv="urn:schemas-microsoft-com:mac:vml" xmlns:p="http://schemas.openxmlformats.org/presentationml/2006/main" xmlns:c="http://schemas.openxmlformats.org/drawingml/2006/chart" xmlns:dgm="http://schemas.openxmlformats.org/drawingml/2006/diagram" xmlns:o="urn:schemas-microsoft-com:office:office" xmlns:v="urn:schemas-microsoft-com:vml" xmlns:pvml="urn:schemas-microsoft-com:office:powerpoint" xmlns:com="http://schemas.openxmlformats.org/drawingml/2006/compatibility" xmlns:p14="http://schemas.microsoft.com/office/powerpoint/2010/main" xmlns:p15="http://schemas.microsoft.com/office/powerpoint/2012/main" matchingName="Section header" type="secHead">
+<p:sldLayout xmlns:a="http://schemas.openxmlformats.org/drawingml/2006/main" xmlns:r="http://schemas.openxmlformats.org/officeDocument/2006/relationships" xmlns:p="http://schemas.openxmlformats.org/presentationml/2006/main" matchingName="Section header" type="secHead">
   <p:cSld name="SECTION_HEADER">
     <p:spTree>
       <p:nvGrpSpPr>
-        <p:cNvPr id="15" name="Shape 15"/>
+        <p:cNvPr id="1" name="Shape 15"/>
         <p:cNvGrpSpPr/>
         <p:nvPr/>
       </p:nvGrpSpPr>
@@ -3581,7 +3797,9 @@
       <p:sp>
         <p:nvSpPr>
           <p:cNvPr id="16" name="Google Shape;16;p3"/>
-          <p:cNvSpPr txBox="1"/>
+          <p:cNvSpPr txBox="1">
+            <a:spLocks noGrp="1"/>
+          </p:cNvSpPr>
           <p:nvPr>
             <p:ph type="title"/>
           </p:nvPr>
@@ -3596,7 +3814,7 @@
           </a:prstGeom>
         </p:spPr>
         <p:txBody>
-          <a:bodyPr anchorCtr="0" anchor="ctr" bIns="91425" lIns="91425" spcFirstLastPara="1" rIns="91425" wrap="square" tIns="91425">
+          <a:bodyPr spcFirstLastPara="1" wrap="square" lIns="91425" tIns="91425" rIns="91425" bIns="91425" anchor="ctr" anchorCtr="0">
             <a:noAutofit/>
           </a:bodyPr>
           <a:lstStyle>
@@ -3700,15 +3918,19 @@
               <a:defRPr sz="4200"/>
             </a:lvl9pPr>
           </a:lstStyle>
-          <a:p/>
+          <a:p>
+            <a:endParaRPr/>
+          </a:p>
         </p:txBody>
       </p:sp>
       <p:sp>
         <p:nvSpPr>
           <p:cNvPr id="17" name="Google Shape;17;p3"/>
-          <p:cNvSpPr txBox="1"/>
+          <p:cNvSpPr txBox="1">
+            <a:spLocks noGrp="1"/>
+          </p:cNvSpPr>
           <p:nvPr>
-            <p:ph idx="12" type="sldNum"/>
+            <p:ph type="sldNum" idx="12"/>
           </p:nvPr>
         </p:nvSpPr>
         <p:spPr>
@@ -3721,7 +3943,7 @@
           </a:prstGeom>
         </p:spPr>
         <p:txBody>
-          <a:bodyPr anchorCtr="0" anchor="ctr" bIns="91425" lIns="91425" spcFirstLastPara="1" rIns="91425" wrap="square" tIns="91425">
+          <a:bodyPr spcFirstLastPara="1" wrap="square" lIns="91425" tIns="91425" rIns="91425" bIns="91425" anchor="ctr" anchorCtr="0">
             <a:noAutofit/>
           </a:bodyPr>
           <a:lstStyle>
@@ -3799,7 +4021,7 @@
             </a:lvl9pPr>
           </a:lstStyle>
           <a:p>
-            <a:pPr indent="0" lvl="0" marL="0" rtl="0" algn="r">
+            <a:pPr marL="0" lvl="0" indent="0" algn="r" rtl="0">
               <a:spcBef>
                 <a:spcPts val="0"/>
               </a:spcBef>
@@ -3825,11 +4047,11 @@
 </file>
 
 <file path=ppt/slideLayouts/slideLayout3.xml><?xml version="1.0" encoding="utf-8"?>
-<p:sldLayout xmlns:a="http://schemas.openxmlformats.org/drawingml/2006/main" xmlns:r="http://schemas.openxmlformats.org/officeDocument/2006/relationships" xmlns:mc="http://schemas.openxmlformats.org/markup-compatibility/2006" xmlns:mv="urn:schemas-microsoft-com:mac:vml" xmlns:p="http://schemas.openxmlformats.org/presentationml/2006/main" xmlns:c="http://schemas.openxmlformats.org/drawingml/2006/chart" xmlns:dgm="http://schemas.openxmlformats.org/drawingml/2006/diagram" xmlns:o="urn:schemas-microsoft-com:office:office" xmlns:v="urn:schemas-microsoft-com:vml" xmlns:pvml="urn:schemas-microsoft-com:office:powerpoint" xmlns:com="http://schemas.openxmlformats.org/drawingml/2006/compatibility" xmlns:p14="http://schemas.microsoft.com/office/powerpoint/2010/main" xmlns:p15="http://schemas.microsoft.com/office/powerpoint/2012/main" matchingName="Title and body" type="tx">
+<p:sldLayout xmlns:a="http://schemas.openxmlformats.org/drawingml/2006/main" xmlns:r="http://schemas.openxmlformats.org/officeDocument/2006/relationships" xmlns:p="http://schemas.openxmlformats.org/presentationml/2006/main" matchingName="Title and body" type="tx">
   <p:cSld name="TITLE_AND_BODY">
     <p:spTree>
       <p:nvGrpSpPr>
-        <p:cNvPr id="18" name="Shape 18"/>
+        <p:cNvPr id="1" name="Shape 18"/>
         <p:cNvGrpSpPr/>
         <p:nvPr/>
       </p:nvGrpSpPr>
@@ -3848,7 +4070,7 @@
           <p:nvPr/>
         </p:nvSpPr>
         <p:spPr>
-          <a:xfrm flipH="1" rot="10800000">
+          <a:xfrm rot="10800000" flipH="1">
             <a:off x="0" y="1686000"/>
             <a:ext cx="9144000" cy="3457500"/>
           </a:xfrm>
@@ -3863,12 +4085,12 @@
           </a:ln>
         </p:spPr>
         <p:txBody>
-          <a:bodyPr anchorCtr="0" anchor="ctr" bIns="91425" lIns="91425" spcFirstLastPara="1" rIns="91425" wrap="square" tIns="91425">
+          <a:bodyPr spcFirstLastPara="1" wrap="square" lIns="91425" tIns="91425" rIns="91425" bIns="91425" anchor="ctr" anchorCtr="0">
             <a:noAutofit/>
           </a:bodyPr>
           <a:lstStyle/>
           <a:p>
-            <a:pPr indent="0" lvl="0" marL="0" rtl="0" algn="l">
+            <a:pPr marL="0" lvl="0" indent="0" algn="l" rtl="0">
               <a:spcBef>
                 <a:spcPts val="0"/>
               </a:spcBef>
@@ -3877,9 +4099,6 @@
               </a:spcAft>
               <a:buNone/>
             </a:pPr>
-            <a:r>
-              <a:t/>
-            </a:r>
             <a:endParaRPr/>
           </a:p>
         </p:txBody>
@@ -3920,12 +4139,12 @@
           </a:ln>
         </p:spPr>
         <p:txBody>
-          <a:bodyPr anchorCtr="0" anchor="ctr" bIns="91425" lIns="91425" spcFirstLastPara="1" rIns="91425" wrap="square" tIns="91425">
+          <a:bodyPr spcFirstLastPara="1" wrap="square" lIns="91425" tIns="91425" rIns="91425" bIns="91425" anchor="ctr" anchorCtr="0">
             <a:noAutofit/>
           </a:bodyPr>
           <a:lstStyle/>
           <a:p>
-            <a:pPr indent="0" lvl="0" marL="0" rtl="0" algn="l">
+            <a:pPr marL="0" lvl="0" indent="0" algn="l" rtl="0">
               <a:spcBef>
                 <a:spcPts val="0"/>
               </a:spcBef>
@@ -3934,9 +4153,6 @@
               </a:spcAft>
               <a:buNone/>
             </a:pPr>
-            <a:r>
-              <a:t/>
-            </a:r>
             <a:endParaRPr/>
           </a:p>
         </p:txBody>
@@ -3944,7 +4160,9 @@
       <p:sp>
         <p:nvSpPr>
           <p:cNvPr id="21" name="Google Shape;21;p4"/>
-          <p:cNvSpPr txBox="1"/>
+          <p:cNvSpPr txBox="1">
+            <a:spLocks noGrp="1"/>
+          </p:cNvSpPr>
           <p:nvPr>
             <p:ph type="title"/>
           </p:nvPr>
@@ -3959,7 +4177,7 @@
           </a:prstGeom>
         </p:spPr>
         <p:txBody>
-          <a:bodyPr anchorCtr="0" anchor="b" bIns="91425" lIns="91425" spcFirstLastPara="1" rIns="91425" wrap="square" tIns="91425">
+          <a:bodyPr spcFirstLastPara="1" wrap="square" lIns="91425" tIns="91425" rIns="91425" bIns="91425" anchor="b" anchorCtr="0">
             <a:noAutofit/>
           </a:bodyPr>
           <a:lstStyle>
@@ -4063,15 +4281,19 @@
               <a:defRPr/>
             </a:lvl9pPr>
           </a:lstStyle>
-          <a:p/>
+          <a:p>
+            <a:endParaRPr/>
+          </a:p>
         </p:txBody>
       </p:sp>
       <p:sp>
         <p:nvSpPr>
           <p:cNvPr id="22" name="Google Shape;22;p4"/>
-          <p:cNvSpPr txBox="1"/>
+          <p:cNvSpPr txBox="1">
+            <a:spLocks noGrp="1"/>
+          </p:cNvSpPr>
           <p:nvPr>
-            <p:ph idx="1" type="body"/>
+            <p:ph type="body" idx="1"/>
           </p:nvPr>
         </p:nvSpPr>
         <p:spPr>
@@ -4084,11 +4306,11 @@
           </a:prstGeom>
         </p:spPr>
         <p:txBody>
-          <a:bodyPr anchorCtr="0" anchor="t" bIns="91425" lIns="91425" spcFirstLastPara="1" rIns="91425" wrap="square" tIns="91425">
+          <a:bodyPr spcFirstLastPara="1" wrap="square" lIns="91425" tIns="91425" rIns="91425" bIns="91425" anchor="t" anchorCtr="0">
             <a:noAutofit/>
           </a:bodyPr>
           <a:lstStyle>
-            <a:lvl1pPr indent="-342900" lvl="0" marL="457200">
+            <a:lvl1pPr marL="457200" lvl="0" indent="-342900">
               <a:spcBef>
                 <a:spcPts val="0"/>
               </a:spcBef>
@@ -4099,7 +4321,7 @@
               <a:buChar char="●"/>
               <a:defRPr/>
             </a:lvl1pPr>
-            <a:lvl2pPr indent="-317500" lvl="1" marL="914400">
+            <a:lvl2pPr marL="914400" lvl="1" indent="-317500">
               <a:spcBef>
                 <a:spcPts val="1600"/>
               </a:spcBef>
@@ -4110,7 +4332,7 @@
               <a:buChar char="○"/>
               <a:defRPr/>
             </a:lvl2pPr>
-            <a:lvl3pPr indent="-317500" lvl="2" marL="1371600">
+            <a:lvl3pPr marL="1371600" lvl="2" indent="-317500">
               <a:spcBef>
                 <a:spcPts val="1600"/>
               </a:spcBef>
@@ -4121,7 +4343,7 @@
               <a:buChar char="■"/>
               <a:defRPr/>
             </a:lvl3pPr>
-            <a:lvl4pPr indent="-317500" lvl="3" marL="1828800">
+            <a:lvl4pPr marL="1828800" lvl="3" indent="-317500">
               <a:spcBef>
                 <a:spcPts val="1600"/>
               </a:spcBef>
@@ -4132,7 +4354,7 @@
               <a:buChar char="●"/>
               <a:defRPr/>
             </a:lvl4pPr>
-            <a:lvl5pPr indent="-317500" lvl="4" marL="2286000">
+            <a:lvl5pPr marL="2286000" lvl="4" indent="-317500">
               <a:spcBef>
                 <a:spcPts val="1600"/>
               </a:spcBef>
@@ -4143,7 +4365,7 @@
               <a:buChar char="○"/>
               <a:defRPr/>
             </a:lvl5pPr>
-            <a:lvl6pPr indent="-317500" lvl="5" marL="2743200">
+            <a:lvl6pPr marL="2743200" lvl="5" indent="-317500">
               <a:spcBef>
                 <a:spcPts val="1600"/>
               </a:spcBef>
@@ -4154,7 +4376,7 @@
               <a:buChar char="■"/>
               <a:defRPr/>
             </a:lvl6pPr>
-            <a:lvl7pPr indent="-317500" lvl="6" marL="3200400">
+            <a:lvl7pPr marL="3200400" lvl="6" indent="-317500">
               <a:spcBef>
                 <a:spcPts val="1600"/>
               </a:spcBef>
@@ -4165,7 +4387,7 @@
               <a:buChar char="●"/>
               <a:defRPr/>
             </a:lvl7pPr>
-            <a:lvl8pPr indent="-317500" lvl="7" marL="3657600">
+            <a:lvl8pPr marL="3657600" lvl="7" indent="-317500">
               <a:spcBef>
                 <a:spcPts val="1600"/>
               </a:spcBef>
@@ -4176,7 +4398,7 @@
               <a:buChar char="○"/>
               <a:defRPr/>
             </a:lvl8pPr>
-            <a:lvl9pPr indent="-317500" lvl="8" marL="4114800">
+            <a:lvl9pPr marL="4114800" lvl="8" indent="-317500">
               <a:spcBef>
                 <a:spcPts val="1600"/>
               </a:spcBef>
@@ -4188,15 +4410,19 @@
               <a:defRPr/>
             </a:lvl9pPr>
           </a:lstStyle>
-          <a:p/>
+          <a:p>
+            <a:endParaRPr/>
+          </a:p>
         </p:txBody>
       </p:sp>
       <p:sp>
         <p:nvSpPr>
           <p:cNvPr id="23" name="Google Shape;23;p4"/>
-          <p:cNvSpPr txBox="1"/>
+          <p:cNvSpPr txBox="1">
+            <a:spLocks noGrp="1"/>
+          </p:cNvSpPr>
           <p:nvPr>
-            <p:ph idx="12" type="sldNum"/>
+            <p:ph type="sldNum" idx="12"/>
           </p:nvPr>
         </p:nvSpPr>
         <p:spPr>
@@ -4209,7 +4435,7 @@
           </a:prstGeom>
         </p:spPr>
         <p:txBody>
-          <a:bodyPr anchorCtr="0" anchor="ctr" bIns="91425" lIns="91425" spcFirstLastPara="1" rIns="91425" wrap="square" tIns="91425">
+          <a:bodyPr spcFirstLastPara="1" wrap="square" lIns="91425" tIns="91425" rIns="91425" bIns="91425" anchor="ctr" anchorCtr="0">
             <a:noAutofit/>
           </a:bodyPr>
           <a:lstStyle>
@@ -4251,7 +4477,7 @@
             </a:lvl9pPr>
           </a:lstStyle>
           <a:p>
-            <a:pPr indent="0" lvl="0" marL="0" rtl="0" algn="r">
+            <a:pPr marL="0" lvl="0" indent="0" algn="r" rtl="0">
               <a:spcBef>
                 <a:spcPts val="0"/>
               </a:spcBef>
@@ -4277,11 +4503,11 @@
 </file>
 
 <file path=ppt/slideLayouts/slideLayout4.xml><?xml version="1.0" encoding="utf-8"?>
-<p:sldLayout xmlns:a="http://schemas.openxmlformats.org/drawingml/2006/main" xmlns:r="http://schemas.openxmlformats.org/officeDocument/2006/relationships" xmlns:mc="http://schemas.openxmlformats.org/markup-compatibility/2006" xmlns:mv="urn:schemas-microsoft-com:mac:vml" xmlns:p="http://schemas.openxmlformats.org/presentationml/2006/main" xmlns:c="http://schemas.openxmlformats.org/drawingml/2006/chart" xmlns:dgm="http://schemas.openxmlformats.org/drawingml/2006/diagram" xmlns:o="urn:schemas-microsoft-com:office:office" xmlns:v="urn:schemas-microsoft-com:vml" xmlns:pvml="urn:schemas-microsoft-com:office:powerpoint" xmlns:com="http://schemas.openxmlformats.org/drawingml/2006/compatibility" xmlns:p14="http://schemas.microsoft.com/office/powerpoint/2010/main" xmlns:p15="http://schemas.microsoft.com/office/powerpoint/2012/main" matchingName="Title and two columns" type="twoColTx">
+<p:sldLayout xmlns:a="http://schemas.openxmlformats.org/drawingml/2006/main" xmlns:r="http://schemas.openxmlformats.org/officeDocument/2006/relationships" xmlns:p="http://schemas.openxmlformats.org/presentationml/2006/main" matchingName="Title and two columns" type="twoColTx">
   <p:cSld name="TITLE_AND_TWO_COLUMNS">
     <p:spTree>
       <p:nvGrpSpPr>
-        <p:cNvPr id="24" name="Shape 24"/>
+        <p:cNvPr id="1" name="Shape 24"/>
         <p:cNvGrpSpPr/>
         <p:nvPr/>
       </p:nvGrpSpPr>
@@ -4300,7 +4526,7 @@
           <p:nvPr/>
         </p:nvSpPr>
         <p:spPr>
-          <a:xfrm flipH="1" rot="10800000">
+          <a:xfrm rot="10800000" flipH="1">
             <a:off x="0" y="1686000"/>
             <a:ext cx="9144000" cy="3457500"/>
           </a:xfrm>
@@ -4315,12 +4541,12 @@
           </a:ln>
         </p:spPr>
         <p:txBody>
-          <a:bodyPr anchorCtr="0" anchor="ctr" bIns="91425" lIns="91425" spcFirstLastPara="1" rIns="91425" wrap="square" tIns="91425">
+          <a:bodyPr spcFirstLastPara="1" wrap="square" lIns="91425" tIns="91425" rIns="91425" bIns="91425" anchor="ctr" anchorCtr="0">
             <a:noAutofit/>
           </a:bodyPr>
           <a:lstStyle/>
           <a:p>
-            <a:pPr indent="0" lvl="0" marL="0" rtl="0" algn="l">
+            <a:pPr marL="0" lvl="0" indent="0" algn="l" rtl="0">
               <a:spcBef>
                 <a:spcPts val="0"/>
               </a:spcBef>
@@ -4329,9 +4555,6 @@
               </a:spcAft>
               <a:buNone/>
             </a:pPr>
-            <a:r>
-              <a:t/>
-            </a:r>
             <a:endParaRPr/>
           </a:p>
         </p:txBody>
@@ -4372,12 +4595,12 @@
           </a:ln>
         </p:spPr>
         <p:txBody>
-          <a:bodyPr anchorCtr="0" anchor="ctr" bIns="91425" lIns="91425" spcFirstLastPara="1" rIns="91425" wrap="square" tIns="91425">
+          <a:bodyPr spcFirstLastPara="1" wrap="square" lIns="91425" tIns="91425" rIns="91425" bIns="91425" anchor="ctr" anchorCtr="0">
             <a:noAutofit/>
           </a:bodyPr>
           <a:lstStyle/>
           <a:p>
-            <a:pPr indent="0" lvl="0" marL="0" rtl="0" algn="l">
+            <a:pPr marL="0" lvl="0" indent="0" algn="l" rtl="0">
               <a:spcBef>
                 <a:spcPts val="0"/>
               </a:spcBef>
@@ -4386,9 +4609,6 @@
               </a:spcAft>
               <a:buNone/>
             </a:pPr>
-            <a:r>
-              <a:t/>
-            </a:r>
             <a:endParaRPr/>
           </a:p>
         </p:txBody>
@@ -4396,7 +4616,9 @@
       <p:sp>
         <p:nvSpPr>
           <p:cNvPr id="27" name="Google Shape;27;p5"/>
-          <p:cNvSpPr txBox="1"/>
+          <p:cNvSpPr txBox="1">
+            <a:spLocks noGrp="1"/>
+          </p:cNvSpPr>
           <p:nvPr>
             <p:ph type="title"/>
           </p:nvPr>
@@ -4411,7 +4633,7 @@
           </a:prstGeom>
         </p:spPr>
         <p:txBody>
-          <a:bodyPr anchorCtr="0" anchor="b" bIns="91425" lIns="91425" spcFirstLastPara="1" rIns="91425" wrap="square" tIns="91425">
+          <a:bodyPr spcFirstLastPara="1" wrap="square" lIns="91425" tIns="91425" rIns="91425" bIns="91425" anchor="b" anchorCtr="0">
             <a:noAutofit/>
           </a:bodyPr>
           <a:lstStyle>
@@ -4515,15 +4737,19 @@
               <a:defRPr/>
             </a:lvl9pPr>
           </a:lstStyle>
-          <a:p/>
+          <a:p>
+            <a:endParaRPr/>
+          </a:p>
         </p:txBody>
       </p:sp>
       <p:sp>
         <p:nvSpPr>
           <p:cNvPr id="28" name="Google Shape;28;p5"/>
-          <p:cNvSpPr txBox="1"/>
+          <p:cNvSpPr txBox="1">
+            <a:spLocks noGrp="1"/>
+          </p:cNvSpPr>
           <p:nvPr>
-            <p:ph idx="1" type="body"/>
+            <p:ph type="body" idx="1"/>
           </p:nvPr>
         </p:nvSpPr>
         <p:spPr>
@@ -4536,11 +4762,11 @@
           </a:prstGeom>
         </p:spPr>
         <p:txBody>
-          <a:bodyPr anchorCtr="0" anchor="t" bIns="91425" lIns="91425" spcFirstLastPara="1" rIns="91425" wrap="square" tIns="91425">
+          <a:bodyPr spcFirstLastPara="1" wrap="square" lIns="91425" tIns="91425" rIns="91425" bIns="91425" anchor="t" anchorCtr="0">
             <a:noAutofit/>
           </a:bodyPr>
           <a:lstStyle>
-            <a:lvl1pPr indent="-317500" lvl="0" marL="457200">
+            <a:lvl1pPr marL="457200" lvl="0" indent="-317500">
               <a:spcBef>
                 <a:spcPts val="0"/>
               </a:spcBef>
@@ -4551,7 +4777,7 @@
               <a:buChar char="●"/>
               <a:defRPr sz="1400"/>
             </a:lvl1pPr>
-            <a:lvl2pPr indent="-304800" lvl="1" marL="914400">
+            <a:lvl2pPr marL="914400" lvl="1" indent="-304800">
               <a:spcBef>
                 <a:spcPts val="1600"/>
               </a:spcBef>
@@ -4562,7 +4788,7 @@
               <a:buChar char="○"/>
               <a:defRPr sz="1200"/>
             </a:lvl2pPr>
-            <a:lvl3pPr indent="-304800" lvl="2" marL="1371600">
+            <a:lvl3pPr marL="1371600" lvl="2" indent="-304800">
               <a:spcBef>
                 <a:spcPts val="1600"/>
               </a:spcBef>
@@ -4573,7 +4799,7 @@
               <a:buChar char="■"/>
               <a:defRPr sz="1200"/>
             </a:lvl3pPr>
-            <a:lvl4pPr indent="-304800" lvl="3" marL="1828800">
+            <a:lvl4pPr marL="1828800" lvl="3" indent="-304800">
               <a:spcBef>
                 <a:spcPts val="1600"/>
               </a:spcBef>
@@ -4584,7 +4810,7 @@
               <a:buChar char="●"/>
               <a:defRPr sz="1200"/>
             </a:lvl4pPr>
-            <a:lvl5pPr indent="-304800" lvl="4" marL="2286000">
+            <a:lvl5pPr marL="2286000" lvl="4" indent="-304800">
               <a:spcBef>
                 <a:spcPts val="1600"/>
               </a:spcBef>
@@ -4595,7 +4821,7 @@
               <a:buChar char="○"/>
               <a:defRPr sz="1200"/>
             </a:lvl5pPr>
-            <a:lvl6pPr indent="-304800" lvl="5" marL="2743200">
+            <a:lvl6pPr marL="2743200" lvl="5" indent="-304800">
               <a:spcBef>
                 <a:spcPts val="1600"/>
               </a:spcBef>
@@ -4606,7 +4832,7 @@
               <a:buChar char="■"/>
               <a:defRPr sz="1200"/>
             </a:lvl6pPr>
-            <a:lvl7pPr indent="-304800" lvl="6" marL="3200400">
+            <a:lvl7pPr marL="3200400" lvl="6" indent="-304800">
               <a:spcBef>
                 <a:spcPts val="1600"/>
               </a:spcBef>
@@ -4617,7 +4843,7 @@
               <a:buChar char="●"/>
               <a:defRPr sz="1200"/>
             </a:lvl7pPr>
-            <a:lvl8pPr indent="-304800" lvl="7" marL="3657600">
+            <a:lvl8pPr marL="3657600" lvl="7" indent="-304800">
               <a:spcBef>
                 <a:spcPts val="1600"/>
               </a:spcBef>
@@ -4628,7 +4854,7 @@
               <a:buChar char="○"/>
               <a:defRPr sz="1200"/>
             </a:lvl8pPr>
-            <a:lvl9pPr indent="-304800" lvl="8" marL="4114800">
+            <a:lvl9pPr marL="4114800" lvl="8" indent="-304800">
               <a:spcBef>
                 <a:spcPts val="1600"/>
               </a:spcBef>
@@ -4640,15 +4866,19 @@
               <a:defRPr sz="1200"/>
             </a:lvl9pPr>
           </a:lstStyle>
-          <a:p/>
+          <a:p>
+            <a:endParaRPr/>
+          </a:p>
         </p:txBody>
       </p:sp>
       <p:sp>
         <p:nvSpPr>
           <p:cNvPr id="29" name="Google Shape;29;p5"/>
-          <p:cNvSpPr txBox="1"/>
+          <p:cNvSpPr txBox="1">
+            <a:spLocks noGrp="1"/>
+          </p:cNvSpPr>
           <p:nvPr>
-            <p:ph idx="2" type="body"/>
+            <p:ph type="body" idx="2"/>
           </p:nvPr>
         </p:nvSpPr>
         <p:spPr>
@@ -4661,11 +4891,11 @@
           </a:prstGeom>
         </p:spPr>
         <p:txBody>
-          <a:bodyPr anchorCtr="0" anchor="t" bIns="91425" lIns="91425" spcFirstLastPara="1" rIns="91425" wrap="square" tIns="91425">
+          <a:bodyPr spcFirstLastPara="1" wrap="square" lIns="91425" tIns="91425" rIns="91425" bIns="91425" anchor="t" anchorCtr="0">
             <a:noAutofit/>
           </a:bodyPr>
           <a:lstStyle>
-            <a:lvl1pPr indent="-317500" lvl="0" marL="457200">
+            <a:lvl1pPr marL="457200" lvl="0" indent="-317500">
               <a:spcBef>
                 <a:spcPts val="0"/>
               </a:spcBef>
@@ -4676,7 +4906,7 @@
               <a:buChar char="●"/>
               <a:defRPr sz="1400"/>
             </a:lvl1pPr>
-            <a:lvl2pPr indent="-304800" lvl="1" marL="914400">
+            <a:lvl2pPr marL="914400" lvl="1" indent="-304800">
               <a:spcBef>
                 <a:spcPts val="1600"/>
               </a:spcBef>
@@ -4687,7 +4917,7 @@
               <a:buChar char="○"/>
               <a:defRPr sz="1200"/>
             </a:lvl2pPr>
-            <a:lvl3pPr indent="-304800" lvl="2" marL="1371600">
+            <a:lvl3pPr marL="1371600" lvl="2" indent="-304800">
               <a:spcBef>
                 <a:spcPts val="1600"/>
               </a:spcBef>
@@ -4698,7 +4928,7 @@
               <a:buChar char="■"/>
               <a:defRPr sz="1200"/>
             </a:lvl3pPr>
-            <a:lvl4pPr indent="-304800" lvl="3" marL="1828800">
+            <a:lvl4pPr marL="1828800" lvl="3" indent="-304800">
               <a:spcBef>
                 <a:spcPts val="1600"/>
               </a:spcBef>
@@ -4709,7 +4939,7 @@
               <a:buChar char="●"/>
               <a:defRPr sz="1200"/>
             </a:lvl4pPr>
-            <a:lvl5pPr indent="-304800" lvl="4" marL="2286000">
+            <a:lvl5pPr marL="2286000" lvl="4" indent="-304800">
               <a:spcBef>
                 <a:spcPts val="1600"/>
               </a:spcBef>
@@ -4720,7 +4950,7 @@
               <a:buChar char="○"/>
               <a:defRPr sz="1200"/>
             </a:lvl5pPr>
-            <a:lvl6pPr indent="-304800" lvl="5" marL="2743200">
+            <a:lvl6pPr marL="2743200" lvl="5" indent="-304800">
               <a:spcBef>
                 <a:spcPts val="1600"/>
               </a:spcBef>
@@ -4731,7 +4961,7 @@
               <a:buChar char="■"/>
               <a:defRPr sz="1200"/>
             </a:lvl6pPr>
-            <a:lvl7pPr indent="-304800" lvl="6" marL="3200400">
+            <a:lvl7pPr marL="3200400" lvl="6" indent="-304800">
               <a:spcBef>
                 <a:spcPts val="1600"/>
               </a:spcBef>
@@ -4742,7 +4972,7 @@
               <a:buChar char="●"/>
               <a:defRPr sz="1200"/>
             </a:lvl7pPr>
-            <a:lvl8pPr indent="-304800" lvl="7" marL="3657600">
+            <a:lvl8pPr marL="3657600" lvl="7" indent="-304800">
               <a:spcBef>
                 <a:spcPts val="1600"/>
               </a:spcBef>
@@ -4753,7 +4983,7 @@
               <a:buChar char="○"/>
               <a:defRPr sz="1200"/>
             </a:lvl8pPr>
-            <a:lvl9pPr indent="-304800" lvl="8" marL="4114800">
+            <a:lvl9pPr marL="4114800" lvl="8" indent="-304800">
               <a:spcBef>
                 <a:spcPts val="1600"/>
               </a:spcBef>
@@ -4765,15 +4995,19 @@
               <a:defRPr sz="1200"/>
             </a:lvl9pPr>
           </a:lstStyle>
-          <a:p/>
+          <a:p>
+            <a:endParaRPr/>
+          </a:p>
         </p:txBody>
       </p:sp>
       <p:sp>
         <p:nvSpPr>
           <p:cNvPr id="30" name="Google Shape;30;p5"/>
-          <p:cNvSpPr txBox="1"/>
+          <p:cNvSpPr txBox="1">
+            <a:spLocks noGrp="1"/>
+          </p:cNvSpPr>
           <p:nvPr>
-            <p:ph idx="12" type="sldNum"/>
+            <p:ph type="sldNum" idx="12"/>
           </p:nvPr>
         </p:nvSpPr>
         <p:spPr>
@@ -4786,7 +5020,7 @@
           </a:prstGeom>
         </p:spPr>
         <p:txBody>
-          <a:bodyPr anchorCtr="0" anchor="ctr" bIns="91425" lIns="91425" spcFirstLastPara="1" rIns="91425" wrap="square" tIns="91425">
+          <a:bodyPr spcFirstLastPara="1" wrap="square" lIns="91425" tIns="91425" rIns="91425" bIns="91425" anchor="ctr" anchorCtr="0">
             <a:noAutofit/>
           </a:bodyPr>
           <a:lstStyle>
@@ -4828,7 +5062,7 @@
             </a:lvl9pPr>
           </a:lstStyle>
           <a:p>
-            <a:pPr indent="0" lvl="0" marL="0" rtl="0" algn="r">
+            <a:pPr marL="0" lvl="0" indent="0" algn="r" rtl="0">
               <a:spcBef>
                 <a:spcPts val="0"/>
               </a:spcBef>
@@ -4854,11 +5088,11 @@
 </file>
 
 <file path=ppt/slideLayouts/slideLayout5.xml><?xml version="1.0" encoding="utf-8"?>
-<p:sldLayout xmlns:a="http://schemas.openxmlformats.org/drawingml/2006/main" xmlns:r="http://schemas.openxmlformats.org/officeDocument/2006/relationships" xmlns:mc="http://schemas.openxmlformats.org/markup-compatibility/2006" xmlns:mv="urn:schemas-microsoft-com:mac:vml" xmlns:p="http://schemas.openxmlformats.org/presentationml/2006/main" xmlns:c="http://schemas.openxmlformats.org/drawingml/2006/chart" xmlns:dgm="http://schemas.openxmlformats.org/drawingml/2006/diagram" xmlns:o="urn:schemas-microsoft-com:office:office" xmlns:v="urn:schemas-microsoft-com:vml" xmlns:pvml="urn:schemas-microsoft-com:office:powerpoint" xmlns:com="http://schemas.openxmlformats.org/drawingml/2006/compatibility" xmlns:p14="http://schemas.microsoft.com/office/powerpoint/2010/main" xmlns:p15="http://schemas.microsoft.com/office/powerpoint/2012/main" matchingName="Title only" type="titleOnly">
+<p:sldLayout xmlns:a="http://schemas.openxmlformats.org/drawingml/2006/main" xmlns:r="http://schemas.openxmlformats.org/officeDocument/2006/relationships" xmlns:p="http://schemas.openxmlformats.org/presentationml/2006/main" matchingName="Title only" type="titleOnly">
   <p:cSld name="TITLE_ONLY">
     <p:spTree>
       <p:nvGrpSpPr>
-        <p:cNvPr id="31" name="Shape 31"/>
+        <p:cNvPr id="1" name="Shape 31"/>
         <p:cNvGrpSpPr/>
         <p:nvPr/>
       </p:nvGrpSpPr>
@@ -4877,7 +5111,7 @@
           <p:nvPr/>
         </p:nvSpPr>
         <p:spPr>
-          <a:xfrm flipH="1" rot="10800000">
+          <a:xfrm rot="10800000" flipH="1">
             <a:off x="0" y="656400"/>
             <a:ext cx="9144000" cy="4487100"/>
           </a:xfrm>
@@ -4892,12 +5126,12 @@
           </a:ln>
         </p:spPr>
         <p:txBody>
-          <a:bodyPr anchorCtr="0" anchor="ctr" bIns="91425" lIns="91425" spcFirstLastPara="1" rIns="91425" wrap="square" tIns="91425">
+          <a:bodyPr spcFirstLastPara="1" wrap="square" lIns="91425" tIns="91425" rIns="91425" bIns="91425" anchor="ctr" anchorCtr="0">
             <a:noAutofit/>
           </a:bodyPr>
           <a:lstStyle/>
           <a:p>
-            <a:pPr indent="0" lvl="0" marL="0" rtl="0" algn="l">
+            <a:pPr marL="0" lvl="0" indent="0" algn="l" rtl="0">
               <a:spcBef>
                 <a:spcPts val="0"/>
               </a:spcBef>
@@ -4906,9 +5140,6 @@
               </a:spcAft>
               <a:buNone/>
             </a:pPr>
-            <a:r>
-              <a:t/>
-            </a:r>
             <a:endParaRPr/>
           </a:p>
         </p:txBody>
@@ -4949,12 +5180,12 @@
           </a:ln>
         </p:spPr>
         <p:txBody>
-          <a:bodyPr anchorCtr="0" anchor="ctr" bIns="91425" lIns="91425" spcFirstLastPara="1" rIns="91425" wrap="square" tIns="91425">
+          <a:bodyPr spcFirstLastPara="1" wrap="square" lIns="91425" tIns="91425" rIns="91425" bIns="91425" anchor="ctr" anchorCtr="0">
             <a:noAutofit/>
           </a:bodyPr>
           <a:lstStyle/>
           <a:p>
-            <a:pPr indent="0" lvl="0" marL="0" rtl="0" algn="l">
+            <a:pPr marL="0" lvl="0" indent="0" algn="l" rtl="0">
               <a:spcBef>
                 <a:spcPts val="0"/>
               </a:spcBef>
@@ -4963,9 +5194,6 @@
               </a:spcAft>
               <a:buNone/>
             </a:pPr>
-            <a:r>
-              <a:t/>
-            </a:r>
             <a:endParaRPr/>
           </a:p>
         </p:txBody>
@@ -4973,7 +5201,9 @@
       <p:sp>
         <p:nvSpPr>
           <p:cNvPr id="34" name="Google Shape;34;p6"/>
-          <p:cNvSpPr txBox="1"/>
+          <p:cNvSpPr txBox="1">
+            <a:spLocks noGrp="1"/>
+          </p:cNvSpPr>
           <p:nvPr>
             <p:ph type="title"/>
           </p:nvPr>
@@ -4988,7 +5218,7 @@
           </a:prstGeom>
         </p:spPr>
         <p:txBody>
-          <a:bodyPr anchorCtr="0" anchor="ctr" bIns="91425" lIns="91425" spcFirstLastPara="1" rIns="91425" wrap="square" tIns="91425">
+          <a:bodyPr spcFirstLastPara="1" wrap="square" lIns="91425" tIns="91425" rIns="91425" bIns="91425" anchor="ctr" anchorCtr="0">
             <a:noAutofit/>
           </a:bodyPr>
           <a:lstStyle>
@@ -5092,15 +5322,19 @@
               <a:defRPr sz="1800"/>
             </a:lvl9pPr>
           </a:lstStyle>
-          <a:p/>
+          <a:p>
+            <a:endParaRPr/>
+          </a:p>
         </p:txBody>
       </p:sp>
       <p:sp>
         <p:nvSpPr>
           <p:cNvPr id="35" name="Google Shape;35;p6"/>
-          <p:cNvSpPr txBox="1"/>
+          <p:cNvSpPr txBox="1">
+            <a:spLocks noGrp="1"/>
+          </p:cNvSpPr>
           <p:nvPr>
-            <p:ph idx="12" type="sldNum"/>
+            <p:ph type="sldNum" idx="12"/>
           </p:nvPr>
         </p:nvSpPr>
         <p:spPr>
@@ -5113,7 +5347,7 @@
           </a:prstGeom>
         </p:spPr>
         <p:txBody>
-          <a:bodyPr anchorCtr="0" anchor="ctr" bIns="91425" lIns="91425" spcFirstLastPara="1" rIns="91425" wrap="square" tIns="91425">
+          <a:bodyPr spcFirstLastPara="1" wrap="square" lIns="91425" tIns="91425" rIns="91425" bIns="91425" anchor="ctr" anchorCtr="0">
             <a:noAutofit/>
           </a:bodyPr>
           <a:lstStyle>
@@ -5155,7 +5389,7 @@
             </a:lvl9pPr>
           </a:lstStyle>
           <a:p>
-            <a:pPr indent="0" lvl="0" marL="0" rtl="0" algn="r">
+            <a:pPr marL="0" lvl="0" indent="0" algn="r" rtl="0">
               <a:spcBef>
                 <a:spcPts val="0"/>
               </a:spcBef>
@@ -5181,11 +5415,11 @@
 </file>
 
 <file path=ppt/slideLayouts/slideLayout6.xml><?xml version="1.0" encoding="utf-8"?>
-<p:sldLayout xmlns:a="http://schemas.openxmlformats.org/drawingml/2006/main" xmlns:r="http://schemas.openxmlformats.org/officeDocument/2006/relationships" xmlns:mc="http://schemas.openxmlformats.org/markup-compatibility/2006" xmlns:mv="urn:schemas-microsoft-com:mac:vml" xmlns:p="http://schemas.openxmlformats.org/presentationml/2006/main" xmlns:c="http://schemas.openxmlformats.org/drawingml/2006/chart" xmlns:dgm="http://schemas.openxmlformats.org/drawingml/2006/diagram" xmlns:o="urn:schemas-microsoft-com:office:office" xmlns:v="urn:schemas-microsoft-com:vml" xmlns:pvml="urn:schemas-microsoft-com:office:powerpoint" xmlns:com="http://schemas.openxmlformats.org/drawingml/2006/compatibility" xmlns:p14="http://schemas.microsoft.com/office/powerpoint/2010/main" xmlns:p15="http://schemas.microsoft.com/office/powerpoint/2012/main" matchingName="One column text">
+<p:sldLayout xmlns:a="http://schemas.openxmlformats.org/drawingml/2006/main" xmlns:r="http://schemas.openxmlformats.org/officeDocument/2006/relationships" xmlns:p="http://schemas.openxmlformats.org/presentationml/2006/main" matchingName="One column text">
   <p:cSld name="ONE_COLUMN_TEXT">
     <p:spTree>
       <p:nvGrpSpPr>
-        <p:cNvPr id="36" name="Shape 36"/>
+        <p:cNvPr id="1" name="Shape 36"/>
         <p:cNvGrpSpPr/>
         <p:nvPr/>
       </p:nvGrpSpPr>
@@ -5204,7 +5438,7 @@
           <p:nvPr/>
         </p:nvSpPr>
         <p:spPr>
-          <a:xfrm flipH="1" rot="10800000">
+          <a:xfrm rot="10800000" flipH="1">
             <a:off x="3276600" y="25"/>
             <a:ext cx="5867400" cy="5143500"/>
           </a:xfrm>
@@ -5219,12 +5453,12 @@
           </a:ln>
         </p:spPr>
         <p:txBody>
-          <a:bodyPr anchorCtr="0" anchor="ctr" bIns="91425" lIns="91425" spcFirstLastPara="1" rIns="91425" wrap="square" tIns="91425">
+          <a:bodyPr spcFirstLastPara="1" wrap="square" lIns="91425" tIns="91425" rIns="91425" bIns="91425" anchor="ctr" anchorCtr="0">
             <a:noAutofit/>
           </a:bodyPr>
           <a:lstStyle/>
           <a:p>
-            <a:pPr indent="0" lvl="0" marL="0" rtl="0" algn="l">
+            <a:pPr marL="0" lvl="0" indent="0" algn="l" rtl="0">
               <a:spcBef>
                 <a:spcPts val="0"/>
               </a:spcBef>
@@ -5233,9 +5467,6 @@
               </a:spcAft>
               <a:buNone/>
             </a:pPr>
-            <a:r>
-              <a:t/>
-            </a:r>
             <a:endParaRPr/>
           </a:p>
         </p:txBody>
@@ -5276,12 +5507,12 @@
           </a:ln>
         </p:spPr>
         <p:txBody>
-          <a:bodyPr anchorCtr="0" anchor="ctr" bIns="91425" lIns="91425" spcFirstLastPara="1" rIns="91425" wrap="square" tIns="91425">
+          <a:bodyPr spcFirstLastPara="1" wrap="square" lIns="91425" tIns="91425" rIns="91425" bIns="91425" anchor="ctr" anchorCtr="0">
             <a:noAutofit/>
           </a:bodyPr>
           <a:lstStyle/>
           <a:p>
-            <a:pPr indent="0" lvl="0" marL="0" rtl="0" algn="l">
+            <a:pPr marL="0" lvl="0" indent="0" algn="l" rtl="0">
               <a:spcBef>
                 <a:spcPts val="0"/>
               </a:spcBef>
@@ -5290,9 +5521,6 @@
               </a:spcAft>
               <a:buNone/>
             </a:pPr>
-            <a:r>
-              <a:t/>
-            </a:r>
             <a:endParaRPr/>
           </a:p>
         </p:txBody>
@@ -5300,7 +5528,9 @@
       <p:sp>
         <p:nvSpPr>
           <p:cNvPr id="39" name="Google Shape;39;p7"/>
-          <p:cNvSpPr txBox="1"/>
+          <p:cNvSpPr txBox="1">
+            <a:spLocks noGrp="1"/>
+          </p:cNvSpPr>
           <p:nvPr>
             <p:ph type="title"/>
           </p:nvPr>
@@ -5315,7 +5545,7 @@
           </a:prstGeom>
         </p:spPr>
         <p:txBody>
-          <a:bodyPr anchorCtr="0" anchor="b" bIns="91425" lIns="91425" spcFirstLastPara="1" rIns="91425" wrap="square" tIns="91425">
+          <a:bodyPr spcFirstLastPara="1" wrap="square" lIns="91425" tIns="91425" rIns="91425" bIns="91425" anchor="b" anchorCtr="0">
             <a:noAutofit/>
           </a:bodyPr>
           <a:lstStyle>
@@ -5419,15 +5649,19 @@
               <a:defRPr sz="2400"/>
             </a:lvl9pPr>
           </a:lstStyle>
-          <a:p/>
+          <a:p>
+            <a:endParaRPr/>
+          </a:p>
         </p:txBody>
       </p:sp>
       <p:sp>
         <p:nvSpPr>
           <p:cNvPr id="40" name="Google Shape;40;p7"/>
-          <p:cNvSpPr txBox="1"/>
+          <p:cNvSpPr txBox="1">
+            <a:spLocks noGrp="1"/>
+          </p:cNvSpPr>
           <p:nvPr>
-            <p:ph idx="1" type="body"/>
+            <p:ph type="body" idx="1"/>
           </p:nvPr>
         </p:nvSpPr>
         <p:spPr>
@@ -5440,11 +5674,11 @@
           </a:prstGeom>
         </p:spPr>
         <p:txBody>
-          <a:bodyPr anchorCtr="0" anchor="t" bIns="91425" lIns="91425" spcFirstLastPara="1" rIns="91425" wrap="square" tIns="91425">
+          <a:bodyPr spcFirstLastPara="1" wrap="square" lIns="91425" tIns="91425" rIns="91425" bIns="91425" anchor="t" anchorCtr="0">
             <a:noAutofit/>
           </a:bodyPr>
           <a:lstStyle>
-            <a:lvl1pPr indent="-304800" lvl="0" marL="457200">
+            <a:lvl1pPr marL="457200" lvl="0" indent="-304800">
               <a:spcBef>
                 <a:spcPts val="0"/>
               </a:spcBef>
@@ -5462,7 +5696,7 @@
                 </a:solidFill>
               </a:defRPr>
             </a:lvl1pPr>
-            <a:lvl2pPr indent="-304800" lvl="1" marL="914400">
+            <a:lvl2pPr marL="914400" lvl="1" indent="-304800">
               <a:spcBef>
                 <a:spcPts val="1600"/>
               </a:spcBef>
@@ -5480,7 +5714,7 @@
                 </a:solidFill>
               </a:defRPr>
             </a:lvl2pPr>
-            <a:lvl3pPr indent="-304800" lvl="2" marL="1371600">
+            <a:lvl3pPr marL="1371600" lvl="2" indent="-304800">
               <a:spcBef>
                 <a:spcPts val="1600"/>
               </a:spcBef>
@@ -5498,7 +5732,7 @@
                 </a:solidFill>
               </a:defRPr>
             </a:lvl3pPr>
-            <a:lvl4pPr indent="-304800" lvl="3" marL="1828800">
+            <a:lvl4pPr marL="1828800" lvl="3" indent="-304800">
               <a:spcBef>
                 <a:spcPts val="1600"/>
               </a:spcBef>
@@ -5516,7 +5750,7 @@
                 </a:solidFill>
               </a:defRPr>
             </a:lvl4pPr>
-            <a:lvl5pPr indent="-304800" lvl="4" marL="2286000">
+            <a:lvl5pPr marL="2286000" lvl="4" indent="-304800">
               <a:spcBef>
                 <a:spcPts val="1600"/>
               </a:spcBef>
@@ -5534,7 +5768,7 @@
                 </a:solidFill>
               </a:defRPr>
             </a:lvl5pPr>
-            <a:lvl6pPr indent="-304800" lvl="5" marL="2743200">
+            <a:lvl6pPr marL="2743200" lvl="5" indent="-304800">
               <a:spcBef>
                 <a:spcPts val="1600"/>
               </a:spcBef>
@@ -5552,7 +5786,7 @@
                 </a:solidFill>
               </a:defRPr>
             </a:lvl6pPr>
-            <a:lvl7pPr indent="-304800" lvl="6" marL="3200400">
+            <a:lvl7pPr marL="3200400" lvl="6" indent="-304800">
               <a:spcBef>
                 <a:spcPts val="1600"/>
               </a:spcBef>
@@ -5570,7 +5804,7 @@
                 </a:solidFill>
               </a:defRPr>
             </a:lvl7pPr>
-            <a:lvl8pPr indent="-304800" lvl="7" marL="3657600">
+            <a:lvl8pPr marL="3657600" lvl="7" indent="-304800">
               <a:spcBef>
                 <a:spcPts val="1600"/>
               </a:spcBef>
@@ -5588,7 +5822,7 @@
                 </a:solidFill>
               </a:defRPr>
             </a:lvl8pPr>
-            <a:lvl9pPr indent="-304800" lvl="8" marL="4114800">
+            <a:lvl9pPr marL="4114800" lvl="8" indent="-304800">
               <a:spcBef>
                 <a:spcPts val="1600"/>
               </a:spcBef>
@@ -5607,15 +5841,19 @@
               </a:defRPr>
             </a:lvl9pPr>
           </a:lstStyle>
-          <a:p/>
+          <a:p>
+            <a:endParaRPr/>
+          </a:p>
         </p:txBody>
       </p:sp>
       <p:sp>
         <p:nvSpPr>
           <p:cNvPr id="41" name="Google Shape;41;p7"/>
-          <p:cNvSpPr txBox="1"/>
+          <p:cNvSpPr txBox="1">
+            <a:spLocks noGrp="1"/>
+          </p:cNvSpPr>
           <p:nvPr>
-            <p:ph idx="12" type="sldNum"/>
+            <p:ph type="sldNum" idx="12"/>
           </p:nvPr>
         </p:nvSpPr>
         <p:spPr>
@@ -5628,7 +5866,7 @@
           </a:prstGeom>
         </p:spPr>
         <p:txBody>
-          <a:bodyPr anchorCtr="0" anchor="ctr" bIns="91425" lIns="91425" spcFirstLastPara="1" rIns="91425" wrap="square" tIns="91425">
+          <a:bodyPr spcFirstLastPara="1" wrap="square" lIns="91425" tIns="91425" rIns="91425" bIns="91425" anchor="ctr" anchorCtr="0">
             <a:noAutofit/>
           </a:bodyPr>
           <a:lstStyle>
@@ -5670,7 +5908,7 @@
             </a:lvl9pPr>
           </a:lstStyle>
           <a:p>
-            <a:pPr indent="0" lvl="0" marL="0" rtl="0" algn="r">
+            <a:pPr marL="0" lvl="0" indent="0" algn="r" rtl="0">
               <a:spcBef>
                 <a:spcPts val="0"/>
               </a:spcBef>
@@ -5696,11 +5934,11 @@
 </file>
 
 <file path=ppt/slideLayouts/slideLayout7.xml><?xml version="1.0" encoding="utf-8"?>
-<p:sldLayout xmlns:a="http://schemas.openxmlformats.org/drawingml/2006/main" xmlns:r="http://schemas.openxmlformats.org/officeDocument/2006/relationships" xmlns:mc="http://schemas.openxmlformats.org/markup-compatibility/2006" xmlns:mv="urn:schemas-microsoft-com:mac:vml" xmlns:p="http://schemas.openxmlformats.org/presentationml/2006/main" xmlns:c="http://schemas.openxmlformats.org/drawingml/2006/chart" xmlns:dgm="http://schemas.openxmlformats.org/drawingml/2006/diagram" xmlns:o="urn:schemas-microsoft-com:office:office" xmlns:v="urn:schemas-microsoft-com:vml" xmlns:pvml="urn:schemas-microsoft-com:office:powerpoint" xmlns:com="http://schemas.openxmlformats.org/drawingml/2006/compatibility" xmlns:p14="http://schemas.microsoft.com/office/powerpoint/2010/main" xmlns:p15="http://schemas.microsoft.com/office/powerpoint/2012/main" matchingName="Main point">
+<p:sldLayout xmlns:a="http://schemas.openxmlformats.org/drawingml/2006/main" xmlns:r="http://schemas.openxmlformats.org/officeDocument/2006/relationships" xmlns:p="http://schemas.openxmlformats.org/presentationml/2006/main" matchingName="Main point">
   <p:cSld name="MAIN_POINT">
     <p:spTree>
       <p:nvGrpSpPr>
-        <p:cNvPr id="42" name="Shape 42"/>
+        <p:cNvPr id="1" name="Shape 42"/>
         <p:cNvGrpSpPr/>
         <p:nvPr/>
       </p:nvGrpSpPr>
@@ -5715,7 +5953,9 @@
       <p:sp>
         <p:nvSpPr>
           <p:cNvPr id="43" name="Google Shape;43;p8"/>
-          <p:cNvSpPr txBox="1"/>
+          <p:cNvSpPr txBox="1">
+            <a:spLocks noGrp="1"/>
+          </p:cNvSpPr>
           <p:nvPr>
             <p:ph type="title"/>
           </p:nvPr>
@@ -5730,7 +5970,7 @@
           </a:prstGeom>
         </p:spPr>
         <p:txBody>
-          <a:bodyPr anchorCtr="0" anchor="ctr" bIns="91425" lIns="91425" spcFirstLastPara="1" rIns="91425" wrap="square" tIns="91425">
+          <a:bodyPr spcFirstLastPara="1" wrap="square" lIns="91425" tIns="91425" rIns="91425" bIns="91425" anchor="ctr" anchorCtr="0">
             <a:noAutofit/>
           </a:bodyPr>
           <a:lstStyle>
@@ -5834,15 +6074,19 @@
               <a:defRPr sz="6000"/>
             </a:lvl9pPr>
           </a:lstStyle>
-          <a:p/>
+          <a:p>
+            <a:endParaRPr/>
+          </a:p>
         </p:txBody>
       </p:sp>
       <p:sp>
         <p:nvSpPr>
           <p:cNvPr id="44" name="Google Shape;44;p8"/>
-          <p:cNvSpPr txBox="1"/>
+          <p:cNvSpPr txBox="1">
+            <a:spLocks noGrp="1"/>
+          </p:cNvSpPr>
           <p:nvPr>
-            <p:ph idx="12" type="sldNum"/>
+            <p:ph type="sldNum" idx="12"/>
           </p:nvPr>
         </p:nvSpPr>
         <p:spPr>
@@ -5855,7 +6099,7 @@
           </a:prstGeom>
         </p:spPr>
         <p:txBody>
-          <a:bodyPr anchorCtr="0" anchor="ctr" bIns="91425" lIns="91425" spcFirstLastPara="1" rIns="91425" wrap="square" tIns="91425">
+          <a:bodyPr spcFirstLastPara="1" wrap="square" lIns="91425" tIns="91425" rIns="91425" bIns="91425" anchor="ctr" anchorCtr="0">
             <a:noAutofit/>
           </a:bodyPr>
           <a:lstStyle>
@@ -5933,7 +6177,7 @@
             </a:lvl9pPr>
           </a:lstStyle>
           <a:p>
-            <a:pPr indent="0" lvl="0" marL="0" rtl="0" algn="r">
+            <a:pPr marL="0" lvl="0" indent="0" algn="r" rtl="0">
               <a:spcBef>
                 <a:spcPts val="0"/>
               </a:spcBef>
@@ -5959,11 +6203,11 @@
 </file>
 
 <file path=ppt/slideLayouts/slideLayout8.xml><?xml version="1.0" encoding="utf-8"?>
-<p:sldLayout xmlns:a="http://schemas.openxmlformats.org/drawingml/2006/main" xmlns:r="http://schemas.openxmlformats.org/officeDocument/2006/relationships" xmlns:mc="http://schemas.openxmlformats.org/markup-compatibility/2006" xmlns:mv="urn:schemas-microsoft-com:mac:vml" xmlns:p="http://schemas.openxmlformats.org/presentationml/2006/main" xmlns:c="http://schemas.openxmlformats.org/drawingml/2006/chart" xmlns:dgm="http://schemas.openxmlformats.org/drawingml/2006/diagram" xmlns:o="urn:schemas-microsoft-com:office:office" xmlns:v="urn:schemas-microsoft-com:vml" xmlns:pvml="urn:schemas-microsoft-com:office:powerpoint" xmlns:com="http://schemas.openxmlformats.org/drawingml/2006/compatibility" xmlns:p14="http://schemas.microsoft.com/office/powerpoint/2010/main" xmlns:p15="http://schemas.microsoft.com/office/powerpoint/2012/main" matchingName="Section title and description">
+<p:sldLayout xmlns:a="http://schemas.openxmlformats.org/drawingml/2006/main" xmlns:r="http://schemas.openxmlformats.org/officeDocument/2006/relationships" xmlns:p="http://schemas.openxmlformats.org/presentationml/2006/main" matchingName="Section title and description">
   <p:cSld name="SECTION_TITLE_AND_DESCRIPTION">
     <p:spTree>
       <p:nvGrpSpPr>
-        <p:cNvPr id="45" name="Shape 45"/>
+        <p:cNvPr id="1" name="Shape 45"/>
         <p:cNvGrpSpPr/>
         <p:nvPr/>
       </p:nvGrpSpPr>
@@ -5997,12 +6241,12 @@
           </a:ln>
         </p:spPr>
         <p:txBody>
-          <a:bodyPr anchorCtr="0" anchor="ctr" bIns="91425" lIns="91425" spcFirstLastPara="1" rIns="91425" wrap="square" tIns="91425">
+          <a:bodyPr spcFirstLastPara="1" wrap="square" lIns="91425" tIns="91425" rIns="91425" bIns="91425" anchor="ctr" anchorCtr="0">
             <a:noAutofit/>
           </a:bodyPr>
           <a:lstStyle/>
           <a:p>
-            <a:pPr indent="0" lvl="0" marL="0" rtl="0" algn="l">
+            <a:pPr marL="0" lvl="0" indent="0" algn="l" rtl="0">
               <a:spcBef>
                 <a:spcPts val="0"/>
               </a:spcBef>
@@ -6011,9 +6255,6 @@
               </a:spcAft>
               <a:buNone/>
             </a:pPr>
-            <a:r>
-              <a:t/>
-            </a:r>
             <a:endParaRPr/>
           </a:p>
         </p:txBody>
@@ -6054,12 +6295,12 @@
           </a:ln>
         </p:spPr>
         <p:txBody>
-          <a:bodyPr anchorCtr="0" anchor="ctr" bIns="91425" lIns="91425" spcFirstLastPara="1" rIns="91425" wrap="square" tIns="91425">
+          <a:bodyPr spcFirstLastPara="1" wrap="square" lIns="91425" tIns="91425" rIns="91425" bIns="91425" anchor="ctr" anchorCtr="0">
             <a:noAutofit/>
           </a:bodyPr>
           <a:lstStyle/>
           <a:p>
-            <a:pPr indent="0" lvl="0" marL="0" rtl="0" algn="l">
+            <a:pPr marL="0" lvl="0" indent="0" algn="l" rtl="0">
               <a:spcBef>
                 <a:spcPts val="0"/>
               </a:spcBef>
@@ -6068,9 +6309,6 @@
               </a:spcAft>
               <a:buNone/>
             </a:pPr>
-            <a:r>
-              <a:t/>
-            </a:r>
             <a:endParaRPr/>
           </a:p>
         </p:txBody>
@@ -6078,7 +6316,9 @@
       <p:sp>
         <p:nvSpPr>
           <p:cNvPr id="48" name="Google Shape;48;p9"/>
-          <p:cNvSpPr txBox="1"/>
+          <p:cNvSpPr txBox="1">
+            <a:spLocks noGrp="1"/>
+          </p:cNvSpPr>
           <p:nvPr>
             <p:ph type="title"/>
           </p:nvPr>
@@ -6093,7 +6333,7 @@
           </a:prstGeom>
         </p:spPr>
         <p:txBody>
-          <a:bodyPr anchorCtr="0" anchor="b" bIns="91425" lIns="91425" spcFirstLastPara="1" rIns="91425" wrap="square" tIns="91425">
+          <a:bodyPr spcFirstLastPara="1" wrap="square" lIns="91425" tIns="91425" rIns="91425" bIns="91425" anchor="b" anchorCtr="0">
             <a:noAutofit/>
           </a:bodyPr>
           <a:lstStyle>
@@ -6260,15 +6500,19 @@
               </a:defRPr>
             </a:lvl9pPr>
           </a:lstStyle>
-          <a:p/>
+          <a:p>
+            <a:endParaRPr/>
+          </a:p>
         </p:txBody>
       </p:sp>
       <p:sp>
         <p:nvSpPr>
           <p:cNvPr id="49" name="Google Shape;49;p9"/>
-          <p:cNvSpPr txBox="1"/>
+          <p:cNvSpPr txBox="1">
+            <a:spLocks noGrp="1"/>
+          </p:cNvSpPr>
           <p:nvPr>
-            <p:ph idx="1" type="subTitle"/>
+            <p:ph type="subTitle" idx="1"/>
           </p:nvPr>
         </p:nvSpPr>
         <p:spPr>
@@ -6281,7 +6525,7 @@
           </a:prstGeom>
         </p:spPr>
         <p:txBody>
-          <a:bodyPr anchorCtr="0" anchor="t" bIns="91425" lIns="91425" spcFirstLastPara="1" rIns="91425" wrap="square" tIns="91425">
+          <a:bodyPr spcFirstLastPara="1" wrap="square" lIns="91425" tIns="91425" rIns="91425" bIns="91425" anchor="t" anchorCtr="0">
             <a:noAutofit/>
           </a:bodyPr>
           <a:lstStyle>
@@ -6412,15 +6656,19 @@
               <a:defRPr sz="2100"/>
             </a:lvl9pPr>
           </a:lstStyle>
-          <a:p/>
+          <a:p>
+            <a:endParaRPr/>
+          </a:p>
         </p:txBody>
       </p:sp>
       <p:sp>
         <p:nvSpPr>
           <p:cNvPr id="50" name="Google Shape;50;p9"/>
-          <p:cNvSpPr txBox="1"/>
+          <p:cNvSpPr txBox="1">
+            <a:spLocks noGrp="1"/>
+          </p:cNvSpPr>
           <p:nvPr>
-            <p:ph idx="2" type="body"/>
+            <p:ph type="body" idx="2"/>
           </p:nvPr>
         </p:nvSpPr>
         <p:spPr>
@@ -6433,11 +6681,11 @@
           </a:prstGeom>
         </p:spPr>
         <p:txBody>
-          <a:bodyPr anchorCtr="0" anchor="ctr" bIns="91425" lIns="91425" spcFirstLastPara="1" rIns="91425" wrap="square" tIns="91425">
+          <a:bodyPr spcFirstLastPara="1" wrap="square" lIns="91425" tIns="91425" rIns="91425" bIns="91425" anchor="ctr" anchorCtr="0">
             <a:noAutofit/>
           </a:bodyPr>
           <a:lstStyle>
-            <a:lvl1pPr indent="-342900" lvl="0" marL="457200">
+            <a:lvl1pPr marL="457200" lvl="0" indent="-342900">
               <a:spcBef>
                 <a:spcPts val="0"/>
               </a:spcBef>
@@ -6455,7 +6703,7 @@
                 </a:solidFill>
               </a:defRPr>
             </a:lvl1pPr>
-            <a:lvl2pPr indent="-317500" lvl="1" marL="914400">
+            <a:lvl2pPr marL="914400" lvl="1" indent="-317500">
               <a:spcBef>
                 <a:spcPts val="1600"/>
               </a:spcBef>
@@ -6473,7 +6721,7 @@
                 </a:solidFill>
               </a:defRPr>
             </a:lvl2pPr>
-            <a:lvl3pPr indent="-317500" lvl="2" marL="1371600">
+            <a:lvl3pPr marL="1371600" lvl="2" indent="-317500">
               <a:spcBef>
                 <a:spcPts val="1600"/>
               </a:spcBef>
@@ -6491,7 +6739,7 @@
                 </a:solidFill>
               </a:defRPr>
             </a:lvl3pPr>
-            <a:lvl4pPr indent="-317500" lvl="3" marL="1828800">
+            <a:lvl4pPr marL="1828800" lvl="3" indent="-317500">
               <a:spcBef>
                 <a:spcPts val="1600"/>
               </a:spcBef>
@@ -6509,7 +6757,7 @@
                 </a:solidFill>
               </a:defRPr>
             </a:lvl4pPr>
-            <a:lvl5pPr indent="-317500" lvl="4" marL="2286000">
+            <a:lvl5pPr marL="2286000" lvl="4" indent="-317500">
               <a:spcBef>
                 <a:spcPts val="1600"/>
               </a:spcBef>
@@ -6527,7 +6775,7 @@
                 </a:solidFill>
               </a:defRPr>
             </a:lvl5pPr>
-            <a:lvl6pPr indent="-317500" lvl="5" marL="2743200">
+            <a:lvl6pPr marL="2743200" lvl="5" indent="-317500">
               <a:spcBef>
                 <a:spcPts val="1600"/>
               </a:spcBef>
@@ -6545,7 +6793,7 @@
                 </a:solidFill>
               </a:defRPr>
             </a:lvl6pPr>
-            <a:lvl7pPr indent="-317500" lvl="6" marL="3200400">
+            <a:lvl7pPr marL="3200400" lvl="6" indent="-317500">
               <a:spcBef>
                 <a:spcPts val="1600"/>
               </a:spcBef>
@@ -6563,7 +6811,7 @@
                 </a:solidFill>
               </a:defRPr>
             </a:lvl7pPr>
-            <a:lvl8pPr indent="-317500" lvl="7" marL="3657600">
+            <a:lvl8pPr marL="3657600" lvl="7" indent="-317500">
               <a:spcBef>
                 <a:spcPts val="1600"/>
               </a:spcBef>
@@ -6581,7 +6829,7 @@
                 </a:solidFill>
               </a:defRPr>
             </a:lvl8pPr>
-            <a:lvl9pPr indent="-317500" lvl="8" marL="4114800">
+            <a:lvl9pPr marL="4114800" lvl="8" indent="-317500">
               <a:spcBef>
                 <a:spcPts val="1600"/>
               </a:spcBef>
@@ -6600,15 +6848,19 @@
               </a:defRPr>
             </a:lvl9pPr>
           </a:lstStyle>
-          <a:p/>
+          <a:p>
+            <a:endParaRPr/>
+          </a:p>
         </p:txBody>
       </p:sp>
       <p:sp>
         <p:nvSpPr>
           <p:cNvPr id="51" name="Google Shape;51;p9"/>
-          <p:cNvSpPr txBox="1"/>
+          <p:cNvSpPr txBox="1">
+            <a:spLocks noGrp="1"/>
+          </p:cNvSpPr>
           <p:nvPr>
-            <p:ph idx="12" type="sldNum"/>
+            <p:ph type="sldNum" idx="12"/>
           </p:nvPr>
         </p:nvSpPr>
         <p:spPr>
@@ -6621,7 +6873,7 @@
           </a:prstGeom>
         </p:spPr>
         <p:txBody>
-          <a:bodyPr anchorCtr="0" anchor="ctr" bIns="91425" lIns="91425" spcFirstLastPara="1" rIns="91425" wrap="square" tIns="91425">
+          <a:bodyPr spcFirstLastPara="1" wrap="square" lIns="91425" tIns="91425" rIns="91425" bIns="91425" anchor="ctr" anchorCtr="0">
             <a:noAutofit/>
           </a:bodyPr>
           <a:lstStyle>
@@ -6699,7 +6951,7 @@
             </a:lvl9pPr>
           </a:lstStyle>
           <a:p>
-            <a:pPr indent="0" lvl="0" marL="0" rtl="0" algn="r">
+            <a:pPr marL="0" lvl="0" indent="0" algn="r" rtl="0">
               <a:spcBef>
                 <a:spcPts val="0"/>
               </a:spcBef>
@@ -6725,11 +6977,11 @@
 </file>
 
 <file path=ppt/slideLayouts/slideLayout9.xml><?xml version="1.0" encoding="utf-8"?>
-<p:sldLayout xmlns:a="http://schemas.openxmlformats.org/drawingml/2006/main" xmlns:r="http://schemas.openxmlformats.org/officeDocument/2006/relationships" xmlns:mc="http://schemas.openxmlformats.org/markup-compatibility/2006" xmlns:mv="urn:schemas-microsoft-com:mac:vml" xmlns:p="http://schemas.openxmlformats.org/presentationml/2006/main" xmlns:c="http://schemas.openxmlformats.org/drawingml/2006/chart" xmlns:dgm="http://schemas.openxmlformats.org/drawingml/2006/diagram" xmlns:o="urn:schemas-microsoft-com:office:office" xmlns:v="urn:schemas-microsoft-com:vml" xmlns:pvml="urn:schemas-microsoft-com:office:powerpoint" xmlns:com="http://schemas.openxmlformats.org/drawingml/2006/compatibility" xmlns:p14="http://schemas.microsoft.com/office/powerpoint/2010/main" xmlns:p15="http://schemas.microsoft.com/office/powerpoint/2012/main" matchingName="Caption">
+<p:sldLayout xmlns:a="http://schemas.openxmlformats.org/drawingml/2006/main" xmlns:r="http://schemas.openxmlformats.org/officeDocument/2006/relationships" xmlns:p="http://schemas.openxmlformats.org/presentationml/2006/main" matchingName="Caption">
   <p:cSld name="CAPTION_ONLY">
     <p:spTree>
       <p:nvGrpSpPr>
-        <p:cNvPr id="52" name="Shape 52"/>
+        <p:cNvPr id="1" name="Shape 52"/>
         <p:cNvGrpSpPr/>
         <p:nvPr/>
       </p:nvGrpSpPr>
@@ -6748,7 +7000,7 @@
           <p:nvPr/>
         </p:nvSpPr>
         <p:spPr>
-          <a:xfrm flipH="1" rot="10800000">
+          <a:xfrm rot="10800000" flipH="1">
             <a:off x="0" y="0"/>
             <a:ext cx="9144000" cy="4695900"/>
           </a:xfrm>
@@ -6763,12 +7015,12 @@
           </a:ln>
         </p:spPr>
         <p:txBody>
-          <a:bodyPr anchorCtr="0" anchor="ctr" bIns="91425" lIns="91425" spcFirstLastPara="1" rIns="91425" wrap="square" tIns="91425">
+          <a:bodyPr spcFirstLastPara="1" wrap="square" lIns="91425" tIns="91425" rIns="91425" bIns="91425" anchor="ctr" anchorCtr="0">
             <a:noAutofit/>
           </a:bodyPr>
           <a:lstStyle/>
           <a:p>
-            <a:pPr indent="0" lvl="0" marL="0" rtl="0" algn="l">
+            <a:pPr marL="0" lvl="0" indent="0" algn="l" rtl="0">
               <a:spcBef>
                 <a:spcPts val="0"/>
               </a:spcBef>
@@ -6777,9 +7029,6 @@
               </a:spcAft>
               <a:buNone/>
             </a:pPr>
-            <a:r>
-              <a:t/>
-            </a:r>
             <a:endParaRPr/>
           </a:p>
         </p:txBody>
@@ -6791,7 +7040,7 @@
           <p:nvPr/>
         </p:nvSpPr>
         <p:spPr>
-          <a:xfrm flipH="1" rot="10800000">
+          <a:xfrm rot="10800000" flipH="1">
             <a:off x="0" y="4622725"/>
             <a:ext cx="9144000" cy="74100"/>
           </a:xfrm>
@@ -6820,12 +7069,12 @@
           </a:ln>
         </p:spPr>
         <p:txBody>
-          <a:bodyPr anchorCtr="0" anchor="ctr" bIns="91425" lIns="91425" spcFirstLastPara="1" rIns="91425" wrap="square" tIns="91425">
+          <a:bodyPr spcFirstLastPara="1" wrap="square" lIns="91425" tIns="91425" rIns="91425" bIns="91425" anchor="ctr" anchorCtr="0">
             <a:noAutofit/>
           </a:bodyPr>
           <a:lstStyle/>
           <a:p>
-            <a:pPr indent="0" lvl="0" marL="0" rtl="0" algn="l">
+            <a:pPr marL="0" lvl="0" indent="0" algn="l" rtl="0">
               <a:spcBef>
                 <a:spcPts val="0"/>
               </a:spcBef>
@@ -6834,9 +7083,6 @@
               </a:spcAft>
               <a:buNone/>
             </a:pPr>
-            <a:r>
-              <a:t/>
-            </a:r>
             <a:endParaRPr/>
           </a:p>
         </p:txBody>
@@ -6844,9 +7090,11 @@
       <p:sp>
         <p:nvSpPr>
           <p:cNvPr id="55" name="Google Shape;55;p10"/>
-          <p:cNvSpPr txBox="1"/>
+          <p:cNvSpPr txBox="1">
+            <a:spLocks noGrp="1"/>
+          </p:cNvSpPr>
           <p:nvPr>
-            <p:ph idx="1" type="body"/>
+            <p:ph type="body" idx="1"/>
           </p:nvPr>
         </p:nvSpPr>
         <p:spPr>
@@ -6859,11 +7107,11 @@
           </a:prstGeom>
         </p:spPr>
         <p:txBody>
-          <a:bodyPr anchorCtr="0" anchor="ctr" bIns="91425" lIns="91425" spcFirstLastPara="1" rIns="91425" wrap="square" tIns="91425">
+          <a:bodyPr spcFirstLastPara="1" wrap="square" lIns="91425" tIns="91425" rIns="91425" bIns="91425" anchor="ctr" anchorCtr="0">
             <a:noAutofit/>
           </a:bodyPr>
           <a:lstStyle>
-            <a:lvl1pPr indent="-228600" lvl="0" marL="457200">
+            <a:lvl1pPr marL="457200" lvl="0" indent="-228600">
               <a:lnSpc>
                 <a:spcPct val="100000"/>
               </a:lnSpc>
@@ -6885,15 +7133,19 @@
               </a:defRPr>
             </a:lvl1pPr>
           </a:lstStyle>
-          <a:p/>
+          <a:p>
+            <a:endParaRPr/>
+          </a:p>
         </p:txBody>
       </p:sp>
       <p:sp>
         <p:nvSpPr>
           <p:cNvPr id="56" name="Google Shape;56;p10"/>
-          <p:cNvSpPr txBox="1"/>
+          <p:cNvSpPr txBox="1">
+            <a:spLocks noGrp="1"/>
+          </p:cNvSpPr>
           <p:nvPr>
-            <p:ph idx="12" type="sldNum"/>
+            <p:ph type="sldNum" idx="12"/>
           </p:nvPr>
         </p:nvSpPr>
         <p:spPr>
@@ -6906,7 +7158,7 @@
           </a:prstGeom>
         </p:spPr>
         <p:txBody>
-          <a:bodyPr anchorCtr="0" anchor="ctr" bIns="91425" lIns="91425" spcFirstLastPara="1" rIns="91425" wrap="square" tIns="91425">
+          <a:bodyPr spcFirstLastPara="1" wrap="square" lIns="91425" tIns="91425" rIns="91425" bIns="91425" anchor="ctr" anchorCtr="0">
             <a:noAutofit/>
           </a:bodyPr>
           <a:lstStyle>
@@ -6984,7 +7236,7 @@
             </a:lvl9pPr>
           </a:lstStyle>
           <a:p>
-            <a:pPr indent="0" lvl="0" marL="0" rtl="0" algn="r">
+            <a:pPr marL="0" lvl="0" indent="0" algn="r" rtl="0">
               <a:spcBef>
                 <a:spcPts val="0"/>
               </a:spcBef>
@@ -7010,18 +7262,19 @@
 </file>
 
 <file path=ppt/slideMasters/slideMaster1.xml><?xml version="1.0" encoding="utf-8"?>
-<p:sldMaster xmlns:a="http://schemas.openxmlformats.org/drawingml/2006/main" xmlns:r="http://schemas.openxmlformats.org/officeDocument/2006/relationships" xmlns:mc="http://schemas.openxmlformats.org/markup-compatibility/2006" xmlns:mv="urn:schemas-microsoft-com:mac:vml" xmlns:p="http://schemas.openxmlformats.org/presentationml/2006/main" xmlns:c="http://schemas.openxmlformats.org/drawingml/2006/chart" xmlns:dgm="http://schemas.openxmlformats.org/drawingml/2006/diagram" xmlns:o="urn:schemas-microsoft-com:office:office" xmlns:v="urn:schemas-microsoft-com:vml" xmlns:pvml="urn:schemas-microsoft-com:office:powerpoint" xmlns:com="http://schemas.openxmlformats.org/drawingml/2006/compatibility" xmlns:p14="http://schemas.microsoft.com/office/powerpoint/2010/main" xmlns:p15="http://schemas.microsoft.com/office/powerpoint/2012/main">
+<p:sldMaster xmlns:a="http://schemas.openxmlformats.org/drawingml/2006/main" xmlns:r="http://schemas.openxmlformats.org/officeDocument/2006/relationships" xmlns:p="http://schemas.openxmlformats.org/presentationml/2006/main">
   <p:cSld name="material">
     <p:bg>
       <p:bgPr>
         <a:solidFill>
           <a:schemeClr val="dk1"/>
         </a:solidFill>
+        <a:effectLst/>
       </p:bgPr>
     </p:bg>
     <p:spTree>
       <p:nvGrpSpPr>
-        <p:cNvPr id="5" name="Shape 5"/>
+        <p:cNvPr id="1" name="Shape 5"/>
         <p:cNvGrpSpPr/>
         <p:nvPr/>
       </p:nvGrpSpPr>
@@ -7036,7 +7289,9 @@
       <p:sp>
         <p:nvSpPr>
           <p:cNvPr id="6" name="Google Shape;6;p1"/>
-          <p:cNvSpPr txBox="1"/>
+          <p:cNvSpPr txBox="1">
+            <a:spLocks noGrp="1"/>
+          </p:cNvSpPr>
           <p:nvPr>
             <p:ph type="title"/>
           </p:nvPr>
@@ -7055,7 +7310,7 @@
           </a:ln>
         </p:spPr>
         <p:txBody>
-          <a:bodyPr anchorCtr="0" anchor="b" bIns="91425" lIns="91425" spcFirstLastPara="1" rIns="91425" wrap="square" tIns="91425">
+          <a:bodyPr spcFirstLastPara="1" wrap="square" lIns="91425" tIns="91425" rIns="91425" bIns="91425" anchor="b" anchorCtr="0">
             <a:noAutofit/>
           </a:bodyPr>
           <a:lstStyle>
@@ -7259,408 +7514,6 @@
               <a:defRPr sz="3200">
                 <a:solidFill>
                   <a:schemeClr val="lt1"/>
-                </a:solidFill>
-                <a:latin typeface="Roboto"/>
-                <a:ea typeface="Roboto"/>
-                <a:cs typeface="Roboto"/>
-                <a:sym typeface="Roboto"/>
-              </a:defRPr>
-            </a:lvl9pPr>
-          </a:lstStyle>
-          <a:p/>
-        </p:txBody>
-      </p:sp>
-      <p:sp>
-        <p:nvSpPr>
-          <p:cNvPr id="7" name="Google Shape;7;p1"/>
-          <p:cNvSpPr txBox="1"/>
-          <p:nvPr>
-            <p:ph idx="1" type="body"/>
-          </p:nvPr>
-        </p:nvSpPr>
-        <p:spPr>
-          <a:xfrm>
-            <a:off x="471900" y="1919075"/>
-            <a:ext cx="8222100" cy="2710200"/>
-          </a:xfrm>
-          <a:prstGeom prst="rect">
-            <a:avLst/>
-          </a:prstGeom>
-          <a:noFill/>
-          <a:ln>
-            <a:noFill/>
-          </a:ln>
-        </p:spPr>
-        <p:txBody>
-          <a:bodyPr anchorCtr="0" anchor="t" bIns="91425" lIns="91425" spcFirstLastPara="1" rIns="91425" wrap="square" tIns="91425">
-            <a:noAutofit/>
-          </a:bodyPr>
-          <a:lstStyle>
-            <a:lvl1pPr indent="-342900" lvl="0" marL="457200">
-              <a:lnSpc>
-                <a:spcPct val="115000"/>
-              </a:lnSpc>
-              <a:spcBef>
-                <a:spcPts val="0"/>
-              </a:spcBef>
-              <a:spcAft>
-                <a:spcPts val="0"/>
-              </a:spcAft>
-              <a:buClr>
-                <a:schemeClr val="lt2"/>
-              </a:buClr>
-              <a:buSzPts val="1800"/>
-              <a:buFont typeface="Roboto"/>
-              <a:buChar char="●"/>
-              <a:defRPr sz="1800">
-                <a:solidFill>
-                  <a:schemeClr val="lt2"/>
-                </a:solidFill>
-                <a:latin typeface="Roboto"/>
-                <a:ea typeface="Roboto"/>
-                <a:cs typeface="Roboto"/>
-                <a:sym typeface="Roboto"/>
-              </a:defRPr>
-            </a:lvl1pPr>
-            <a:lvl2pPr indent="-317500" lvl="1" marL="914400">
-              <a:lnSpc>
-                <a:spcPct val="115000"/>
-              </a:lnSpc>
-              <a:spcBef>
-                <a:spcPts val="1600"/>
-              </a:spcBef>
-              <a:spcAft>
-                <a:spcPts val="0"/>
-              </a:spcAft>
-              <a:buClr>
-                <a:schemeClr val="lt2"/>
-              </a:buClr>
-              <a:buSzPts val="1400"/>
-              <a:buFont typeface="Roboto"/>
-              <a:buChar char="○"/>
-              <a:defRPr>
-                <a:solidFill>
-                  <a:schemeClr val="lt2"/>
-                </a:solidFill>
-                <a:latin typeface="Roboto"/>
-                <a:ea typeface="Roboto"/>
-                <a:cs typeface="Roboto"/>
-                <a:sym typeface="Roboto"/>
-              </a:defRPr>
-            </a:lvl2pPr>
-            <a:lvl3pPr indent="-317500" lvl="2" marL="1371600">
-              <a:lnSpc>
-                <a:spcPct val="115000"/>
-              </a:lnSpc>
-              <a:spcBef>
-                <a:spcPts val="1600"/>
-              </a:spcBef>
-              <a:spcAft>
-                <a:spcPts val="0"/>
-              </a:spcAft>
-              <a:buClr>
-                <a:schemeClr val="lt2"/>
-              </a:buClr>
-              <a:buSzPts val="1400"/>
-              <a:buFont typeface="Roboto"/>
-              <a:buChar char="■"/>
-              <a:defRPr>
-                <a:solidFill>
-                  <a:schemeClr val="lt2"/>
-                </a:solidFill>
-                <a:latin typeface="Roboto"/>
-                <a:ea typeface="Roboto"/>
-                <a:cs typeface="Roboto"/>
-                <a:sym typeface="Roboto"/>
-              </a:defRPr>
-            </a:lvl3pPr>
-            <a:lvl4pPr indent="-317500" lvl="3" marL="1828800">
-              <a:lnSpc>
-                <a:spcPct val="115000"/>
-              </a:lnSpc>
-              <a:spcBef>
-                <a:spcPts val="1600"/>
-              </a:spcBef>
-              <a:spcAft>
-                <a:spcPts val="0"/>
-              </a:spcAft>
-              <a:buClr>
-                <a:schemeClr val="lt2"/>
-              </a:buClr>
-              <a:buSzPts val="1400"/>
-              <a:buFont typeface="Roboto"/>
-              <a:buChar char="●"/>
-              <a:defRPr>
-                <a:solidFill>
-                  <a:schemeClr val="lt2"/>
-                </a:solidFill>
-                <a:latin typeface="Roboto"/>
-                <a:ea typeface="Roboto"/>
-                <a:cs typeface="Roboto"/>
-                <a:sym typeface="Roboto"/>
-              </a:defRPr>
-            </a:lvl4pPr>
-            <a:lvl5pPr indent="-317500" lvl="4" marL="2286000">
-              <a:lnSpc>
-                <a:spcPct val="115000"/>
-              </a:lnSpc>
-              <a:spcBef>
-                <a:spcPts val="1600"/>
-              </a:spcBef>
-              <a:spcAft>
-                <a:spcPts val="0"/>
-              </a:spcAft>
-              <a:buClr>
-                <a:schemeClr val="lt2"/>
-              </a:buClr>
-              <a:buSzPts val="1400"/>
-              <a:buFont typeface="Roboto"/>
-              <a:buChar char="○"/>
-              <a:defRPr>
-                <a:solidFill>
-                  <a:schemeClr val="lt2"/>
-                </a:solidFill>
-                <a:latin typeface="Roboto"/>
-                <a:ea typeface="Roboto"/>
-                <a:cs typeface="Roboto"/>
-                <a:sym typeface="Roboto"/>
-              </a:defRPr>
-            </a:lvl5pPr>
-            <a:lvl6pPr indent="-317500" lvl="5" marL="2743200">
-              <a:lnSpc>
-                <a:spcPct val="115000"/>
-              </a:lnSpc>
-              <a:spcBef>
-                <a:spcPts val="1600"/>
-              </a:spcBef>
-              <a:spcAft>
-                <a:spcPts val="0"/>
-              </a:spcAft>
-              <a:buClr>
-                <a:schemeClr val="lt2"/>
-              </a:buClr>
-              <a:buSzPts val="1400"/>
-              <a:buFont typeface="Roboto"/>
-              <a:buChar char="■"/>
-              <a:defRPr>
-                <a:solidFill>
-                  <a:schemeClr val="lt2"/>
-                </a:solidFill>
-                <a:latin typeface="Roboto"/>
-                <a:ea typeface="Roboto"/>
-                <a:cs typeface="Roboto"/>
-                <a:sym typeface="Roboto"/>
-              </a:defRPr>
-            </a:lvl6pPr>
-            <a:lvl7pPr indent="-317500" lvl="6" marL="3200400">
-              <a:lnSpc>
-                <a:spcPct val="115000"/>
-              </a:lnSpc>
-              <a:spcBef>
-                <a:spcPts val="1600"/>
-              </a:spcBef>
-              <a:spcAft>
-                <a:spcPts val="0"/>
-              </a:spcAft>
-              <a:buClr>
-                <a:schemeClr val="lt2"/>
-              </a:buClr>
-              <a:buSzPts val="1400"/>
-              <a:buFont typeface="Roboto"/>
-              <a:buChar char="●"/>
-              <a:defRPr>
-                <a:solidFill>
-                  <a:schemeClr val="lt2"/>
-                </a:solidFill>
-                <a:latin typeface="Roboto"/>
-                <a:ea typeface="Roboto"/>
-                <a:cs typeface="Roboto"/>
-                <a:sym typeface="Roboto"/>
-              </a:defRPr>
-            </a:lvl7pPr>
-            <a:lvl8pPr indent="-317500" lvl="7" marL="3657600">
-              <a:lnSpc>
-                <a:spcPct val="115000"/>
-              </a:lnSpc>
-              <a:spcBef>
-                <a:spcPts val="1600"/>
-              </a:spcBef>
-              <a:spcAft>
-                <a:spcPts val="0"/>
-              </a:spcAft>
-              <a:buClr>
-                <a:schemeClr val="lt2"/>
-              </a:buClr>
-              <a:buSzPts val="1400"/>
-              <a:buFont typeface="Roboto"/>
-              <a:buChar char="○"/>
-              <a:defRPr>
-                <a:solidFill>
-                  <a:schemeClr val="lt2"/>
-                </a:solidFill>
-                <a:latin typeface="Roboto"/>
-                <a:ea typeface="Roboto"/>
-                <a:cs typeface="Roboto"/>
-                <a:sym typeface="Roboto"/>
-              </a:defRPr>
-            </a:lvl8pPr>
-            <a:lvl9pPr indent="-317500" lvl="8" marL="4114800">
-              <a:lnSpc>
-                <a:spcPct val="115000"/>
-              </a:lnSpc>
-              <a:spcBef>
-                <a:spcPts val="1600"/>
-              </a:spcBef>
-              <a:spcAft>
-                <a:spcPts val="1600"/>
-              </a:spcAft>
-              <a:buClr>
-                <a:schemeClr val="lt2"/>
-              </a:buClr>
-              <a:buSzPts val="1400"/>
-              <a:buFont typeface="Roboto"/>
-              <a:buChar char="■"/>
-              <a:defRPr>
-                <a:solidFill>
-                  <a:schemeClr val="lt2"/>
-                </a:solidFill>
-                <a:latin typeface="Roboto"/>
-                <a:ea typeface="Roboto"/>
-                <a:cs typeface="Roboto"/>
-                <a:sym typeface="Roboto"/>
-              </a:defRPr>
-            </a:lvl9pPr>
-          </a:lstStyle>
-          <a:p/>
-        </p:txBody>
-      </p:sp>
-      <p:sp>
-        <p:nvSpPr>
-          <p:cNvPr id="8" name="Google Shape;8;p1"/>
-          <p:cNvSpPr txBox="1"/>
-          <p:nvPr>
-            <p:ph idx="12" type="sldNum"/>
-          </p:nvPr>
-        </p:nvSpPr>
-        <p:spPr>
-          <a:xfrm>
-            <a:off x="8523541" y="4695623"/>
-            <a:ext cx="548700" cy="393600"/>
-          </a:xfrm>
-          <a:prstGeom prst="rect">
-            <a:avLst/>
-          </a:prstGeom>
-          <a:noFill/>
-          <a:ln>
-            <a:noFill/>
-          </a:ln>
-        </p:spPr>
-        <p:txBody>
-          <a:bodyPr anchorCtr="0" anchor="ctr" bIns="91425" lIns="91425" spcFirstLastPara="1" rIns="91425" wrap="square" tIns="91425">
-            <a:noAutofit/>
-          </a:bodyPr>
-          <a:lstStyle>
-            <a:lvl1pPr lvl="0" algn="r">
-              <a:buNone/>
-              <a:defRPr sz="1000">
-                <a:solidFill>
-                  <a:schemeClr val="lt2"/>
-                </a:solidFill>
-                <a:latin typeface="Roboto"/>
-                <a:ea typeface="Roboto"/>
-                <a:cs typeface="Roboto"/>
-                <a:sym typeface="Roboto"/>
-              </a:defRPr>
-            </a:lvl1pPr>
-            <a:lvl2pPr lvl="1" algn="r">
-              <a:buNone/>
-              <a:defRPr sz="1000">
-                <a:solidFill>
-                  <a:schemeClr val="lt2"/>
-                </a:solidFill>
-                <a:latin typeface="Roboto"/>
-                <a:ea typeface="Roboto"/>
-                <a:cs typeface="Roboto"/>
-                <a:sym typeface="Roboto"/>
-              </a:defRPr>
-            </a:lvl2pPr>
-            <a:lvl3pPr lvl="2" algn="r">
-              <a:buNone/>
-              <a:defRPr sz="1000">
-                <a:solidFill>
-                  <a:schemeClr val="lt2"/>
-                </a:solidFill>
-                <a:latin typeface="Roboto"/>
-                <a:ea typeface="Roboto"/>
-                <a:cs typeface="Roboto"/>
-                <a:sym typeface="Roboto"/>
-              </a:defRPr>
-            </a:lvl3pPr>
-            <a:lvl4pPr lvl="3" algn="r">
-              <a:buNone/>
-              <a:defRPr sz="1000">
-                <a:solidFill>
-                  <a:schemeClr val="lt2"/>
-                </a:solidFill>
-                <a:latin typeface="Roboto"/>
-                <a:ea typeface="Roboto"/>
-                <a:cs typeface="Roboto"/>
-                <a:sym typeface="Roboto"/>
-              </a:defRPr>
-            </a:lvl4pPr>
-            <a:lvl5pPr lvl="4" algn="r">
-              <a:buNone/>
-              <a:defRPr sz="1000">
-                <a:solidFill>
-                  <a:schemeClr val="lt2"/>
-                </a:solidFill>
-                <a:latin typeface="Roboto"/>
-                <a:ea typeface="Roboto"/>
-                <a:cs typeface="Roboto"/>
-                <a:sym typeface="Roboto"/>
-              </a:defRPr>
-            </a:lvl5pPr>
-            <a:lvl6pPr lvl="5" algn="r">
-              <a:buNone/>
-              <a:defRPr sz="1000">
-                <a:solidFill>
-                  <a:schemeClr val="lt2"/>
-                </a:solidFill>
-                <a:latin typeface="Roboto"/>
-                <a:ea typeface="Roboto"/>
-                <a:cs typeface="Roboto"/>
-                <a:sym typeface="Roboto"/>
-              </a:defRPr>
-            </a:lvl6pPr>
-            <a:lvl7pPr lvl="6" algn="r">
-              <a:buNone/>
-              <a:defRPr sz="1000">
-                <a:solidFill>
-                  <a:schemeClr val="lt2"/>
-                </a:solidFill>
-                <a:latin typeface="Roboto"/>
-                <a:ea typeface="Roboto"/>
-                <a:cs typeface="Roboto"/>
-                <a:sym typeface="Roboto"/>
-              </a:defRPr>
-            </a:lvl7pPr>
-            <a:lvl8pPr lvl="7" algn="r">
-              <a:buNone/>
-              <a:defRPr sz="1000">
-                <a:solidFill>
-                  <a:schemeClr val="lt2"/>
-                </a:solidFill>
-                <a:latin typeface="Roboto"/>
-                <a:ea typeface="Roboto"/>
-                <a:cs typeface="Roboto"/>
-                <a:sym typeface="Roboto"/>
-              </a:defRPr>
-            </a:lvl8pPr>
-            <a:lvl9pPr lvl="8" algn="r">
-              <a:buNone/>
-              <a:defRPr sz="1000">
-                <a:solidFill>
-                  <a:schemeClr val="lt2"/>
                 </a:solidFill>
                 <a:latin typeface="Roboto"/>
                 <a:ea typeface="Roboto"/>
@@ -7670,7 +7523,417 @@
             </a:lvl9pPr>
           </a:lstStyle>
           <a:p>
-            <a:pPr indent="0" lvl="0" marL="0" rtl="0" algn="r">
+            <a:endParaRPr/>
+          </a:p>
+        </p:txBody>
+      </p:sp>
+      <p:sp>
+        <p:nvSpPr>
+          <p:cNvPr id="7" name="Google Shape;7;p1"/>
+          <p:cNvSpPr txBox="1">
+            <a:spLocks noGrp="1"/>
+          </p:cNvSpPr>
+          <p:nvPr>
+            <p:ph type="body" idx="1"/>
+          </p:nvPr>
+        </p:nvSpPr>
+        <p:spPr>
+          <a:xfrm>
+            <a:off x="471900" y="1919075"/>
+            <a:ext cx="8222100" cy="2710200"/>
+          </a:xfrm>
+          <a:prstGeom prst="rect">
+            <a:avLst/>
+          </a:prstGeom>
+          <a:noFill/>
+          <a:ln>
+            <a:noFill/>
+          </a:ln>
+        </p:spPr>
+        <p:txBody>
+          <a:bodyPr spcFirstLastPara="1" wrap="square" lIns="91425" tIns="91425" rIns="91425" bIns="91425" anchor="t" anchorCtr="0">
+            <a:noAutofit/>
+          </a:bodyPr>
+          <a:lstStyle>
+            <a:lvl1pPr marL="457200" lvl="0" indent="-342900">
+              <a:lnSpc>
+                <a:spcPct val="115000"/>
+              </a:lnSpc>
+              <a:spcBef>
+                <a:spcPts val="0"/>
+              </a:spcBef>
+              <a:spcAft>
+                <a:spcPts val="0"/>
+              </a:spcAft>
+              <a:buClr>
+                <a:schemeClr val="lt2"/>
+              </a:buClr>
+              <a:buSzPts val="1800"/>
+              <a:buFont typeface="Roboto"/>
+              <a:buChar char="●"/>
+              <a:defRPr sz="1800">
+                <a:solidFill>
+                  <a:schemeClr val="lt2"/>
+                </a:solidFill>
+                <a:latin typeface="Roboto"/>
+                <a:ea typeface="Roboto"/>
+                <a:cs typeface="Roboto"/>
+                <a:sym typeface="Roboto"/>
+              </a:defRPr>
+            </a:lvl1pPr>
+            <a:lvl2pPr marL="914400" lvl="1" indent="-317500">
+              <a:lnSpc>
+                <a:spcPct val="115000"/>
+              </a:lnSpc>
+              <a:spcBef>
+                <a:spcPts val="1600"/>
+              </a:spcBef>
+              <a:spcAft>
+                <a:spcPts val="0"/>
+              </a:spcAft>
+              <a:buClr>
+                <a:schemeClr val="lt2"/>
+              </a:buClr>
+              <a:buSzPts val="1400"/>
+              <a:buFont typeface="Roboto"/>
+              <a:buChar char="○"/>
+              <a:defRPr>
+                <a:solidFill>
+                  <a:schemeClr val="lt2"/>
+                </a:solidFill>
+                <a:latin typeface="Roboto"/>
+                <a:ea typeface="Roboto"/>
+                <a:cs typeface="Roboto"/>
+                <a:sym typeface="Roboto"/>
+              </a:defRPr>
+            </a:lvl2pPr>
+            <a:lvl3pPr marL="1371600" lvl="2" indent="-317500">
+              <a:lnSpc>
+                <a:spcPct val="115000"/>
+              </a:lnSpc>
+              <a:spcBef>
+                <a:spcPts val="1600"/>
+              </a:spcBef>
+              <a:spcAft>
+                <a:spcPts val="0"/>
+              </a:spcAft>
+              <a:buClr>
+                <a:schemeClr val="lt2"/>
+              </a:buClr>
+              <a:buSzPts val="1400"/>
+              <a:buFont typeface="Roboto"/>
+              <a:buChar char="■"/>
+              <a:defRPr>
+                <a:solidFill>
+                  <a:schemeClr val="lt2"/>
+                </a:solidFill>
+                <a:latin typeface="Roboto"/>
+                <a:ea typeface="Roboto"/>
+                <a:cs typeface="Roboto"/>
+                <a:sym typeface="Roboto"/>
+              </a:defRPr>
+            </a:lvl3pPr>
+            <a:lvl4pPr marL="1828800" lvl="3" indent="-317500">
+              <a:lnSpc>
+                <a:spcPct val="115000"/>
+              </a:lnSpc>
+              <a:spcBef>
+                <a:spcPts val="1600"/>
+              </a:spcBef>
+              <a:spcAft>
+                <a:spcPts val="0"/>
+              </a:spcAft>
+              <a:buClr>
+                <a:schemeClr val="lt2"/>
+              </a:buClr>
+              <a:buSzPts val="1400"/>
+              <a:buFont typeface="Roboto"/>
+              <a:buChar char="●"/>
+              <a:defRPr>
+                <a:solidFill>
+                  <a:schemeClr val="lt2"/>
+                </a:solidFill>
+                <a:latin typeface="Roboto"/>
+                <a:ea typeface="Roboto"/>
+                <a:cs typeface="Roboto"/>
+                <a:sym typeface="Roboto"/>
+              </a:defRPr>
+            </a:lvl4pPr>
+            <a:lvl5pPr marL="2286000" lvl="4" indent="-317500">
+              <a:lnSpc>
+                <a:spcPct val="115000"/>
+              </a:lnSpc>
+              <a:spcBef>
+                <a:spcPts val="1600"/>
+              </a:spcBef>
+              <a:spcAft>
+                <a:spcPts val="0"/>
+              </a:spcAft>
+              <a:buClr>
+                <a:schemeClr val="lt2"/>
+              </a:buClr>
+              <a:buSzPts val="1400"/>
+              <a:buFont typeface="Roboto"/>
+              <a:buChar char="○"/>
+              <a:defRPr>
+                <a:solidFill>
+                  <a:schemeClr val="lt2"/>
+                </a:solidFill>
+                <a:latin typeface="Roboto"/>
+                <a:ea typeface="Roboto"/>
+                <a:cs typeface="Roboto"/>
+                <a:sym typeface="Roboto"/>
+              </a:defRPr>
+            </a:lvl5pPr>
+            <a:lvl6pPr marL="2743200" lvl="5" indent="-317500">
+              <a:lnSpc>
+                <a:spcPct val="115000"/>
+              </a:lnSpc>
+              <a:spcBef>
+                <a:spcPts val="1600"/>
+              </a:spcBef>
+              <a:spcAft>
+                <a:spcPts val="0"/>
+              </a:spcAft>
+              <a:buClr>
+                <a:schemeClr val="lt2"/>
+              </a:buClr>
+              <a:buSzPts val="1400"/>
+              <a:buFont typeface="Roboto"/>
+              <a:buChar char="■"/>
+              <a:defRPr>
+                <a:solidFill>
+                  <a:schemeClr val="lt2"/>
+                </a:solidFill>
+                <a:latin typeface="Roboto"/>
+                <a:ea typeface="Roboto"/>
+                <a:cs typeface="Roboto"/>
+                <a:sym typeface="Roboto"/>
+              </a:defRPr>
+            </a:lvl6pPr>
+            <a:lvl7pPr marL="3200400" lvl="6" indent="-317500">
+              <a:lnSpc>
+                <a:spcPct val="115000"/>
+              </a:lnSpc>
+              <a:spcBef>
+                <a:spcPts val="1600"/>
+              </a:spcBef>
+              <a:spcAft>
+                <a:spcPts val="0"/>
+              </a:spcAft>
+              <a:buClr>
+                <a:schemeClr val="lt2"/>
+              </a:buClr>
+              <a:buSzPts val="1400"/>
+              <a:buFont typeface="Roboto"/>
+              <a:buChar char="●"/>
+              <a:defRPr>
+                <a:solidFill>
+                  <a:schemeClr val="lt2"/>
+                </a:solidFill>
+                <a:latin typeface="Roboto"/>
+                <a:ea typeface="Roboto"/>
+                <a:cs typeface="Roboto"/>
+                <a:sym typeface="Roboto"/>
+              </a:defRPr>
+            </a:lvl7pPr>
+            <a:lvl8pPr marL="3657600" lvl="7" indent="-317500">
+              <a:lnSpc>
+                <a:spcPct val="115000"/>
+              </a:lnSpc>
+              <a:spcBef>
+                <a:spcPts val="1600"/>
+              </a:spcBef>
+              <a:spcAft>
+                <a:spcPts val="0"/>
+              </a:spcAft>
+              <a:buClr>
+                <a:schemeClr val="lt2"/>
+              </a:buClr>
+              <a:buSzPts val="1400"/>
+              <a:buFont typeface="Roboto"/>
+              <a:buChar char="○"/>
+              <a:defRPr>
+                <a:solidFill>
+                  <a:schemeClr val="lt2"/>
+                </a:solidFill>
+                <a:latin typeface="Roboto"/>
+                <a:ea typeface="Roboto"/>
+                <a:cs typeface="Roboto"/>
+                <a:sym typeface="Roboto"/>
+              </a:defRPr>
+            </a:lvl8pPr>
+            <a:lvl9pPr marL="4114800" lvl="8" indent="-317500">
+              <a:lnSpc>
+                <a:spcPct val="115000"/>
+              </a:lnSpc>
+              <a:spcBef>
+                <a:spcPts val="1600"/>
+              </a:spcBef>
+              <a:spcAft>
+                <a:spcPts val="1600"/>
+              </a:spcAft>
+              <a:buClr>
+                <a:schemeClr val="lt2"/>
+              </a:buClr>
+              <a:buSzPts val="1400"/>
+              <a:buFont typeface="Roboto"/>
+              <a:buChar char="■"/>
+              <a:defRPr>
+                <a:solidFill>
+                  <a:schemeClr val="lt2"/>
+                </a:solidFill>
+                <a:latin typeface="Roboto"/>
+                <a:ea typeface="Roboto"/>
+                <a:cs typeface="Roboto"/>
+                <a:sym typeface="Roboto"/>
+              </a:defRPr>
+            </a:lvl9pPr>
+          </a:lstStyle>
+          <a:p>
+            <a:endParaRPr/>
+          </a:p>
+        </p:txBody>
+      </p:sp>
+      <p:sp>
+        <p:nvSpPr>
+          <p:cNvPr id="8" name="Google Shape;8;p1"/>
+          <p:cNvSpPr txBox="1">
+            <a:spLocks noGrp="1"/>
+          </p:cNvSpPr>
+          <p:nvPr>
+            <p:ph type="sldNum" idx="12"/>
+          </p:nvPr>
+        </p:nvSpPr>
+        <p:spPr>
+          <a:xfrm>
+            <a:off x="8523541" y="4695623"/>
+            <a:ext cx="548700" cy="393600"/>
+          </a:xfrm>
+          <a:prstGeom prst="rect">
+            <a:avLst/>
+          </a:prstGeom>
+          <a:noFill/>
+          <a:ln>
+            <a:noFill/>
+          </a:ln>
+        </p:spPr>
+        <p:txBody>
+          <a:bodyPr spcFirstLastPara="1" wrap="square" lIns="91425" tIns="91425" rIns="91425" bIns="91425" anchor="ctr" anchorCtr="0">
+            <a:noAutofit/>
+          </a:bodyPr>
+          <a:lstStyle>
+            <a:lvl1pPr lvl="0" algn="r">
+              <a:buNone/>
+              <a:defRPr sz="1000">
+                <a:solidFill>
+                  <a:schemeClr val="lt2"/>
+                </a:solidFill>
+                <a:latin typeface="Roboto"/>
+                <a:ea typeface="Roboto"/>
+                <a:cs typeface="Roboto"/>
+                <a:sym typeface="Roboto"/>
+              </a:defRPr>
+            </a:lvl1pPr>
+            <a:lvl2pPr lvl="1" algn="r">
+              <a:buNone/>
+              <a:defRPr sz="1000">
+                <a:solidFill>
+                  <a:schemeClr val="lt2"/>
+                </a:solidFill>
+                <a:latin typeface="Roboto"/>
+                <a:ea typeface="Roboto"/>
+                <a:cs typeface="Roboto"/>
+                <a:sym typeface="Roboto"/>
+              </a:defRPr>
+            </a:lvl2pPr>
+            <a:lvl3pPr lvl="2" algn="r">
+              <a:buNone/>
+              <a:defRPr sz="1000">
+                <a:solidFill>
+                  <a:schemeClr val="lt2"/>
+                </a:solidFill>
+                <a:latin typeface="Roboto"/>
+                <a:ea typeface="Roboto"/>
+                <a:cs typeface="Roboto"/>
+                <a:sym typeface="Roboto"/>
+              </a:defRPr>
+            </a:lvl3pPr>
+            <a:lvl4pPr lvl="3" algn="r">
+              <a:buNone/>
+              <a:defRPr sz="1000">
+                <a:solidFill>
+                  <a:schemeClr val="lt2"/>
+                </a:solidFill>
+                <a:latin typeface="Roboto"/>
+                <a:ea typeface="Roboto"/>
+                <a:cs typeface="Roboto"/>
+                <a:sym typeface="Roboto"/>
+              </a:defRPr>
+            </a:lvl4pPr>
+            <a:lvl5pPr lvl="4" algn="r">
+              <a:buNone/>
+              <a:defRPr sz="1000">
+                <a:solidFill>
+                  <a:schemeClr val="lt2"/>
+                </a:solidFill>
+                <a:latin typeface="Roboto"/>
+                <a:ea typeface="Roboto"/>
+                <a:cs typeface="Roboto"/>
+                <a:sym typeface="Roboto"/>
+              </a:defRPr>
+            </a:lvl5pPr>
+            <a:lvl6pPr lvl="5" algn="r">
+              <a:buNone/>
+              <a:defRPr sz="1000">
+                <a:solidFill>
+                  <a:schemeClr val="lt2"/>
+                </a:solidFill>
+                <a:latin typeface="Roboto"/>
+                <a:ea typeface="Roboto"/>
+                <a:cs typeface="Roboto"/>
+                <a:sym typeface="Roboto"/>
+              </a:defRPr>
+            </a:lvl6pPr>
+            <a:lvl7pPr lvl="6" algn="r">
+              <a:buNone/>
+              <a:defRPr sz="1000">
+                <a:solidFill>
+                  <a:schemeClr val="lt2"/>
+                </a:solidFill>
+                <a:latin typeface="Roboto"/>
+                <a:ea typeface="Roboto"/>
+                <a:cs typeface="Roboto"/>
+                <a:sym typeface="Roboto"/>
+              </a:defRPr>
+            </a:lvl7pPr>
+            <a:lvl8pPr lvl="7" algn="r">
+              <a:buNone/>
+              <a:defRPr sz="1000">
+                <a:solidFill>
+                  <a:schemeClr val="lt2"/>
+                </a:solidFill>
+                <a:latin typeface="Roboto"/>
+                <a:ea typeface="Roboto"/>
+                <a:cs typeface="Roboto"/>
+                <a:sym typeface="Roboto"/>
+              </a:defRPr>
+            </a:lvl8pPr>
+            <a:lvl9pPr lvl="8" algn="r">
+              <a:buNone/>
+              <a:defRPr sz="1000">
+                <a:solidFill>
+                  <a:schemeClr val="lt2"/>
+                </a:solidFill>
+                <a:latin typeface="Roboto"/>
+                <a:ea typeface="Roboto"/>
+                <a:cs typeface="Roboto"/>
+                <a:sym typeface="Roboto"/>
+              </a:defRPr>
+            </a:lvl9pPr>
+          </a:lstStyle>
+          <a:p>
+            <a:pPr marL="0" lvl="0" indent="0" algn="r" rtl="0">
               <a:spcBef>
                 <a:spcPts val="0"/>
               </a:spcBef>
@@ -7689,7 +7952,7 @@
       </p:sp>
     </p:spTree>
   </p:cSld>
-  <p:clrMap accent1="accent1" accent2="accent2" accent3="accent3" accent4="accent4" accent5="accent5" accent6="accent6" bg1="lt1" bg2="dk2" tx1="dk1" tx2="lt2" folHlink="folHlink" hlink="hlink"/>
+  <p:clrMap bg1="lt1" tx1="dk1" bg2="dk2" tx2="lt2" accent1="accent1" accent2="accent2" accent3="accent3" accent4="accent4" accent5="accent5" accent6="accent6" hlink="hlink" folHlink="folHlink"/>
   <p:sldLayoutIdLst>
     <p:sldLayoutId id="2147483648" r:id="rId1"/>
     <p:sldLayoutId id="2147483649" r:id="rId2"/>
@@ -7703,10 +7966,10 @@
     <p:sldLayoutId id="2147483657" r:id="rId10"/>
     <p:sldLayoutId id="2147483658" r:id="rId11"/>
   </p:sldLayoutIdLst>
-  <p:hf dt="0" ftr="0" hdr="0" sldNum="0"/>
+  <p:hf sldNum="0" hdr="0" ftr="0" dt="0"/>
   <p:txStyles>
     <p:titleStyle>
-      <a:defPPr lvl="0" marR="0" rtl="0" algn="l">
+      <a:defPPr marR="0" lvl="0" algn="l" rtl="0">
         <a:lnSpc>
           <a:spcPct val="100000"/>
         </a:lnSpc>
@@ -7717,7 +7980,7 @@
           <a:spcPts val="0"/>
         </a:spcAft>
       </a:defPPr>
-      <a:lvl1pPr lvl="0" marR="0" rtl="0" algn="l">
+      <a:lvl1pPr marR="0" lvl="0" algn="l" rtl="0">
         <a:lnSpc>
           <a:spcPct val="100000"/>
         </a:lnSpc>
@@ -7731,7 +7994,7 @@
           <a:srgbClr val="000000"/>
         </a:buClr>
         <a:buFont typeface="Arial"/>
-        <a:defRPr b="0" i="0" sz="1400" u="none" cap="none" strike="noStrike">
+        <a:defRPr sz="1400" b="0" i="0" u="none" strike="noStrike" cap="none">
           <a:solidFill>
             <a:srgbClr val="000000"/>
           </a:solidFill>
@@ -7741,7 +8004,7 @@
           <a:sym typeface="Arial"/>
         </a:defRPr>
       </a:lvl1pPr>
-      <a:lvl2pPr lvl="1" marR="0" rtl="0" algn="l">
+      <a:lvl2pPr marR="0" lvl="1" algn="l" rtl="0">
         <a:lnSpc>
           <a:spcPct val="100000"/>
         </a:lnSpc>
@@ -7755,7 +8018,7 @@
           <a:srgbClr val="000000"/>
         </a:buClr>
         <a:buFont typeface="Arial"/>
-        <a:defRPr b="0" i="0" sz="1400" u="none" cap="none" strike="noStrike">
+        <a:defRPr sz="1400" b="0" i="0" u="none" strike="noStrike" cap="none">
           <a:solidFill>
             <a:srgbClr val="000000"/>
           </a:solidFill>
@@ -7765,7 +8028,7 @@
           <a:sym typeface="Arial"/>
         </a:defRPr>
       </a:lvl2pPr>
-      <a:lvl3pPr lvl="2" marR="0" rtl="0" algn="l">
+      <a:lvl3pPr marR="0" lvl="2" algn="l" rtl="0">
         <a:lnSpc>
           <a:spcPct val="100000"/>
         </a:lnSpc>
@@ -7779,7 +8042,7 @@
           <a:srgbClr val="000000"/>
         </a:buClr>
         <a:buFont typeface="Arial"/>
-        <a:defRPr b="0" i="0" sz="1400" u="none" cap="none" strike="noStrike">
+        <a:defRPr sz="1400" b="0" i="0" u="none" strike="noStrike" cap="none">
           <a:solidFill>
             <a:srgbClr val="000000"/>
           </a:solidFill>
@@ -7789,7 +8052,7 @@
           <a:sym typeface="Arial"/>
         </a:defRPr>
       </a:lvl3pPr>
-      <a:lvl4pPr lvl="3" marR="0" rtl="0" algn="l">
+      <a:lvl4pPr marR="0" lvl="3" algn="l" rtl="0">
         <a:lnSpc>
           <a:spcPct val="100000"/>
         </a:lnSpc>
@@ -7803,7 +8066,7 @@
           <a:srgbClr val="000000"/>
         </a:buClr>
         <a:buFont typeface="Arial"/>
-        <a:defRPr b="0" i="0" sz="1400" u="none" cap="none" strike="noStrike">
+        <a:defRPr sz="1400" b="0" i="0" u="none" strike="noStrike" cap="none">
           <a:solidFill>
             <a:srgbClr val="000000"/>
           </a:solidFill>
@@ -7813,7 +8076,7 @@
           <a:sym typeface="Arial"/>
         </a:defRPr>
       </a:lvl4pPr>
-      <a:lvl5pPr lvl="4" marR="0" rtl="0" algn="l">
+      <a:lvl5pPr marR="0" lvl="4" algn="l" rtl="0">
         <a:lnSpc>
           <a:spcPct val="100000"/>
         </a:lnSpc>
@@ -7827,7 +8090,7 @@
           <a:srgbClr val="000000"/>
         </a:buClr>
         <a:buFont typeface="Arial"/>
-        <a:defRPr b="0" i="0" sz="1400" u="none" cap="none" strike="noStrike">
+        <a:defRPr sz="1400" b="0" i="0" u="none" strike="noStrike" cap="none">
           <a:solidFill>
             <a:srgbClr val="000000"/>
           </a:solidFill>
@@ -7837,7 +8100,7 @@
           <a:sym typeface="Arial"/>
         </a:defRPr>
       </a:lvl5pPr>
-      <a:lvl6pPr lvl="5" marR="0" rtl="0" algn="l">
+      <a:lvl6pPr marR="0" lvl="5" algn="l" rtl="0">
         <a:lnSpc>
           <a:spcPct val="100000"/>
         </a:lnSpc>
@@ -7851,7 +8114,7 @@
           <a:srgbClr val="000000"/>
         </a:buClr>
         <a:buFont typeface="Arial"/>
-        <a:defRPr b="0" i="0" sz="1400" u="none" cap="none" strike="noStrike">
+        <a:defRPr sz="1400" b="0" i="0" u="none" strike="noStrike" cap="none">
           <a:solidFill>
             <a:srgbClr val="000000"/>
           </a:solidFill>
@@ -7861,7 +8124,7 @@
           <a:sym typeface="Arial"/>
         </a:defRPr>
       </a:lvl6pPr>
-      <a:lvl7pPr lvl="6" marR="0" rtl="0" algn="l">
+      <a:lvl7pPr marR="0" lvl="6" algn="l" rtl="0">
         <a:lnSpc>
           <a:spcPct val="100000"/>
         </a:lnSpc>
@@ -7875,7 +8138,7 @@
           <a:srgbClr val="000000"/>
         </a:buClr>
         <a:buFont typeface="Arial"/>
-        <a:defRPr b="0" i="0" sz="1400" u="none" cap="none" strike="noStrike">
+        <a:defRPr sz="1400" b="0" i="0" u="none" strike="noStrike" cap="none">
           <a:solidFill>
             <a:srgbClr val="000000"/>
           </a:solidFill>
@@ -7885,7 +8148,7 @@
           <a:sym typeface="Arial"/>
         </a:defRPr>
       </a:lvl7pPr>
-      <a:lvl8pPr lvl="7" marR="0" rtl="0" algn="l">
+      <a:lvl8pPr marR="0" lvl="7" algn="l" rtl="0">
         <a:lnSpc>
           <a:spcPct val="100000"/>
         </a:lnSpc>
@@ -7899,7 +8162,7 @@
           <a:srgbClr val="000000"/>
         </a:buClr>
         <a:buFont typeface="Arial"/>
-        <a:defRPr b="0" i="0" sz="1400" u="none" cap="none" strike="noStrike">
+        <a:defRPr sz="1400" b="0" i="0" u="none" strike="noStrike" cap="none">
           <a:solidFill>
             <a:srgbClr val="000000"/>
           </a:solidFill>
@@ -7909,7 +8172,7 @@
           <a:sym typeface="Arial"/>
         </a:defRPr>
       </a:lvl8pPr>
-      <a:lvl9pPr lvl="8" marR="0" rtl="0" algn="l">
+      <a:lvl9pPr marR="0" lvl="8" algn="l" rtl="0">
         <a:lnSpc>
           <a:spcPct val="100000"/>
         </a:lnSpc>
@@ -7923,7 +8186,7 @@
           <a:srgbClr val="000000"/>
         </a:buClr>
         <a:buFont typeface="Arial"/>
-        <a:defRPr b="0" i="0" sz="1400" u="none" cap="none" strike="noStrike">
+        <a:defRPr sz="1400" b="0" i="0" u="none" strike="noStrike" cap="none">
           <a:solidFill>
             <a:srgbClr val="000000"/>
           </a:solidFill>
@@ -7935,7 +8198,7 @@
       </a:lvl9pPr>
     </p:titleStyle>
     <p:bodyStyle>
-      <a:defPPr lvl="0" marR="0" rtl="0" algn="l">
+      <a:defPPr marR="0" lvl="0" algn="l" rtl="0">
         <a:lnSpc>
           <a:spcPct val="100000"/>
         </a:lnSpc>
@@ -7946,7 +8209,7 @@
           <a:spcPts val="0"/>
         </a:spcAft>
       </a:defPPr>
-      <a:lvl1pPr lvl="0" marR="0" rtl="0" algn="l">
+      <a:lvl1pPr marR="0" lvl="0" algn="l" rtl="0">
         <a:lnSpc>
           <a:spcPct val="100000"/>
         </a:lnSpc>
@@ -7960,7 +8223,7 @@
           <a:srgbClr val="000000"/>
         </a:buClr>
         <a:buFont typeface="Arial"/>
-        <a:defRPr b="0" i="0" sz="1400" u="none" cap="none" strike="noStrike">
+        <a:defRPr sz="1400" b="0" i="0" u="none" strike="noStrike" cap="none">
           <a:solidFill>
             <a:srgbClr val="000000"/>
           </a:solidFill>
@@ -7970,7 +8233,7 @@
           <a:sym typeface="Arial"/>
         </a:defRPr>
       </a:lvl1pPr>
-      <a:lvl2pPr lvl="1" marR="0" rtl="0" algn="l">
+      <a:lvl2pPr marR="0" lvl="1" algn="l" rtl="0">
         <a:lnSpc>
           <a:spcPct val="100000"/>
         </a:lnSpc>
@@ -7984,7 +8247,7 @@
           <a:srgbClr val="000000"/>
         </a:buClr>
         <a:buFont typeface="Arial"/>
-        <a:defRPr b="0" i="0" sz="1400" u="none" cap="none" strike="noStrike">
+        <a:defRPr sz="1400" b="0" i="0" u="none" strike="noStrike" cap="none">
           <a:solidFill>
             <a:srgbClr val="000000"/>
           </a:solidFill>
@@ -7994,7 +8257,7 @@
           <a:sym typeface="Arial"/>
         </a:defRPr>
       </a:lvl2pPr>
-      <a:lvl3pPr lvl="2" marR="0" rtl="0" algn="l">
+      <a:lvl3pPr marR="0" lvl="2" algn="l" rtl="0">
         <a:lnSpc>
           <a:spcPct val="100000"/>
         </a:lnSpc>
@@ -8008,7 +8271,7 @@
           <a:srgbClr val="000000"/>
         </a:buClr>
         <a:buFont typeface="Arial"/>
-        <a:defRPr b="0" i="0" sz="1400" u="none" cap="none" strike="noStrike">
+        <a:defRPr sz="1400" b="0" i="0" u="none" strike="noStrike" cap="none">
           <a:solidFill>
             <a:srgbClr val="000000"/>
           </a:solidFill>
@@ -8018,7 +8281,7 @@
           <a:sym typeface="Arial"/>
         </a:defRPr>
       </a:lvl3pPr>
-      <a:lvl4pPr lvl="3" marR="0" rtl="0" algn="l">
+      <a:lvl4pPr marR="0" lvl="3" algn="l" rtl="0">
         <a:lnSpc>
           <a:spcPct val="100000"/>
         </a:lnSpc>
@@ -8032,7 +8295,7 @@
           <a:srgbClr val="000000"/>
         </a:buClr>
         <a:buFont typeface="Arial"/>
-        <a:defRPr b="0" i="0" sz="1400" u="none" cap="none" strike="noStrike">
+        <a:defRPr sz="1400" b="0" i="0" u="none" strike="noStrike" cap="none">
           <a:solidFill>
             <a:srgbClr val="000000"/>
           </a:solidFill>
@@ -8042,7 +8305,7 @@
           <a:sym typeface="Arial"/>
         </a:defRPr>
       </a:lvl4pPr>
-      <a:lvl5pPr lvl="4" marR="0" rtl="0" algn="l">
+      <a:lvl5pPr marR="0" lvl="4" algn="l" rtl="0">
         <a:lnSpc>
           <a:spcPct val="100000"/>
         </a:lnSpc>
@@ -8056,7 +8319,7 @@
           <a:srgbClr val="000000"/>
         </a:buClr>
         <a:buFont typeface="Arial"/>
-        <a:defRPr b="0" i="0" sz="1400" u="none" cap="none" strike="noStrike">
+        <a:defRPr sz="1400" b="0" i="0" u="none" strike="noStrike" cap="none">
           <a:solidFill>
             <a:srgbClr val="000000"/>
           </a:solidFill>
@@ -8066,7 +8329,7 @@
           <a:sym typeface="Arial"/>
         </a:defRPr>
       </a:lvl5pPr>
-      <a:lvl6pPr lvl="5" marR="0" rtl="0" algn="l">
+      <a:lvl6pPr marR="0" lvl="5" algn="l" rtl="0">
         <a:lnSpc>
           <a:spcPct val="100000"/>
         </a:lnSpc>
@@ -8080,7 +8343,7 @@
           <a:srgbClr val="000000"/>
         </a:buClr>
         <a:buFont typeface="Arial"/>
-        <a:defRPr b="0" i="0" sz="1400" u="none" cap="none" strike="noStrike">
+        <a:defRPr sz="1400" b="0" i="0" u="none" strike="noStrike" cap="none">
           <a:solidFill>
             <a:srgbClr val="000000"/>
           </a:solidFill>
@@ -8090,7 +8353,7 @@
           <a:sym typeface="Arial"/>
         </a:defRPr>
       </a:lvl6pPr>
-      <a:lvl7pPr lvl="6" marR="0" rtl="0" algn="l">
+      <a:lvl7pPr marR="0" lvl="6" algn="l" rtl="0">
         <a:lnSpc>
           <a:spcPct val="100000"/>
         </a:lnSpc>
@@ -8104,7 +8367,7 @@
           <a:srgbClr val="000000"/>
         </a:buClr>
         <a:buFont typeface="Arial"/>
-        <a:defRPr b="0" i="0" sz="1400" u="none" cap="none" strike="noStrike">
+        <a:defRPr sz="1400" b="0" i="0" u="none" strike="noStrike" cap="none">
           <a:solidFill>
             <a:srgbClr val="000000"/>
           </a:solidFill>
@@ -8114,7 +8377,7 @@
           <a:sym typeface="Arial"/>
         </a:defRPr>
       </a:lvl7pPr>
-      <a:lvl8pPr lvl="7" marR="0" rtl="0" algn="l">
+      <a:lvl8pPr marR="0" lvl="7" algn="l" rtl="0">
         <a:lnSpc>
           <a:spcPct val="100000"/>
         </a:lnSpc>
@@ -8128,7 +8391,7 @@
           <a:srgbClr val="000000"/>
         </a:buClr>
         <a:buFont typeface="Arial"/>
-        <a:defRPr b="0" i="0" sz="1400" u="none" cap="none" strike="noStrike">
+        <a:defRPr sz="1400" b="0" i="0" u="none" strike="noStrike" cap="none">
           <a:solidFill>
             <a:srgbClr val="000000"/>
           </a:solidFill>
@@ -8138,7 +8401,7 @@
           <a:sym typeface="Arial"/>
         </a:defRPr>
       </a:lvl8pPr>
-      <a:lvl9pPr lvl="8" marR="0" rtl="0" algn="l">
+      <a:lvl9pPr marR="0" lvl="8" algn="l" rtl="0">
         <a:lnSpc>
           <a:spcPct val="100000"/>
         </a:lnSpc>
@@ -8152,7 +8415,7 @@
           <a:srgbClr val="000000"/>
         </a:buClr>
         <a:buFont typeface="Arial"/>
-        <a:defRPr b="0" i="0" sz="1400" u="none" cap="none" strike="noStrike">
+        <a:defRPr sz="1400" b="0" i="0" u="none" strike="noStrike" cap="none">
           <a:solidFill>
             <a:srgbClr val="000000"/>
           </a:solidFill>
@@ -8164,7 +8427,7 @@
       </a:lvl9pPr>
     </p:bodyStyle>
     <p:otherStyle>
-      <a:defPPr lvl="0" marR="0" rtl="0" algn="l">
+      <a:defPPr marR="0" lvl="0" algn="l" rtl="0">
         <a:lnSpc>
           <a:spcPct val="100000"/>
         </a:lnSpc>
@@ -8175,7 +8438,7 @@
           <a:spcPts val="0"/>
         </a:spcAft>
       </a:defPPr>
-      <a:lvl1pPr lvl="0" marR="0" rtl="0" algn="l">
+      <a:lvl1pPr marR="0" lvl="0" algn="l" rtl="0">
         <a:lnSpc>
           <a:spcPct val="100000"/>
         </a:lnSpc>
@@ -8189,7 +8452,7 @@
           <a:srgbClr val="000000"/>
         </a:buClr>
         <a:buFont typeface="Arial"/>
-        <a:defRPr b="0" i="0" sz="1400" u="none" cap="none" strike="noStrike">
+        <a:defRPr sz="1400" b="0" i="0" u="none" strike="noStrike" cap="none">
           <a:solidFill>
             <a:srgbClr val="000000"/>
           </a:solidFill>
@@ -8199,7 +8462,7 @@
           <a:sym typeface="Arial"/>
         </a:defRPr>
       </a:lvl1pPr>
-      <a:lvl2pPr lvl="1" marR="0" rtl="0" algn="l">
+      <a:lvl2pPr marR="0" lvl="1" algn="l" rtl="0">
         <a:lnSpc>
           <a:spcPct val="100000"/>
         </a:lnSpc>
@@ -8213,7 +8476,7 @@
           <a:srgbClr val="000000"/>
         </a:buClr>
         <a:buFont typeface="Arial"/>
-        <a:defRPr b="0" i="0" sz="1400" u="none" cap="none" strike="noStrike">
+        <a:defRPr sz="1400" b="0" i="0" u="none" strike="noStrike" cap="none">
           <a:solidFill>
             <a:srgbClr val="000000"/>
           </a:solidFill>
@@ -8223,7 +8486,7 @@
           <a:sym typeface="Arial"/>
         </a:defRPr>
       </a:lvl2pPr>
-      <a:lvl3pPr lvl="2" marR="0" rtl="0" algn="l">
+      <a:lvl3pPr marR="0" lvl="2" algn="l" rtl="0">
         <a:lnSpc>
           <a:spcPct val="100000"/>
         </a:lnSpc>
@@ -8237,7 +8500,7 @@
           <a:srgbClr val="000000"/>
         </a:buClr>
         <a:buFont typeface="Arial"/>
-        <a:defRPr b="0" i="0" sz="1400" u="none" cap="none" strike="noStrike">
+        <a:defRPr sz="1400" b="0" i="0" u="none" strike="noStrike" cap="none">
           <a:solidFill>
             <a:srgbClr val="000000"/>
           </a:solidFill>
@@ -8247,7 +8510,7 @@
           <a:sym typeface="Arial"/>
         </a:defRPr>
       </a:lvl3pPr>
-      <a:lvl4pPr lvl="3" marR="0" rtl="0" algn="l">
+      <a:lvl4pPr marR="0" lvl="3" algn="l" rtl="0">
         <a:lnSpc>
           <a:spcPct val="100000"/>
         </a:lnSpc>
@@ -8261,7 +8524,7 @@
           <a:srgbClr val="000000"/>
         </a:buClr>
         <a:buFont typeface="Arial"/>
-        <a:defRPr b="0" i="0" sz="1400" u="none" cap="none" strike="noStrike">
+        <a:defRPr sz="1400" b="0" i="0" u="none" strike="noStrike" cap="none">
           <a:solidFill>
             <a:srgbClr val="000000"/>
           </a:solidFill>
@@ -8271,7 +8534,7 @@
           <a:sym typeface="Arial"/>
         </a:defRPr>
       </a:lvl4pPr>
-      <a:lvl5pPr lvl="4" marR="0" rtl="0" algn="l">
+      <a:lvl5pPr marR="0" lvl="4" algn="l" rtl="0">
         <a:lnSpc>
           <a:spcPct val="100000"/>
         </a:lnSpc>
@@ -8285,7 +8548,7 @@
           <a:srgbClr val="000000"/>
         </a:buClr>
         <a:buFont typeface="Arial"/>
-        <a:defRPr b="0" i="0" sz="1400" u="none" cap="none" strike="noStrike">
+        <a:defRPr sz="1400" b="0" i="0" u="none" strike="noStrike" cap="none">
           <a:solidFill>
             <a:srgbClr val="000000"/>
           </a:solidFill>
@@ -8295,7 +8558,7 @@
           <a:sym typeface="Arial"/>
         </a:defRPr>
       </a:lvl5pPr>
-      <a:lvl6pPr lvl="5" marR="0" rtl="0" algn="l">
+      <a:lvl6pPr marR="0" lvl="5" algn="l" rtl="0">
         <a:lnSpc>
           <a:spcPct val="100000"/>
         </a:lnSpc>
@@ -8309,7 +8572,7 @@
           <a:srgbClr val="000000"/>
         </a:buClr>
         <a:buFont typeface="Arial"/>
-        <a:defRPr b="0" i="0" sz="1400" u="none" cap="none" strike="noStrike">
+        <a:defRPr sz="1400" b="0" i="0" u="none" strike="noStrike" cap="none">
           <a:solidFill>
             <a:srgbClr val="000000"/>
           </a:solidFill>
@@ -8319,7 +8582,7 @@
           <a:sym typeface="Arial"/>
         </a:defRPr>
       </a:lvl6pPr>
-      <a:lvl7pPr lvl="6" marR="0" rtl="0" algn="l">
+      <a:lvl7pPr marR="0" lvl="6" algn="l" rtl="0">
         <a:lnSpc>
           <a:spcPct val="100000"/>
         </a:lnSpc>
@@ -8333,7 +8596,7 @@
           <a:srgbClr val="000000"/>
         </a:buClr>
         <a:buFont typeface="Arial"/>
-        <a:defRPr b="0" i="0" sz="1400" u="none" cap="none" strike="noStrike">
+        <a:defRPr sz="1400" b="0" i="0" u="none" strike="noStrike" cap="none">
           <a:solidFill>
             <a:srgbClr val="000000"/>
           </a:solidFill>
@@ -8343,7 +8606,7 @@
           <a:sym typeface="Arial"/>
         </a:defRPr>
       </a:lvl7pPr>
-      <a:lvl8pPr lvl="7" marR="0" rtl="0" algn="l">
+      <a:lvl8pPr marR="0" lvl="7" algn="l" rtl="0">
         <a:lnSpc>
           <a:spcPct val="100000"/>
         </a:lnSpc>
@@ -8357,7 +8620,7 @@
           <a:srgbClr val="000000"/>
         </a:buClr>
         <a:buFont typeface="Arial"/>
-        <a:defRPr b="0" i="0" sz="1400" u="none" cap="none" strike="noStrike">
+        <a:defRPr sz="1400" b="0" i="0" u="none" strike="noStrike" cap="none">
           <a:solidFill>
             <a:srgbClr val="000000"/>
           </a:solidFill>
@@ -8367,7 +8630,7 @@
           <a:sym typeface="Arial"/>
         </a:defRPr>
       </a:lvl8pPr>
-      <a:lvl9pPr lvl="8" marR="0" rtl="0" algn="l">
+      <a:lvl9pPr marR="0" lvl="8" algn="l" rtl="0">
         <a:lnSpc>
           <a:spcPct val="100000"/>
         </a:lnSpc>
@@ -8381,7 +8644,7 @@
           <a:srgbClr val="000000"/>
         </a:buClr>
         <a:buFont typeface="Arial"/>
-        <a:defRPr b="0" i="0" sz="1400" u="none" cap="none" strike="noStrike">
+        <a:defRPr sz="1400" b="0" i="0" u="none" strike="noStrike" cap="none">
           <a:solidFill>
             <a:srgbClr val="000000"/>
           </a:solidFill>
@@ -8397,11 +8660,11 @@
 </file>
 
 <file path=ppt/slides/slide1.xml><?xml version="1.0" encoding="utf-8"?>
-<p:sld xmlns:a="http://schemas.openxmlformats.org/drawingml/2006/main" xmlns:r="http://schemas.openxmlformats.org/officeDocument/2006/relationships" xmlns:mc="http://schemas.openxmlformats.org/markup-compatibility/2006" xmlns:mv="urn:schemas-microsoft-com:mac:vml" xmlns:p="http://schemas.openxmlformats.org/presentationml/2006/main" xmlns:c="http://schemas.openxmlformats.org/drawingml/2006/chart" xmlns:dgm="http://schemas.openxmlformats.org/drawingml/2006/diagram" xmlns:o="urn:schemas-microsoft-com:office:office" xmlns:v="urn:schemas-microsoft-com:vml" xmlns:pvml="urn:schemas-microsoft-com:office:powerpoint" xmlns:com="http://schemas.openxmlformats.org/drawingml/2006/compatibility" xmlns:p14="http://schemas.microsoft.com/office/powerpoint/2010/main" xmlns:p15="http://schemas.microsoft.com/office/powerpoint/2012/main">
+<p:sld xmlns:a="http://schemas.openxmlformats.org/drawingml/2006/main" xmlns:r="http://schemas.openxmlformats.org/officeDocument/2006/relationships" xmlns:p="http://schemas.openxmlformats.org/presentationml/2006/main">
   <p:cSld>
     <p:spTree>
       <p:nvGrpSpPr>
-        <p:cNvPr id="66" name="Shape 66"/>
+        <p:cNvPr id="1" name="Shape 66"/>
         <p:cNvGrpSpPr/>
         <p:nvPr/>
       </p:nvGrpSpPr>
@@ -8416,7 +8679,9 @@
       <p:sp>
         <p:nvSpPr>
           <p:cNvPr id="67" name="Google Shape;67;p13"/>
-          <p:cNvSpPr txBox="1"/>
+          <p:cNvSpPr txBox="1">
+            <a:spLocks noGrp="1"/>
+          </p:cNvSpPr>
           <p:nvPr>
             <p:ph type="ctrTitle"/>
           </p:nvPr>
@@ -8431,12 +8696,12 @@
           </a:prstGeom>
         </p:spPr>
         <p:txBody>
-          <a:bodyPr anchorCtr="0" anchor="b" bIns="91425" lIns="91425" spcFirstLastPara="1" rIns="91425" wrap="square" tIns="91425">
+          <a:bodyPr spcFirstLastPara="1" wrap="square" lIns="91425" tIns="91425" rIns="91425" bIns="91425" anchor="b" anchorCtr="0">
             <a:noAutofit/>
           </a:bodyPr>
           <a:lstStyle/>
           <a:p>
-            <a:pPr indent="0" lvl="0" marL="0" rtl="0" algn="l">
+            <a:pPr marL="0" lvl="0" indent="0" algn="l" rtl="0">
               <a:spcBef>
                 <a:spcPts val="0"/>
               </a:spcBef>
@@ -8456,9 +8721,11 @@
       <p:sp>
         <p:nvSpPr>
           <p:cNvPr id="68" name="Google Shape;68;p13"/>
-          <p:cNvSpPr txBox="1"/>
+          <p:cNvSpPr txBox="1">
+            <a:spLocks noGrp="1"/>
+          </p:cNvSpPr>
           <p:nvPr>
-            <p:ph idx="1" type="subTitle"/>
+            <p:ph type="subTitle" idx="1"/>
           </p:nvPr>
         </p:nvSpPr>
         <p:spPr>
@@ -8471,12 +8738,12 @@
           </a:prstGeom>
         </p:spPr>
         <p:txBody>
-          <a:bodyPr anchorCtr="0" anchor="t" bIns="91425" lIns="91425" spcFirstLastPara="1" rIns="91425" wrap="square" tIns="91425">
+          <a:bodyPr spcFirstLastPara="1" wrap="square" lIns="91425" tIns="91425" rIns="91425" bIns="91425" anchor="t" anchorCtr="0">
             <a:noAutofit/>
           </a:bodyPr>
           <a:lstStyle/>
           <a:p>
-            <a:pPr indent="0" lvl="0" marL="0" rtl="0" algn="l">
+            <a:pPr marL="0" lvl="0" indent="0" algn="l" rtl="0">
               <a:spcBef>
                 <a:spcPts val="0"/>
               </a:spcBef>
@@ -8502,11 +8769,11 @@
 </file>
 
 <file path=ppt/slides/slide10.xml><?xml version="1.0" encoding="utf-8"?>
-<p:sld xmlns:a="http://schemas.openxmlformats.org/drawingml/2006/main" xmlns:r="http://schemas.openxmlformats.org/officeDocument/2006/relationships" xmlns:mc="http://schemas.openxmlformats.org/markup-compatibility/2006" xmlns:mv="urn:schemas-microsoft-com:mac:vml" xmlns:p="http://schemas.openxmlformats.org/presentationml/2006/main" xmlns:c="http://schemas.openxmlformats.org/drawingml/2006/chart" xmlns:dgm="http://schemas.openxmlformats.org/drawingml/2006/diagram" xmlns:o="urn:schemas-microsoft-com:office:office" xmlns:v="urn:schemas-microsoft-com:vml" xmlns:pvml="urn:schemas-microsoft-com:office:powerpoint" xmlns:com="http://schemas.openxmlformats.org/drawingml/2006/compatibility" xmlns:p14="http://schemas.microsoft.com/office/powerpoint/2010/main" xmlns:p15="http://schemas.microsoft.com/office/powerpoint/2012/main">
+<p:sld xmlns:a="http://schemas.openxmlformats.org/drawingml/2006/main" xmlns:r="http://schemas.openxmlformats.org/officeDocument/2006/relationships" xmlns:p="http://schemas.openxmlformats.org/presentationml/2006/main">
   <p:cSld>
     <p:spTree>
       <p:nvGrpSpPr>
-        <p:cNvPr id="123" name="Shape 123"/>
+        <p:cNvPr id="1" name="Shape 123"/>
         <p:cNvGrpSpPr/>
         <p:nvPr/>
       </p:nvGrpSpPr>
@@ -8521,7 +8788,9 @@
       <p:sp>
         <p:nvSpPr>
           <p:cNvPr id="124" name="Google Shape;124;p22"/>
-          <p:cNvSpPr txBox="1"/>
+          <p:cNvSpPr txBox="1">
+            <a:spLocks noGrp="1"/>
+          </p:cNvSpPr>
           <p:nvPr>
             <p:ph type="ctrTitle"/>
           </p:nvPr>
@@ -8536,12 +8805,12 @@
           </a:prstGeom>
         </p:spPr>
         <p:txBody>
-          <a:bodyPr anchorCtr="0" anchor="b" bIns="91425" lIns="91425" spcFirstLastPara="1" rIns="91425" wrap="square" tIns="91425">
+          <a:bodyPr spcFirstLastPara="1" wrap="square" lIns="91425" tIns="91425" rIns="91425" bIns="91425" anchor="b" anchorCtr="0">
             <a:noAutofit/>
           </a:bodyPr>
           <a:lstStyle/>
           <a:p>
-            <a:pPr indent="0" lvl="0" marL="0" rtl="0" algn="l">
+            <a:pPr marL="0" lvl="0" indent="0" algn="l" rtl="0">
               <a:spcBef>
                 <a:spcPts val="0"/>
               </a:spcBef>
@@ -8567,11 +8836,11 @@
 </file>
 
 <file path=ppt/slides/slide11.xml><?xml version="1.0" encoding="utf-8"?>
-<p:sld xmlns:a="http://schemas.openxmlformats.org/drawingml/2006/main" xmlns:r="http://schemas.openxmlformats.org/officeDocument/2006/relationships" xmlns:mc="http://schemas.openxmlformats.org/markup-compatibility/2006" xmlns:mv="urn:schemas-microsoft-com:mac:vml" xmlns:p="http://schemas.openxmlformats.org/presentationml/2006/main" xmlns:c="http://schemas.openxmlformats.org/drawingml/2006/chart" xmlns:dgm="http://schemas.openxmlformats.org/drawingml/2006/diagram" xmlns:o="urn:schemas-microsoft-com:office:office" xmlns:v="urn:schemas-microsoft-com:vml" xmlns:pvml="urn:schemas-microsoft-com:office:powerpoint" xmlns:com="http://schemas.openxmlformats.org/drawingml/2006/compatibility" xmlns:p14="http://schemas.microsoft.com/office/powerpoint/2010/main" xmlns:p15="http://schemas.microsoft.com/office/powerpoint/2012/main">
+<p:sld xmlns:a="http://schemas.openxmlformats.org/drawingml/2006/main" xmlns:r="http://schemas.openxmlformats.org/officeDocument/2006/relationships" xmlns:p="http://schemas.openxmlformats.org/presentationml/2006/main">
   <p:cSld>
     <p:spTree>
       <p:nvGrpSpPr>
-        <p:cNvPr id="128" name="Shape 128"/>
+        <p:cNvPr id="1" name="Shape 128"/>
         <p:cNvGrpSpPr/>
         <p:nvPr/>
       </p:nvGrpSpPr>
@@ -8586,7 +8855,9 @@
       <p:sp>
         <p:nvSpPr>
           <p:cNvPr id="129" name="Google Shape;129;p23"/>
-          <p:cNvSpPr txBox="1"/>
+          <p:cNvSpPr txBox="1">
+            <a:spLocks noGrp="1"/>
+          </p:cNvSpPr>
           <p:nvPr>
             <p:ph type="title"/>
           </p:nvPr>
@@ -8601,12 +8872,12 @@
           </a:prstGeom>
         </p:spPr>
         <p:txBody>
-          <a:bodyPr anchorCtr="0" anchor="b" bIns="91425" lIns="91425" spcFirstLastPara="1" rIns="91425" wrap="square" tIns="91425">
+          <a:bodyPr spcFirstLastPara="1" wrap="square" lIns="91425" tIns="91425" rIns="91425" bIns="91425" anchor="b" anchorCtr="0">
             <a:noAutofit/>
           </a:bodyPr>
           <a:lstStyle/>
           <a:p>
-            <a:pPr indent="0" lvl="0" marL="0" rtl="0" algn="l">
+            <a:pPr marL="0" lvl="0" indent="0" algn="l" rtl="0">
               <a:spcBef>
                 <a:spcPts val="0"/>
               </a:spcBef>
@@ -8626,9 +8897,11 @@
       <p:sp>
         <p:nvSpPr>
           <p:cNvPr id="130" name="Google Shape;130;p23"/>
-          <p:cNvSpPr txBox="1"/>
+          <p:cNvSpPr txBox="1">
+            <a:spLocks noGrp="1"/>
+          </p:cNvSpPr>
           <p:nvPr>
-            <p:ph idx="1" type="body"/>
+            <p:ph type="body" idx="1"/>
           </p:nvPr>
         </p:nvSpPr>
         <p:spPr>
@@ -8641,12 +8914,12 @@
           </a:prstGeom>
         </p:spPr>
         <p:txBody>
-          <a:bodyPr anchorCtr="0" anchor="t" bIns="91425" lIns="91425" spcFirstLastPara="1" rIns="91425" wrap="square" tIns="91425">
+          <a:bodyPr spcFirstLastPara="1" wrap="square" lIns="91425" tIns="91425" rIns="91425" bIns="91425" anchor="t" anchorCtr="0">
             <a:noAutofit/>
           </a:bodyPr>
           <a:lstStyle/>
           <a:p>
-            <a:pPr indent="-342900" lvl="0" marL="457200" rtl="0" algn="l">
+            <a:pPr marL="457200" lvl="0" indent="-342900" algn="l" rtl="0">
               <a:spcBef>
                 <a:spcPts val="0"/>
               </a:spcBef>
@@ -8674,7 +8947,7 @@
             </a:endParaRPr>
           </a:p>
           <a:p>
-            <a:pPr indent="-342900" lvl="0" marL="457200" rtl="0" algn="l">
+            <a:pPr marL="457200" lvl="0" indent="-342900" algn="l" rtl="0">
               <a:spcBef>
                 <a:spcPts val="0"/>
               </a:spcBef>
@@ -8712,11 +8985,11 @@
 </file>
 
 <file path=ppt/slides/slide12.xml><?xml version="1.0" encoding="utf-8"?>
-<p:sld xmlns:a="http://schemas.openxmlformats.org/drawingml/2006/main" xmlns:r="http://schemas.openxmlformats.org/officeDocument/2006/relationships" xmlns:mc="http://schemas.openxmlformats.org/markup-compatibility/2006" xmlns:mv="urn:schemas-microsoft-com:mac:vml" xmlns:p="http://schemas.openxmlformats.org/presentationml/2006/main" xmlns:c="http://schemas.openxmlformats.org/drawingml/2006/chart" xmlns:dgm="http://schemas.openxmlformats.org/drawingml/2006/diagram" xmlns:o="urn:schemas-microsoft-com:office:office" xmlns:v="urn:schemas-microsoft-com:vml" xmlns:pvml="urn:schemas-microsoft-com:office:powerpoint" xmlns:com="http://schemas.openxmlformats.org/drawingml/2006/compatibility" xmlns:p14="http://schemas.microsoft.com/office/powerpoint/2010/main" xmlns:p15="http://schemas.microsoft.com/office/powerpoint/2012/main">
+<p:sld xmlns:a="http://schemas.openxmlformats.org/drawingml/2006/main" xmlns:r="http://schemas.openxmlformats.org/officeDocument/2006/relationships" xmlns:p="http://schemas.openxmlformats.org/presentationml/2006/main">
   <p:cSld>
     <p:spTree>
       <p:nvGrpSpPr>
-        <p:cNvPr id="134" name="Shape 134"/>
+        <p:cNvPr id="1" name="Shape 134"/>
         <p:cNvGrpSpPr/>
         <p:nvPr/>
       </p:nvGrpSpPr>
@@ -8731,7 +9004,9 @@
       <p:sp>
         <p:nvSpPr>
           <p:cNvPr id="135" name="Google Shape;135;p24"/>
-          <p:cNvSpPr txBox="1"/>
+          <p:cNvSpPr txBox="1">
+            <a:spLocks noGrp="1"/>
+          </p:cNvSpPr>
           <p:nvPr>
             <p:ph type="ctrTitle"/>
           </p:nvPr>
@@ -8746,12 +9021,12 @@
           </a:prstGeom>
         </p:spPr>
         <p:txBody>
-          <a:bodyPr anchorCtr="0" anchor="b" bIns="91425" lIns="91425" spcFirstLastPara="1" rIns="91425" wrap="square" tIns="91425">
+          <a:bodyPr spcFirstLastPara="1" wrap="square" lIns="91425" tIns="91425" rIns="91425" bIns="91425" anchor="b" anchorCtr="0">
             <a:noAutofit/>
           </a:bodyPr>
           <a:lstStyle/>
           <a:p>
-            <a:pPr indent="0" lvl="0" marL="0" rtl="0" algn="l">
+            <a:pPr marL="0" lvl="0" indent="0" algn="l" rtl="0">
               <a:spcBef>
                 <a:spcPts val="0"/>
               </a:spcBef>
@@ -8777,11 +9052,11 @@
 </file>
 
 <file path=ppt/slides/slide13.xml><?xml version="1.0" encoding="utf-8"?>
-<p:sld xmlns:a="http://schemas.openxmlformats.org/drawingml/2006/main" xmlns:r="http://schemas.openxmlformats.org/officeDocument/2006/relationships" xmlns:mc="http://schemas.openxmlformats.org/markup-compatibility/2006" xmlns:mv="urn:schemas-microsoft-com:mac:vml" xmlns:p="http://schemas.openxmlformats.org/presentationml/2006/main" xmlns:c="http://schemas.openxmlformats.org/drawingml/2006/chart" xmlns:dgm="http://schemas.openxmlformats.org/drawingml/2006/diagram" xmlns:o="urn:schemas-microsoft-com:office:office" xmlns:v="urn:schemas-microsoft-com:vml" xmlns:pvml="urn:schemas-microsoft-com:office:powerpoint" xmlns:com="http://schemas.openxmlformats.org/drawingml/2006/compatibility" xmlns:p14="http://schemas.microsoft.com/office/powerpoint/2010/main" xmlns:p15="http://schemas.microsoft.com/office/powerpoint/2012/main">
+<p:sld xmlns:a="http://schemas.openxmlformats.org/drawingml/2006/main" xmlns:r="http://schemas.openxmlformats.org/officeDocument/2006/relationships" xmlns:p="http://schemas.openxmlformats.org/presentationml/2006/main">
   <p:cSld>
     <p:spTree>
       <p:nvGrpSpPr>
-        <p:cNvPr id="139" name="Shape 139"/>
+        <p:cNvPr id="1" name="Shape 139"/>
         <p:cNvGrpSpPr/>
         <p:nvPr/>
       </p:nvGrpSpPr>
@@ -8796,7 +9071,9 @@
       <p:sp>
         <p:nvSpPr>
           <p:cNvPr id="140" name="Google Shape;140;p25"/>
-          <p:cNvSpPr txBox="1"/>
+          <p:cNvSpPr txBox="1">
+            <a:spLocks noGrp="1"/>
+          </p:cNvSpPr>
           <p:nvPr>
             <p:ph type="title"/>
           </p:nvPr>
@@ -8811,12 +9088,12 @@
           </a:prstGeom>
         </p:spPr>
         <p:txBody>
-          <a:bodyPr anchorCtr="0" anchor="b" bIns="91425" lIns="91425" spcFirstLastPara="1" rIns="91425" wrap="square" tIns="91425">
+          <a:bodyPr spcFirstLastPara="1" wrap="square" lIns="91425" tIns="91425" rIns="91425" bIns="91425" anchor="b" anchorCtr="0">
             <a:noAutofit/>
           </a:bodyPr>
           <a:lstStyle/>
           <a:p>
-            <a:pPr indent="0" lvl="0" marL="0" rtl="0" algn="l">
+            <a:pPr marL="0" lvl="0" indent="0" algn="l" rtl="0">
               <a:spcBef>
                 <a:spcPts val="0"/>
               </a:spcBef>
@@ -8892,9 +9169,11 @@
       <p:sp>
         <p:nvSpPr>
           <p:cNvPr id="143" name="Google Shape;143;p25"/>
-          <p:cNvSpPr txBox="1"/>
+          <p:cNvSpPr txBox="1">
+            <a:spLocks noGrp="1"/>
+          </p:cNvSpPr>
           <p:nvPr>
-            <p:ph idx="1" type="body"/>
+            <p:ph type="body" idx="1"/>
           </p:nvPr>
         </p:nvSpPr>
         <p:spPr>
@@ -8907,12 +9186,12 @@
           </a:prstGeom>
         </p:spPr>
         <p:txBody>
-          <a:bodyPr anchorCtr="0" anchor="t" bIns="91425" lIns="91425" spcFirstLastPara="1" rIns="91425" wrap="square" tIns="91425">
+          <a:bodyPr spcFirstLastPara="1" wrap="square" lIns="91425" tIns="91425" rIns="91425" bIns="91425" anchor="t" anchorCtr="0">
             <a:noAutofit/>
           </a:bodyPr>
           <a:lstStyle/>
           <a:p>
-            <a:pPr indent="-342900" lvl="0" marL="457200" rtl="0" algn="l">
+            <a:pPr marL="457200" lvl="0" indent="-342900" algn="l" rtl="0">
               <a:spcBef>
                 <a:spcPts val="0"/>
               </a:spcBef>
@@ -8940,7 +9219,7 @@
             </a:endParaRPr>
           </a:p>
           <a:p>
-            <a:pPr indent="-342900" lvl="0" marL="457200" rtl="0" algn="l">
+            <a:pPr marL="457200" lvl="0" indent="-342900" algn="l" rtl="0">
               <a:spcBef>
                 <a:spcPts val="0"/>
               </a:spcBef>
@@ -8978,11 +9257,11 @@
 </file>
 
 <file path=ppt/slides/slide14.xml><?xml version="1.0" encoding="utf-8"?>
-<p:sld xmlns:a="http://schemas.openxmlformats.org/drawingml/2006/main" xmlns:r="http://schemas.openxmlformats.org/officeDocument/2006/relationships" xmlns:mc="http://schemas.openxmlformats.org/markup-compatibility/2006" xmlns:mv="urn:schemas-microsoft-com:mac:vml" xmlns:p="http://schemas.openxmlformats.org/presentationml/2006/main" xmlns:c="http://schemas.openxmlformats.org/drawingml/2006/chart" xmlns:dgm="http://schemas.openxmlformats.org/drawingml/2006/diagram" xmlns:o="urn:schemas-microsoft-com:office:office" xmlns:v="urn:schemas-microsoft-com:vml" xmlns:pvml="urn:schemas-microsoft-com:office:powerpoint" xmlns:com="http://schemas.openxmlformats.org/drawingml/2006/compatibility" xmlns:p14="http://schemas.microsoft.com/office/powerpoint/2010/main" xmlns:p15="http://schemas.microsoft.com/office/powerpoint/2012/main">
+<p:sld xmlns:a="http://schemas.openxmlformats.org/drawingml/2006/main" xmlns:r="http://schemas.openxmlformats.org/officeDocument/2006/relationships" xmlns:p="http://schemas.openxmlformats.org/presentationml/2006/main">
   <p:cSld>
     <p:spTree>
       <p:nvGrpSpPr>
-        <p:cNvPr id="147" name="Shape 147"/>
+        <p:cNvPr id="1" name="Shape 147"/>
         <p:cNvGrpSpPr/>
         <p:nvPr/>
       </p:nvGrpSpPr>
@@ -8997,7 +9276,9 @@
       <p:sp>
         <p:nvSpPr>
           <p:cNvPr id="148" name="Google Shape;148;p26"/>
-          <p:cNvSpPr txBox="1"/>
+          <p:cNvSpPr txBox="1">
+            <a:spLocks noGrp="1"/>
+          </p:cNvSpPr>
           <p:nvPr>
             <p:ph type="title"/>
           </p:nvPr>
@@ -9012,12 +9293,12 @@
           </a:prstGeom>
         </p:spPr>
         <p:txBody>
-          <a:bodyPr anchorCtr="0" anchor="b" bIns="91425" lIns="91425" spcFirstLastPara="1" rIns="91425" wrap="square" tIns="91425">
+          <a:bodyPr spcFirstLastPara="1" wrap="square" lIns="91425" tIns="91425" rIns="91425" bIns="91425" anchor="b" anchorCtr="0">
             <a:noAutofit/>
           </a:bodyPr>
           <a:lstStyle/>
           <a:p>
-            <a:pPr indent="0" lvl="0" marL="0" rtl="0" algn="l">
+            <a:pPr marL="0" lvl="0" indent="0" algn="l" rtl="0">
               <a:spcBef>
                 <a:spcPts val="0"/>
               </a:spcBef>
@@ -9037,9 +9318,11 @@
       <p:sp>
         <p:nvSpPr>
           <p:cNvPr id="149" name="Google Shape;149;p26"/>
-          <p:cNvSpPr txBox="1"/>
+          <p:cNvSpPr txBox="1">
+            <a:spLocks noGrp="1"/>
+          </p:cNvSpPr>
           <p:nvPr>
-            <p:ph idx="1" type="body"/>
+            <p:ph type="body" idx="1"/>
           </p:nvPr>
         </p:nvSpPr>
         <p:spPr>
@@ -9052,12 +9335,12 @@
           </a:prstGeom>
         </p:spPr>
         <p:txBody>
-          <a:bodyPr anchorCtr="0" anchor="t" bIns="91425" lIns="91425" spcFirstLastPara="1" rIns="91425" wrap="square" tIns="91425">
+          <a:bodyPr spcFirstLastPara="1" wrap="square" lIns="91425" tIns="91425" rIns="91425" bIns="91425" anchor="t" anchorCtr="0">
             <a:noAutofit/>
           </a:bodyPr>
           <a:lstStyle/>
           <a:p>
-            <a:pPr indent="-342900" lvl="0" marL="457200" rtl="0" algn="l">
+            <a:pPr marL="457200" lvl="0" indent="-342900" algn="l" rtl="0">
               <a:spcBef>
                 <a:spcPts val="0"/>
               </a:spcBef>
@@ -9085,7 +9368,7 @@
             </a:endParaRPr>
           </a:p>
           <a:p>
-            <a:pPr indent="-342900" lvl="0" marL="457200" rtl="0" algn="l">
+            <a:pPr marL="457200" lvl="0" indent="-342900" algn="l" rtl="0">
               <a:spcBef>
                 <a:spcPts val="0"/>
               </a:spcBef>
@@ -9151,11 +9434,11 @@
 </file>
 
 <file path=ppt/slides/slide15.xml><?xml version="1.0" encoding="utf-8"?>
-<p:sld xmlns:a="http://schemas.openxmlformats.org/drawingml/2006/main" xmlns:r="http://schemas.openxmlformats.org/officeDocument/2006/relationships" xmlns:mc="http://schemas.openxmlformats.org/markup-compatibility/2006" xmlns:mv="urn:schemas-microsoft-com:mac:vml" xmlns:p="http://schemas.openxmlformats.org/presentationml/2006/main" xmlns:c="http://schemas.openxmlformats.org/drawingml/2006/chart" xmlns:dgm="http://schemas.openxmlformats.org/drawingml/2006/diagram" xmlns:o="urn:schemas-microsoft-com:office:office" xmlns:v="urn:schemas-microsoft-com:vml" xmlns:pvml="urn:schemas-microsoft-com:office:powerpoint" xmlns:com="http://schemas.openxmlformats.org/drawingml/2006/compatibility" xmlns:p14="http://schemas.microsoft.com/office/powerpoint/2010/main" xmlns:p15="http://schemas.microsoft.com/office/powerpoint/2012/main">
+<p:sld xmlns:a="http://schemas.openxmlformats.org/drawingml/2006/main" xmlns:r="http://schemas.openxmlformats.org/officeDocument/2006/relationships" xmlns:p="http://schemas.openxmlformats.org/presentationml/2006/main">
   <p:cSld>
     <p:spTree>
       <p:nvGrpSpPr>
-        <p:cNvPr id="154" name="Shape 154"/>
+        <p:cNvPr id="1" name="Shape 154"/>
         <p:cNvGrpSpPr/>
         <p:nvPr/>
       </p:nvGrpSpPr>
@@ -9170,7 +9453,9 @@
       <p:sp>
         <p:nvSpPr>
           <p:cNvPr id="155" name="Google Shape;155;p27"/>
-          <p:cNvSpPr txBox="1"/>
+          <p:cNvSpPr txBox="1">
+            <a:spLocks noGrp="1"/>
+          </p:cNvSpPr>
           <p:nvPr>
             <p:ph type="title"/>
           </p:nvPr>
@@ -9185,12 +9470,12 @@
           </a:prstGeom>
         </p:spPr>
         <p:txBody>
-          <a:bodyPr anchorCtr="0" anchor="b" bIns="91425" lIns="91425" spcFirstLastPara="1" rIns="91425" wrap="square" tIns="91425">
+          <a:bodyPr spcFirstLastPara="1" wrap="square" lIns="91425" tIns="91425" rIns="91425" bIns="91425" anchor="b" anchorCtr="0">
             <a:noAutofit/>
           </a:bodyPr>
           <a:lstStyle/>
           <a:p>
-            <a:pPr indent="0" lvl="0" marL="0" rtl="0" algn="l">
+            <a:pPr marL="0" lvl="0" indent="0" algn="l" rtl="0">
               <a:spcBef>
                 <a:spcPts val="0"/>
               </a:spcBef>
@@ -9272,11 +9557,11 @@
 </file>
 
 <file path=ppt/slides/slide16.xml><?xml version="1.0" encoding="utf-8"?>
-<p:sld xmlns:a="http://schemas.openxmlformats.org/drawingml/2006/main" xmlns:r="http://schemas.openxmlformats.org/officeDocument/2006/relationships" xmlns:mc="http://schemas.openxmlformats.org/markup-compatibility/2006" xmlns:mv="urn:schemas-microsoft-com:mac:vml" xmlns:p="http://schemas.openxmlformats.org/presentationml/2006/main" xmlns:c="http://schemas.openxmlformats.org/drawingml/2006/chart" xmlns:dgm="http://schemas.openxmlformats.org/drawingml/2006/diagram" xmlns:o="urn:schemas-microsoft-com:office:office" xmlns:v="urn:schemas-microsoft-com:vml" xmlns:pvml="urn:schemas-microsoft-com:office:powerpoint" xmlns:com="http://schemas.openxmlformats.org/drawingml/2006/compatibility" xmlns:p14="http://schemas.microsoft.com/office/powerpoint/2010/main" xmlns:p15="http://schemas.microsoft.com/office/powerpoint/2012/main">
+<p:sld xmlns:a="http://schemas.openxmlformats.org/drawingml/2006/main" xmlns:r="http://schemas.openxmlformats.org/officeDocument/2006/relationships" xmlns:p="http://schemas.openxmlformats.org/presentationml/2006/main">
   <p:cSld>
     <p:spTree>
       <p:nvGrpSpPr>
-        <p:cNvPr id="161" name="Shape 161"/>
+        <p:cNvPr id="1" name="Shape 161"/>
         <p:cNvGrpSpPr/>
         <p:nvPr/>
       </p:nvGrpSpPr>
@@ -9291,7 +9576,9 @@
       <p:sp>
         <p:nvSpPr>
           <p:cNvPr id="162" name="Google Shape;162;p28"/>
-          <p:cNvSpPr txBox="1"/>
+          <p:cNvSpPr txBox="1">
+            <a:spLocks noGrp="1"/>
+          </p:cNvSpPr>
           <p:nvPr>
             <p:ph type="title"/>
           </p:nvPr>
@@ -9306,12 +9593,12 @@
           </a:prstGeom>
         </p:spPr>
         <p:txBody>
-          <a:bodyPr anchorCtr="0" anchor="b" bIns="91425" lIns="91425" spcFirstLastPara="1" rIns="91425" wrap="square" tIns="91425">
+          <a:bodyPr spcFirstLastPara="1" wrap="square" lIns="91425" tIns="91425" rIns="91425" bIns="91425" anchor="b" anchorCtr="0">
             <a:noAutofit/>
           </a:bodyPr>
           <a:lstStyle/>
           <a:p>
-            <a:pPr indent="0" lvl="0" marL="0" rtl="0" algn="l">
+            <a:pPr marL="0" lvl="0" indent="0" algn="l" rtl="0">
               <a:spcBef>
                 <a:spcPts val="0"/>
               </a:spcBef>
@@ -9331,9 +9618,11 @@
       <p:sp>
         <p:nvSpPr>
           <p:cNvPr id="163" name="Google Shape;163;p28"/>
-          <p:cNvSpPr txBox="1"/>
+          <p:cNvSpPr txBox="1">
+            <a:spLocks noGrp="1"/>
+          </p:cNvSpPr>
           <p:nvPr>
-            <p:ph idx="1" type="body"/>
+            <p:ph type="body" idx="1"/>
           </p:nvPr>
         </p:nvSpPr>
         <p:spPr>
@@ -9346,12 +9635,12 @@
           </a:prstGeom>
         </p:spPr>
         <p:txBody>
-          <a:bodyPr anchorCtr="0" anchor="t" bIns="91425" lIns="91425" spcFirstLastPara="1" rIns="91425" wrap="square" tIns="91425">
+          <a:bodyPr spcFirstLastPara="1" wrap="square" lIns="91425" tIns="91425" rIns="91425" bIns="91425" anchor="t" anchorCtr="0">
             <a:noAutofit/>
           </a:bodyPr>
           <a:lstStyle/>
           <a:p>
-            <a:pPr indent="-342900" lvl="0" marL="457200" rtl="0" algn="l">
+            <a:pPr marL="457200" lvl="0" indent="-342900" algn="l" rtl="0">
               <a:spcBef>
                 <a:spcPts val="0"/>
               </a:spcBef>
@@ -9379,7 +9668,7 @@
             </a:endParaRPr>
           </a:p>
           <a:p>
-            <a:pPr indent="-342900" lvl="0" marL="457200" rtl="0" algn="l">
+            <a:pPr marL="457200" lvl="0" indent="-342900" algn="l" rtl="0">
               <a:spcBef>
                 <a:spcPts val="0"/>
               </a:spcBef>
@@ -9407,7 +9696,7 @@
             </a:endParaRPr>
           </a:p>
           <a:p>
-            <a:pPr indent="0" lvl="0" marL="0" rtl="0" algn="l">
+            <a:pPr marL="0" lvl="0" indent="0" algn="l" rtl="0">
               <a:spcBef>
                 <a:spcPts val="1600"/>
               </a:spcBef>
@@ -9416,9 +9705,6 @@
               </a:spcAft>
               <a:buNone/>
             </a:pPr>
-            <a:r>
-              <a:t/>
-            </a:r>
             <a:endParaRPr>
               <a:solidFill>
                 <a:srgbClr val="000000"/>
@@ -9464,11 +9750,11 @@
 </file>
 
 <file path=ppt/slides/slide17.xml><?xml version="1.0" encoding="utf-8"?>
-<p:sld xmlns:a="http://schemas.openxmlformats.org/drawingml/2006/main" xmlns:r="http://schemas.openxmlformats.org/officeDocument/2006/relationships" xmlns:mc="http://schemas.openxmlformats.org/markup-compatibility/2006" xmlns:mv="urn:schemas-microsoft-com:mac:vml" xmlns:p="http://schemas.openxmlformats.org/presentationml/2006/main" xmlns:c="http://schemas.openxmlformats.org/drawingml/2006/chart" xmlns:dgm="http://schemas.openxmlformats.org/drawingml/2006/diagram" xmlns:o="urn:schemas-microsoft-com:office:office" xmlns:v="urn:schemas-microsoft-com:vml" xmlns:pvml="urn:schemas-microsoft-com:office:powerpoint" xmlns:com="http://schemas.openxmlformats.org/drawingml/2006/compatibility" xmlns:p14="http://schemas.microsoft.com/office/powerpoint/2010/main" xmlns:p15="http://schemas.microsoft.com/office/powerpoint/2012/main">
+<p:sld xmlns:a="http://schemas.openxmlformats.org/drawingml/2006/main" xmlns:r="http://schemas.openxmlformats.org/officeDocument/2006/relationships" xmlns:p="http://schemas.openxmlformats.org/presentationml/2006/main">
   <p:cSld>
     <p:spTree>
       <p:nvGrpSpPr>
-        <p:cNvPr id="168" name="Shape 168"/>
+        <p:cNvPr id="1" name="Shape 168"/>
         <p:cNvGrpSpPr/>
         <p:nvPr/>
       </p:nvGrpSpPr>
@@ -9483,7 +9769,9 @@
       <p:sp>
         <p:nvSpPr>
           <p:cNvPr id="169" name="Google Shape;169;p29"/>
-          <p:cNvSpPr txBox="1"/>
+          <p:cNvSpPr txBox="1">
+            <a:spLocks noGrp="1"/>
+          </p:cNvSpPr>
           <p:nvPr>
             <p:ph type="title"/>
           </p:nvPr>
@@ -9498,12 +9786,12 @@
           </a:prstGeom>
         </p:spPr>
         <p:txBody>
-          <a:bodyPr anchorCtr="0" anchor="b" bIns="91425" lIns="91425" spcFirstLastPara="1" rIns="91425" wrap="square" tIns="91425">
+          <a:bodyPr spcFirstLastPara="1" wrap="square" lIns="91425" tIns="91425" rIns="91425" bIns="91425" anchor="b" anchorCtr="0">
             <a:noAutofit/>
           </a:bodyPr>
           <a:lstStyle/>
           <a:p>
-            <a:pPr indent="0" lvl="0" marL="0" rtl="0" algn="l">
+            <a:pPr marL="0" lvl="0" indent="0" algn="l" rtl="0">
               <a:spcBef>
                 <a:spcPts val="0"/>
               </a:spcBef>
@@ -9585,11 +9873,11 @@
 </file>
 
 <file path=ppt/slides/slide18.xml><?xml version="1.0" encoding="utf-8"?>
-<p:sld xmlns:a="http://schemas.openxmlformats.org/drawingml/2006/main" xmlns:r="http://schemas.openxmlformats.org/officeDocument/2006/relationships" xmlns:mc="http://schemas.openxmlformats.org/markup-compatibility/2006" xmlns:mv="urn:schemas-microsoft-com:mac:vml" xmlns:p="http://schemas.openxmlformats.org/presentationml/2006/main" xmlns:c="http://schemas.openxmlformats.org/drawingml/2006/chart" xmlns:dgm="http://schemas.openxmlformats.org/drawingml/2006/diagram" xmlns:o="urn:schemas-microsoft-com:office:office" xmlns:v="urn:schemas-microsoft-com:vml" xmlns:pvml="urn:schemas-microsoft-com:office:powerpoint" xmlns:com="http://schemas.openxmlformats.org/drawingml/2006/compatibility" xmlns:p14="http://schemas.microsoft.com/office/powerpoint/2010/main" xmlns:p15="http://schemas.microsoft.com/office/powerpoint/2012/main">
+<p:sld xmlns:a="http://schemas.openxmlformats.org/drawingml/2006/main" xmlns:r="http://schemas.openxmlformats.org/officeDocument/2006/relationships" xmlns:p="http://schemas.openxmlformats.org/presentationml/2006/main">
   <p:cSld>
     <p:spTree>
       <p:nvGrpSpPr>
-        <p:cNvPr id="175" name="Shape 175"/>
+        <p:cNvPr id="1" name="Shape 175"/>
         <p:cNvGrpSpPr/>
         <p:nvPr/>
       </p:nvGrpSpPr>
@@ -9604,7 +9892,9 @@
       <p:sp>
         <p:nvSpPr>
           <p:cNvPr id="176" name="Google Shape;176;p30"/>
-          <p:cNvSpPr txBox="1"/>
+          <p:cNvSpPr txBox="1">
+            <a:spLocks noGrp="1"/>
+          </p:cNvSpPr>
           <p:nvPr>
             <p:ph type="ctrTitle"/>
           </p:nvPr>
@@ -9619,12 +9909,12 @@
           </a:prstGeom>
         </p:spPr>
         <p:txBody>
-          <a:bodyPr anchorCtr="0" anchor="b" bIns="91425" lIns="91425" spcFirstLastPara="1" rIns="91425" wrap="square" tIns="91425">
+          <a:bodyPr spcFirstLastPara="1" wrap="square" lIns="91425" tIns="91425" rIns="91425" bIns="91425" anchor="b" anchorCtr="0">
             <a:noAutofit/>
           </a:bodyPr>
           <a:lstStyle/>
           <a:p>
-            <a:pPr indent="0" lvl="0" marL="0" rtl="0" algn="l">
+            <a:pPr marL="0" lvl="0" indent="0" algn="l" rtl="0">
               <a:spcBef>
                 <a:spcPts val="0"/>
               </a:spcBef>
@@ -9650,11 +9940,11 @@
 </file>
 
 <file path=ppt/slides/slide2.xml><?xml version="1.0" encoding="utf-8"?>
-<p:sld xmlns:a="http://schemas.openxmlformats.org/drawingml/2006/main" xmlns:r="http://schemas.openxmlformats.org/officeDocument/2006/relationships" xmlns:mc="http://schemas.openxmlformats.org/markup-compatibility/2006" xmlns:mv="urn:schemas-microsoft-com:mac:vml" xmlns:p="http://schemas.openxmlformats.org/presentationml/2006/main" xmlns:c="http://schemas.openxmlformats.org/drawingml/2006/chart" xmlns:dgm="http://schemas.openxmlformats.org/drawingml/2006/diagram" xmlns:o="urn:schemas-microsoft-com:office:office" xmlns:v="urn:schemas-microsoft-com:vml" xmlns:pvml="urn:schemas-microsoft-com:office:powerpoint" xmlns:com="http://schemas.openxmlformats.org/drawingml/2006/compatibility" xmlns:p14="http://schemas.microsoft.com/office/powerpoint/2010/main" xmlns:p15="http://schemas.microsoft.com/office/powerpoint/2012/main">
+<p:sld xmlns:a="http://schemas.openxmlformats.org/drawingml/2006/main" xmlns:r="http://schemas.openxmlformats.org/officeDocument/2006/relationships" xmlns:p="http://schemas.openxmlformats.org/presentationml/2006/main">
   <p:cSld>
     <p:spTree>
       <p:nvGrpSpPr>
-        <p:cNvPr id="72" name="Shape 72"/>
+        <p:cNvPr id="1" name="Shape 72"/>
         <p:cNvGrpSpPr/>
         <p:nvPr/>
       </p:nvGrpSpPr>
@@ -9669,7 +9959,9 @@
       <p:sp>
         <p:nvSpPr>
           <p:cNvPr id="73" name="Google Shape;73;p14"/>
-          <p:cNvSpPr txBox="1"/>
+          <p:cNvSpPr txBox="1">
+            <a:spLocks noGrp="1"/>
+          </p:cNvSpPr>
           <p:nvPr>
             <p:ph type="ctrTitle"/>
           </p:nvPr>
@@ -9684,12 +9976,12 @@
           </a:prstGeom>
         </p:spPr>
         <p:txBody>
-          <a:bodyPr anchorCtr="0" anchor="b" bIns="91425" lIns="91425" spcFirstLastPara="1" rIns="91425" wrap="square" tIns="91425">
+          <a:bodyPr spcFirstLastPara="1" wrap="square" lIns="91425" tIns="91425" rIns="91425" bIns="91425" anchor="b" anchorCtr="0">
             <a:noAutofit/>
           </a:bodyPr>
           <a:lstStyle/>
           <a:p>
-            <a:pPr indent="0" lvl="0" marL="0" rtl="0" algn="l">
+            <a:pPr marL="0" lvl="0" indent="0" algn="l" rtl="0">
               <a:spcBef>
                 <a:spcPts val="0"/>
               </a:spcBef>
@@ -9715,11 +10007,11 @@
 </file>
 
 <file path=ppt/slides/slide3.xml><?xml version="1.0" encoding="utf-8"?>
-<p:sld xmlns:a="http://schemas.openxmlformats.org/drawingml/2006/main" xmlns:r="http://schemas.openxmlformats.org/officeDocument/2006/relationships" xmlns:mc="http://schemas.openxmlformats.org/markup-compatibility/2006" xmlns:mv="urn:schemas-microsoft-com:mac:vml" xmlns:p="http://schemas.openxmlformats.org/presentationml/2006/main" xmlns:c="http://schemas.openxmlformats.org/drawingml/2006/chart" xmlns:dgm="http://schemas.openxmlformats.org/drawingml/2006/diagram" xmlns:o="urn:schemas-microsoft-com:office:office" xmlns:v="urn:schemas-microsoft-com:vml" xmlns:pvml="urn:schemas-microsoft-com:office:powerpoint" xmlns:com="http://schemas.openxmlformats.org/drawingml/2006/compatibility" xmlns:p14="http://schemas.microsoft.com/office/powerpoint/2010/main" xmlns:p15="http://schemas.microsoft.com/office/powerpoint/2012/main">
+<p:sld xmlns:a="http://schemas.openxmlformats.org/drawingml/2006/main" xmlns:r="http://schemas.openxmlformats.org/officeDocument/2006/relationships" xmlns:p="http://schemas.openxmlformats.org/presentationml/2006/main">
   <p:cSld>
     <p:spTree>
       <p:nvGrpSpPr>
-        <p:cNvPr id="77" name="Shape 77"/>
+        <p:cNvPr id="1" name="Shape 77"/>
         <p:cNvGrpSpPr/>
         <p:nvPr/>
       </p:nvGrpSpPr>
@@ -9734,7 +10026,9 @@
       <p:sp>
         <p:nvSpPr>
           <p:cNvPr id="78" name="Google Shape;78;p15"/>
-          <p:cNvSpPr txBox="1"/>
+          <p:cNvSpPr txBox="1">
+            <a:spLocks noGrp="1"/>
+          </p:cNvSpPr>
           <p:nvPr>
             <p:ph type="title"/>
           </p:nvPr>
@@ -9749,12 +10043,12 @@
           </a:prstGeom>
         </p:spPr>
         <p:txBody>
-          <a:bodyPr anchorCtr="0" anchor="b" bIns="91425" lIns="91425" spcFirstLastPara="1" rIns="91425" wrap="square" tIns="91425">
+          <a:bodyPr spcFirstLastPara="1" wrap="square" lIns="91425" tIns="91425" rIns="91425" bIns="91425" anchor="b" anchorCtr="0">
             <a:noAutofit/>
           </a:bodyPr>
           <a:lstStyle/>
           <a:p>
-            <a:pPr indent="0" lvl="0" marL="0" rtl="0" algn="l">
+            <a:pPr marL="0" lvl="0" indent="0" algn="l" rtl="0">
               <a:spcBef>
                 <a:spcPts val="0"/>
               </a:spcBef>
@@ -9774,9 +10068,11 @@
       <p:sp>
         <p:nvSpPr>
           <p:cNvPr id="79" name="Google Shape;79;p15"/>
-          <p:cNvSpPr txBox="1"/>
+          <p:cNvSpPr txBox="1">
+            <a:spLocks noGrp="1"/>
+          </p:cNvSpPr>
           <p:nvPr>
-            <p:ph idx="1" type="body"/>
+            <p:ph type="body" idx="1"/>
           </p:nvPr>
         </p:nvSpPr>
         <p:spPr>
@@ -9789,12 +10085,12 @@
           </a:prstGeom>
         </p:spPr>
         <p:txBody>
-          <a:bodyPr anchorCtr="0" anchor="t" bIns="91425" lIns="91425" spcFirstLastPara="1" rIns="91425" wrap="square" tIns="91425">
+          <a:bodyPr spcFirstLastPara="1" wrap="square" lIns="91425" tIns="91425" rIns="91425" bIns="91425" anchor="t" anchorCtr="0">
             <a:noAutofit/>
           </a:bodyPr>
           <a:lstStyle/>
           <a:p>
-            <a:pPr indent="-342900" lvl="0" marL="457200" rtl="0" algn="l">
+            <a:pPr marL="457200" lvl="0" indent="-342900" algn="l" rtl="0">
               <a:spcBef>
                 <a:spcPts val="0"/>
               </a:spcBef>
@@ -9822,7 +10118,7 @@
             </a:endParaRPr>
           </a:p>
           <a:p>
-            <a:pPr indent="-342900" lvl="0" marL="457200" rtl="0" algn="l">
+            <a:pPr marL="457200" lvl="0" indent="-342900" algn="l" rtl="0">
               <a:spcBef>
                 <a:spcPts val="0"/>
               </a:spcBef>
@@ -9916,11 +10212,11 @@
 </file>
 
 <file path=ppt/slides/slide4.xml><?xml version="1.0" encoding="utf-8"?>
-<p:sld xmlns:a="http://schemas.openxmlformats.org/drawingml/2006/main" xmlns:r="http://schemas.openxmlformats.org/officeDocument/2006/relationships" xmlns:mc="http://schemas.openxmlformats.org/markup-compatibility/2006" xmlns:mv="urn:schemas-microsoft-com:mac:vml" xmlns:p="http://schemas.openxmlformats.org/presentationml/2006/main" xmlns:c="http://schemas.openxmlformats.org/drawingml/2006/chart" xmlns:dgm="http://schemas.openxmlformats.org/drawingml/2006/diagram" xmlns:o="urn:schemas-microsoft-com:office:office" xmlns:v="urn:schemas-microsoft-com:vml" xmlns:pvml="urn:schemas-microsoft-com:office:powerpoint" xmlns:com="http://schemas.openxmlformats.org/drawingml/2006/compatibility" xmlns:p14="http://schemas.microsoft.com/office/powerpoint/2010/main" xmlns:p15="http://schemas.microsoft.com/office/powerpoint/2012/main">
+<p:sld xmlns:a="http://schemas.openxmlformats.org/drawingml/2006/main" xmlns:r="http://schemas.openxmlformats.org/officeDocument/2006/relationships" xmlns:p="http://schemas.openxmlformats.org/presentationml/2006/main">
   <p:cSld>
     <p:spTree>
       <p:nvGrpSpPr>
-        <p:cNvPr id="85" name="Shape 85"/>
+        <p:cNvPr id="1" name="Shape 85"/>
         <p:cNvGrpSpPr/>
         <p:nvPr/>
       </p:nvGrpSpPr>
@@ -9935,7 +10231,9 @@
       <p:sp>
         <p:nvSpPr>
           <p:cNvPr id="86" name="Google Shape;86;p16"/>
-          <p:cNvSpPr txBox="1"/>
+          <p:cNvSpPr txBox="1">
+            <a:spLocks noGrp="1"/>
+          </p:cNvSpPr>
           <p:nvPr>
             <p:ph type="title"/>
           </p:nvPr>
@@ -9950,12 +10248,12 @@
           </a:prstGeom>
         </p:spPr>
         <p:txBody>
-          <a:bodyPr anchorCtr="0" anchor="b" bIns="91425" lIns="91425" spcFirstLastPara="1" rIns="91425" wrap="square" tIns="91425">
+          <a:bodyPr spcFirstLastPara="1" wrap="square" lIns="91425" tIns="91425" rIns="91425" bIns="91425" anchor="b" anchorCtr="0">
             <a:noAutofit/>
           </a:bodyPr>
           <a:lstStyle/>
           <a:p>
-            <a:pPr indent="0" lvl="0" marL="0" rtl="0" algn="l">
+            <a:pPr marL="0" lvl="0" indent="0" algn="l" rtl="0">
               <a:spcBef>
                 <a:spcPts val="0"/>
               </a:spcBef>
@@ -9975,9 +10273,11 @@
       <p:sp>
         <p:nvSpPr>
           <p:cNvPr id="87" name="Google Shape;87;p16"/>
-          <p:cNvSpPr txBox="1"/>
+          <p:cNvSpPr txBox="1">
+            <a:spLocks noGrp="1"/>
+          </p:cNvSpPr>
           <p:nvPr>
-            <p:ph idx="1" type="body"/>
+            <p:ph type="body" idx="1"/>
           </p:nvPr>
         </p:nvSpPr>
         <p:spPr>
@@ -9990,12 +10290,12 @@
           </a:prstGeom>
         </p:spPr>
         <p:txBody>
-          <a:bodyPr anchorCtr="0" anchor="t" bIns="91425" lIns="91425" spcFirstLastPara="1" rIns="91425" wrap="square" tIns="91425">
+          <a:bodyPr spcFirstLastPara="1" wrap="square" lIns="91425" tIns="91425" rIns="91425" bIns="91425" anchor="t" anchorCtr="0">
             <a:noAutofit/>
           </a:bodyPr>
           <a:lstStyle/>
           <a:p>
-            <a:pPr indent="-342900" lvl="0" marL="457200" rtl="0" algn="l">
+            <a:pPr marL="457200" lvl="0" indent="-342900" algn="l" rtl="0">
               <a:spcBef>
                 <a:spcPts val="0"/>
               </a:spcBef>
@@ -10023,7 +10323,7 @@
             </a:endParaRPr>
           </a:p>
           <a:p>
-            <a:pPr indent="-342900" lvl="0" marL="457200" rtl="0" algn="l">
+            <a:pPr marL="457200" lvl="0" indent="-342900" algn="l" rtl="0">
               <a:spcBef>
                 <a:spcPts val="0"/>
               </a:spcBef>
@@ -10051,7 +10351,7 @@
             </a:endParaRPr>
           </a:p>
           <a:p>
-            <a:pPr indent="-342900" lvl="0" marL="457200" rtl="0" algn="l">
+            <a:pPr marL="457200" lvl="0" indent="-342900" algn="l" rtl="0">
               <a:spcBef>
                 <a:spcPts val="0"/>
               </a:spcBef>
@@ -10117,11 +10417,11 @@
 </file>
 
 <file path=ppt/slides/slide5.xml><?xml version="1.0" encoding="utf-8"?>
-<p:sld xmlns:a="http://schemas.openxmlformats.org/drawingml/2006/main" xmlns:r="http://schemas.openxmlformats.org/officeDocument/2006/relationships" xmlns:mc="http://schemas.openxmlformats.org/markup-compatibility/2006" xmlns:mv="urn:schemas-microsoft-com:mac:vml" xmlns:p="http://schemas.openxmlformats.org/presentationml/2006/main" xmlns:c="http://schemas.openxmlformats.org/drawingml/2006/chart" xmlns:dgm="http://schemas.openxmlformats.org/drawingml/2006/diagram" xmlns:o="urn:schemas-microsoft-com:office:office" xmlns:v="urn:schemas-microsoft-com:vml" xmlns:pvml="urn:schemas-microsoft-com:office:powerpoint" xmlns:com="http://schemas.openxmlformats.org/drawingml/2006/compatibility" xmlns:p14="http://schemas.microsoft.com/office/powerpoint/2010/main" xmlns:p15="http://schemas.microsoft.com/office/powerpoint/2012/main">
+<p:sld xmlns:a="http://schemas.openxmlformats.org/drawingml/2006/main" xmlns:r="http://schemas.openxmlformats.org/officeDocument/2006/relationships" xmlns:p="http://schemas.openxmlformats.org/presentationml/2006/main">
   <p:cSld>
     <p:spTree>
       <p:nvGrpSpPr>
-        <p:cNvPr id="92" name="Shape 92"/>
+        <p:cNvPr id="1" name="Shape 92"/>
         <p:cNvGrpSpPr/>
         <p:nvPr/>
       </p:nvGrpSpPr>
@@ -10136,7 +10436,9 @@
       <p:sp>
         <p:nvSpPr>
           <p:cNvPr id="93" name="Google Shape;93;p17"/>
-          <p:cNvSpPr txBox="1"/>
+          <p:cNvSpPr txBox="1">
+            <a:spLocks noGrp="1"/>
+          </p:cNvSpPr>
           <p:nvPr>
             <p:ph type="ctrTitle"/>
           </p:nvPr>
@@ -10151,12 +10453,12 @@
           </a:prstGeom>
         </p:spPr>
         <p:txBody>
-          <a:bodyPr anchorCtr="0" anchor="b" bIns="91425" lIns="91425" spcFirstLastPara="1" rIns="91425" wrap="square" tIns="91425">
+          <a:bodyPr spcFirstLastPara="1" wrap="square" lIns="91425" tIns="91425" rIns="91425" bIns="91425" anchor="b" anchorCtr="0">
             <a:noAutofit/>
           </a:bodyPr>
           <a:lstStyle/>
           <a:p>
-            <a:pPr indent="0" lvl="0" marL="0" rtl="0" algn="l">
+            <a:pPr marL="0" lvl="0" indent="0" algn="l" rtl="0">
               <a:spcBef>
                 <a:spcPts val="0"/>
               </a:spcBef>
@@ -10182,11 +10484,11 @@
 </file>
 
 <file path=ppt/slides/slide6.xml><?xml version="1.0" encoding="utf-8"?>
-<p:sld xmlns:a="http://schemas.openxmlformats.org/drawingml/2006/main" xmlns:r="http://schemas.openxmlformats.org/officeDocument/2006/relationships" xmlns:mc="http://schemas.openxmlformats.org/markup-compatibility/2006" xmlns:mv="urn:schemas-microsoft-com:mac:vml" xmlns:p="http://schemas.openxmlformats.org/presentationml/2006/main" xmlns:c="http://schemas.openxmlformats.org/drawingml/2006/chart" xmlns:dgm="http://schemas.openxmlformats.org/drawingml/2006/diagram" xmlns:o="urn:schemas-microsoft-com:office:office" xmlns:v="urn:schemas-microsoft-com:vml" xmlns:pvml="urn:schemas-microsoft-com:office:powerpoint" xmlns:com="http://schemas.openxmlformats.org/drawingml/2006/compatibility" xmlns:p14="http://schemas.microsoft.com/office/powerpoint/2010/main" xmlns:p15="http://schemas.microsoft.com/office/powerpoint/2012/main">
+<p:sld xmlns:a="http://schemas.openxmlformats.org/drawingml/2006/main" xmlns:r="http://schemas.openxmlformats.org/officeDocument/2006/relationships" xmlns:p="http://schemas.openxmlformats.org/presentationml/2006/main">
   <p:cSld>
     <p:spTree>
       <p:nvGrpSpPr>
-        <p:cNvPr id="97" name="Shape 97"/>
+        <p:cNvPr id="1" name="Shape 97"/>
         <p:cNvGrpSpPr/>
         <p:nvPr/>
       </p:nvGrpSpPr>
@@ -10201,7 +10503,9 @@
       <p:sp>
         <p:nvSpPr>
           <p:cNvPr id="98" name="Google Shape;98;p18"/>
-          <p:cNvSpPr txBox="1"/>
+          <p:cNvSpPr txBox="1">
+            <a:spLocks noGrp="1"/>
+          </p:cNvSpPr>
           <p:nvPr>
             <p:ph type="title"/>
           </p:nvPr>
@@ -10216,12 +10520,12 @@
           </a:prstGeom>
         </p:spPr>
         <p:txBody>
-          <a:bodyPr anchorCtr="0" anchor="b" bIns="91425" lIns="91425" spcFirstLastPara="1" rIns="91425" wrap="square" tIns="91425">
+          <a:bodyPr spcFirstLastPara="1" wrap="square" lIns="91425" tIns="91425" rIns="91425" bIns="91425" anchor="b" anchorCtr="0">
             <a:noAutofit/>
           </a:bodyPr>
           <a:lstStyle/>
           <a:p>
-            <a:pPr indent="0" lvl="0" marL="0" rtl="0" algn="l">
+            <a:pPr marL="0" lvl="0" indent="0" algn="l" rtl="0">
               <a:spcBef>
                 <a:spcPts val="0"/>
               </a:spcBef>
@@ -10241,9 +10545,11 @@
       <p:sp>
         <p:nvSpPr>
           <p:cNvPr id="99" name="Google Shape;99;p18"/>
-          <p:cNvSpPr txBox="1"/>
+          <p:cNvSpPr txBox="1">
+            <a:spLocks noGrp="1"/>
+          </p:cNvSpPr>
           <p:nvPr>
-            <p:ph idx="1" type="body"/>
+            <p:ph type="body" idx="1"/>
           </p:nvPr>
         </p:nvSpPr>
         <p:spPr>
@@ -10256,12 +10562,12 @@
           </a:prstGeom>
         </p:spPr>
         <p:txBody>
-          <a:bodyPr anchorCtr="0" anchor="t" bIns="91425" lIns="91425" spcFirstLastPara="1" rIns="91425" wrap="square" tIns="91425">
+          <a:bodyPr spcFirstLastPara="1" wrap="square" lIns="91425" tIns="91425" rIns="91425" bIns="91425" anchor="t" anchorCtr="0">
             <a:noAutofit/>
           </a:bodyPr>
           <a:lstStyle/>
           <a:p>
-            <a:pPr indent="-342900" lvl="0" marL="457200" rtl="0" algn="l">
+            <a:pPr marL="457200" lvl="0" indent="-342900" algn="l" rtl="0">
               <a:spcBef>
                 <a:spcPts val="0"/>
               </a:spcBef>
@@ -10289,7 +10595,7 @@
             </a:endParaRPr>
           </a:p>
           <a:p>
-            <a:pPr indent="-342900" lvl="0" marL="457200" rtl="0" algn="l">
+            <a:pPr marL="457200" lvl="0" indent="-342900" algn="l" rtl="0">
               <a:spcBef>
                 <a:spcPts val="0"/>
               </a:spcBef>
@@ -10317,7 +10623,7 @@
             </a:endParaRPr>
           </a:p>
           <a:p>
-            <a:pPr indent="-342900" lvl="0" marL="457200" rtl="0" algn="l">
+            <a:pPr marL="457200" lvl="0" indent="-342900" algn="l" rtl="0">
               <a:spcBef>
                 <a:spcPts val="0"/>
               </a:spcBef>
@@ -10383,11 +10689,11 @@
 </file>
 
 <file path=ppt/slides/slide7.xml><?xml version="1.0" encoding="utf-8"?>
-<p:sld xmlns:a="http://schemas.openxmlformats.org/drawingml/2006/main" xmlns:r="http://schemas.openxmlformats.org/officeDocument/2006/relationships" xmlns:mc="http://schemas.openxmlformats.org/markup-compatibility/2006" xmlns:mv="urn:schemas-microsoft-com:mac:vml" xmlns:p="http://schemas.openxmlformats.org/presentationml/2006/main" xmlns:c="http://schemas.openxmlformats.org/drawingml/2006/chart" xmlns:dgm="http://schemas.openxmlformats.org/drawingml/2006/diagram" xmlns:o="urn:schemas-microsoft-com:office:office" xmlns:v="urn:schemas-microsoft-com:vml" xmlns:pvml="urn:schemas-microsoft-com:office:powerpoint" xmlns:com="http://schemas.openxmlformats.org/drawingml/2006/compatibility" xmlns:p14="http://schemas.microsoft.com/office/powerpoint/2010/main" xmlns:p15="http://schemas.microsoft.com/office/powerpoint/2012/main">
+<p:sld xmlns:a="http://schemas.openxmlformats.org/drawingml/2006/main" xmlns:r="http://schemas.openxmlformats.org/officeDocument/2006/relationships" xmlns:p="http://schemas.openxmlformats.org/presentationml/2006/main">
   <p:cSld>
     <p:spTree>
       <p:nvGrpSpPr>
-        <p:cNvPr id="104" name="Shape 104"/>
+        <p:cNvPr id="1" name="Shape 104"/>
         <p:cNvGrpSpPr/>
         <p:nvPr/>
       </p:nvGrpSpPr>
@@ -10402,7 +10708,9 @@
       <p:sp>
         <p:nvSpPr>
           <p:cNvPr id="105" name="Google Shape;105;p19"/>
-          <p:cNvSpPr txBox="1"/>
+          <p:cNvSpPr txBox="1">
+            <a:spLocks noGrp="1"/>
+          </p:cNvSpPr>
           <p:nvPr>
             <p:ph type="title"/>
           </p:nvPr>
@@ -10417,12 +10725,12 @@
           </a:prstGeom>
         </p:spPr>
         <p:txBody>
-          <a:bodyPr anchorCtr="0" anchor="b" bIns="91425" lIns="91425" spcFirstLastPara="1" rIns="91425" wrap="square" tIns="91425">
+          <a:bodyPr spcFirstLastPara="1" wrap="square" lIns="91425" tIns="91425" rIns="91425" bIns="91425" anchor="b" anchorCtr="0">
             <a:noAutofit/>
           </a:bodyPr>
           <a:lstStyle/>
           <a:p>
-            <a:pPr indent="0" lvl="0" marL="0" rtl="0" algn="l">
+            <a:pPr marL="0" lvl="0" indent="0" algn="l" rtl="0">
               <a:spcBef>
                 <a:spcPts val="0"/>
               </a:spcBef>
@@ -10455,7 +10763,7 @@
         </p:blipFill>
         <p:spPr>
           <a:xfrm>
-            <a:off x="471900" y="1782775"/>
+            <a:off x="215046" y="1724629"/>
             <a:ext cx="1647825" cy="3299375"/>
           </a:xfrm>
           <a:prstGeom prst="rect">
@@ -10469,30 +10777,26 @@
       </p:pic>
       <p:pic>
         <p:nvPicPr>
-          <p:cNvPr id="107" name="Google Shape;107;p19"/>
-          <p:cNvPicPr preferRelativeResize="0"/>
+          <p:cNvPr id="2" name="Picture 1"/>
+          <p:cNvPicPr>
+            <a:picLocks noChangeAspect="1"/>
+          </p:cNvPicPr>
           <p:nvPr/>
         </p:nvPicPr>
         <p:blipFill>
-          <a:blip r:embed="rId4">
-            <a:alphaModFix/>
-          </a:blip>
+          <a:blip r:embed="rId4"/>
           <a:stretch>
             <a:fillRect/>
           </a:stretch>
         </p:blipFill>
         <p:spPr>
           <a:xfrm>
-            <a:off x="2719725" y="1782775"/>
-            <a:ext cx="5734050" cy="3231750"/>
+            <a:off x="2119724" y="2078774"/>
+            <a:ext cx="7024275" cy="2591087"/>
           </a:xfrm>
           <a:prstGeom prst="rect">
             <a:avLst/>
           </a:prstGeom>
-          <a:noFill/>
-          <a:ln>
-            <a:noFill/>
-          </a:ln>
         </p:spPr>
       </p:pic>
     </p:spTree>
@@ -10504,11 +10808,11 @@
 </file>
 
 <file path=ppt/slides/slide8.xml><?xml version="1.0" encoding="utf-8"?>
-<p:sld xmlns:a="http://schemas.openxmlformats.org/drawingml/2006/main" xmlns:r="http://schemas.openxmlformats.org/officeDocument/2006/relationships" xmlns:mc="http://schemas.openxmlformats.org/markup-compatibility/2006" xmlns:mv="urn:schemas-microsoft-com:mac:vml" xmlns:p="http://schemas.openxmlformats.org/presentationml/2006/main" xmlns:c="http://schemas.openxmlformats.org/drawingml/2006/chart" xmlns:dgm="http://schemas.openxmlformats.org/drawingml/2006/diagram" xmlns:o="urn:schemas-microsoft-com:office:office" xmlns:v="urn:schemas-microsoft-com:vml" xmlns:pvml="urn:schemas-microsoft-com:office:powerpoint" xmlns:com="http://schemas.openxmlformats.org/drawingml/2006/compatibility" xmlns:p14="http://schemas.microsoft.com/office/powerpoint/2010/main" xmlns:p15="http://schemas.microsoft.com/office/powerpoint/2012/main">
+<p:sld xmlns:a="http://schemas.openxmlformats.org/drawingml/2006/main" xmlns:r="http://schemas.openxmlformats.org/officeDocument/2006/relationships" xmlns:p="http://schemas.openxmlformats.org/presentationml/2006/main">
   <p:cSld>
     <p:spTree>
       <p:nvGrpSpPr>
-        <p:cNvPr id="111" name="Shape 111"/>
+        <p:cNvPr id="1" name="Shape 111"/>
         <p:cNvGrpSpPr/>
         <p:nvPr/>
       </p:nvGrpSpPr>
@@ -10523,7 +10827,9 @@
       <p:sp>
         <p:nvSpPr>
           <p:cNvPr id="112" name="Google Shape;112;p20"/>
-          <p:cNvSpPr txBox="1"/>
+          <p:cNvSpPr txBox="1">
+            <a:spLocks noGrp="1"/>
+          </p:cNvSpPr>
           <p:nvPr>
             <p:ph type="ctrTitle"/>
           </p:nvPr>
@@ -10538,12 +10844,12 @@
           </a:prstGeom>
         </p:spPr>
         <p:txBody>
-          <a:bodyPr anchorCtr="0" anchor="b" bIns="91425" lIns="91425" spcFirstLastPara="1" rIns="91425" wrap="square" tIns="91425">
+          <a:bodyPr spcFirstLastPara="1" wrap="square" lIns="91425" tIns="91425" rIns="91425" bIns="91425" anchor="b" anchorCtr="0">
             <a:noAutofit/>
           </a:bodyPr>
           <a:lstStyle/>
           <a:p>
-            <a:pPr indent="0" lvl="0" marL="0" rtl="0" algn="l">
+            <a:pPr marL="0" lvl="0" indent="0" algn="l" rtl="0">
               <a:spcBef>
                 <a:spcPts val="0"/>
               </a:spcBef>
@@ -10569,11 +10875,11 @@
 </file>
 
 <file path=ppt/slides/slide9.xml><?xml version="1.0" encoding="utf-8"?>
-<p:sld xmlns:a="http://schemas.openxmlformats.org/drawingml/2006/main" xmlns:r="http://schemas.openxmlformats.org/officeDocument/2006/relationships" xmlns:mc="http://schemas.openxmlformats.org/markup-compatibility/2006" xmlns:mv="urn:schemas-microsoft-com:mac:vml" xmlns:p="http://schemas.openxmlformats.org/presentationml/2006/main" xmlns:c="http://schemas.openxmlformats.org/drawingml/2006/chart" xmlns:dgm="http://schemas.openxmlformats.org/drawingml/2006/diagram" xmlns:o="urn:schemas-microsoft-com:office:office" xmlns:v="urn:schemas-microsoft-com:vml" xmlns:pvml="urn:schemas-microsoft-com:office:powerpoint" xmlns:com="http://schemas.openxmlformats.org/drawingml/2006/compatibility" xmlns:p14="http://schemas.microsoft.com/office/powerpoint/2010/main" xmlns:p15="http://schemas.microsoft.com/office/powerpoint/2012/main">
+<p:sld xmlns:a="http://schemas.openxmlformats.org/drawingml/2006/main" xmlns:r="http://schemas.openxmlformats.org/officeDocument/2006/relationships" xmlns:p="http://schemas.openxmlformats.org/presentationml/2006/main">
   <p:cSld>
     <p:spTree>
       <p:nvGrpSpPr>
-        <p:cNvPr id="116" name="Shape 116"/>
+        <p:cNvPr id="1" name="Shape 116"/>
         <p:cNvGrpSpPr/>
         <p:nvPr/>
       </p:nvGrpSpPr>
@@ -10588,7 +10894,9 @@
       <p:sp>
         <p:nvSpPr>
           <p:cNvPr id="117" name="Google Shape;117;p21"/>
-          <p:cNvSpPr txBox="1"/>
+          <p:cNvSpPr txBox="1">
+            <a:spLocks noGrp="1"/>
+          </p:cNvSpPr>
           <p:nvPr>
             <p:ph type="title"/>
           </p:nvPr>
@@ -10603,12 +10911,12 @@
           </a:prstGeom>
         </p:spPr>
         <p:txBody>
-          <a:bodyPr anchorCtr="0" anchor="b" bIns="91425" lIns="91425" spcFirstLastPara="1" rIns="91425" wrap="square" tIns="91425">
+          <a:bodyPr spcFirstLastPara="1" wrap="square" lIns="91425" tIns="91425" rIns="91425" bIns="91425" anchor="b" anchorCtr="0">
             <a:noAutofit/>
           </a:bodyPr>
           <a:lstStyle/>
           <a:p>
-            <a:pPr indent="0" lvl="0" marL="0" rtl="0" algn="l">
+            <a:pPr marL="0" lvl="0" indent="0" algn="l" rtl="0">
               <a:spcBef>
                 <a:spcPts val="0"/>
               </a:spcBef>
@@ -10628,9 +10936,11 @@
       <p:sp>
         <p:nvSpPr>
           <p:cNvPr id="118" name="Google Shape;118;p21"/>
-          <p:cNvSpPr txBox="1"/>
+          <p:cNvSpPr txBox="1">
+            <a:spLocks noGrp="1"/>
+          </p:cNvSpPr>
           <p:nvPr>
-            <p:ph idx="1" type="body"/>
+            <p:ph type="body" idx="1"/>
           </p:nvPr>
         </p:nvSpPr>
         <p:spPr>
@@ -10643,12 +10953,12 @@
           </a:prstGeom>
         </p:spPr>
         <p:txBody>
-          <a:bodyPr anchorCtr="0" anchor="t" bIns="91425" lIns="91425" spcFirstLastPara="1" rIns="91425" wrap="square" tIns="91425">
+          <a:bodyPr spcFirstLastPara="1" wrap="square" lIns="91425" tIns="91425" rIns="91425" bIns="91425" anchor="t" anchorCtr="0">
             <a:noAutofit/>
           </a:bodyPr>
           <a:lstStyle/>
           <a:p>
-            <a:pPr indent="-342900" lvl="0" marL="457200" rtl="0" algn="l">
+            <a:pPr marL="457200" lvl="0" indent="-342900" algn="l" rtl="0">
               <a:spcBef>
                 <a:spcPts val="0"/>
               </a:spcBef>
@@ -10676,7 +10986,7 @@
             </a:endParaRPr>
           </a:p>
           <a:p>
-            <a:pPr indent="-342900" lvl="0" marL="457200" rtl="0" algn="l">
+            <a:pPr marL="457200" lvl="0" indent="-342900" algn="l" rtl="0">
               <a:spcBef>
                 <a:spcPts val="0"/>
               </a:spcBef>
@@ -10742,7 +11052,7 @@
 </file>
 
 <file path=ppt/theme/theme1.xml><?xml version="1.0" encoding="utf-8"?>
-<a:theme xmlns:a="http://schemas.openxmlformats.org/drawingml/2006/main" xmlns:r="http://schemas.openxmlformats.org/officeDocument/2006/relationships" name="Material">
+<a:theme xmlns:a="http://schemas.openxmlformats.org/drawingml/2006/main" name="Material">
   <a:themeElements>
     <a:clrScheme name="Material">
       <a:dk1>
@@ -11017,11 +11327,13 @@
       </a:bgFillStyleLst>
     </a:fmtScheme>
   </a:themeElements>
+  <a:objectDefaults/>
+  <a:extraClrSchemeLst/>
 </a:theme>
 </file>
 
 <file path=ppt/theme/theme2.xml><?xml version="1.0" encoding="utf-8"?>
-<a:theme xmlns:a="http://schemas.openxmlformats.org/drawingml/2006/main" xmlns:r="http://schemas.openxmlformats.org/officeDocument/2006/relationships">
+<a:theme xmlns:a="http://schemas.openxmlformats.org/drawingml/2006/main">
   <a:themeElements>
     <a:clrScheme name="Default">
       <a:dk1>
@@ -11296,5 +11608,7 @@
       </a:bgFillStyleLst>
     </a:fmtScheme>
   </a:themeElements>
+  <a:objectDefaults/>
+  <a:extraClrSchemeLst/>
 </a:theme>
 </file>